--- a/presentation.pdf.pptx
+++ b/presentation.pdf.pptx
@@ -8,6 +8,19 @@
     <p:sldId id="256" r:id="rId2"/>
     <p:sldId id="259" r:id="rId3"/>
     <p:sldId id="258" r:id="rId4"/>
+    <p:sldId id="260" r:id="rId5"/>
+    <p:sldId id="261" r:id="rId6"/>
+    <p:sldId id="262" r:id="rId7"/>
+    <p:sldId id="263" r:id="rId8"/>
+    <p:sldId id="264" r:id="rId9"/>
+    <p:sldId id="265" r:id="rId10"/>
+    <p:sldId id="266" r:id="rId11"/>
+    <p:sldId id="267" r:id="rId12"/>
+    <p:sldId id="268" r:id="rId13"/>
+    <p:sldId id="269" r:id="rId14"/>
+    <p:sldId id="270" r:id="rId15"/>
+    <p:sldId id="271" r:id="rId16"/>
+    <p:sldId id="272" r:id="rId17"/>
   </p:sldIdLst>
   <p:sldSz cx="12192000" cy="6858000"/>
   <p:notesSz cx="6858000" cy="9144000"/>
@@ -106,6 +119,11 @@
       </a:defRPr>
     </a:lvl9pPr>
   </p:defaultTextStyle>
+  <p:extLst>
+    <p:ext uri="{EFAFB233-063F-42B5-8137-9DF3F51BA10A}">
+      <p15:sldGuideLst xmlns:p15="http://schemas.microsoft.com/office/powerpoint/2012/main"/>
+    </p:ext>
+  </p:extLst>
 </p:presentation>
 </file>
 
@@ -3309,6 +3327,40 @@
 <file path=ppt/slides/slide1.xml><?xml version="1.0" encoding="utf-8"?>
 <p:sld xmlns:a="http://schemas.openxmlformats.org/drawingml/2006/main" xmlns:r="http://schemas.openxmlformats.org/officeDocument/2006/relationships" xmlns:p="http://schemas.openxmlformats.org/presentationml/2006/main">
   <p:cSld>
+    <p:bg>
+      <p:bgPr>
+        <a:gradFill>
+          <a:gsLst>
+            <a:gs pos="0">
+              <a:schemeClr val="accent1">
+                <a:lumMod val="5000"/>
+                <a:lumOff val="95000"/>
+              </a:schemeClr>
+            </a:gs>
+            <a:gs pos="74000">
+              <a:schemeClr val="accent1">
+                <a:lumMod val="45000"/>
+                <a:lumOff val="55000"/>
+              </a:schemeClr>
+            </a:gs>
+            <a:gs pos="83000">
+              <a:schemeClr val="accent1">
+                <a:lumMod val="45000"/>
+                <a:lumOff val="55000"/>
+              </a:schemeClr>
+            </a:gs>
+            <a:gs pos="100000">
+              <a:schemeClr val="accent1">
+                <a:lumMod val="30000"/>
+                <a:lumOff val="70000"/>
+              </a:schemeClr>
+            </a:gs>
+          </a:gsLst>
+          <a:lin ang="5400000" scaled="1"/>
+        </a:gradFill>
+        <a:effectLst/>
+      </p:bgPr>
+    </p:bg>
     <p:spTree>
       <p:nvGrpSpPr>
         <p:cNvPr id="1" name=""/>
@@ -3392,9 +3444,1160 @@
 </p:sld>
 </file>
 
+<file path=ppt/slides/slide10.xml><?xml version="1.0" encoding="utf-8"?>
+<p:sld xmlns:a="http://schemas.openxmlformats.org/drawingml/2006/main" xmlns:r="http://schemas.openxmlformats.org/officeDocument/2006/relationships" xmlns:p="http://schemas.openxmlformats.org/presentationml/2006/main">
+  <p:cSld>
+    <p:bg>
+      <p:bgPr>
+        <a:gradFill>
+          <a:gsLst>
+            <a:gs pos="0">
+              <a:schemeClr val="accent1">
+                <a:lumMod val="5000"/>
+                <a:lumOff val="95000"/>
+              </a:schemeClr>
+            </a:gs>
+            <a:gs pos="74000">
+              <a:schemeClr val="accent1">
+                <a:lumMod val="45000"/>
+                <a:lumOff val="55000"/>
+              </a:schemeClr>
+            </a:gs>
+            <a:gs pos="83000">
+              <a:schemeClr val="accent1">
+                <a:lumMod val="45000"/>
+                <a:lumOff val="55000"/>
+              </a:schemeClr>
+            </a:gs>
+            <a:gs pos="100000">
+              <a:schemeClr val="accent1">
+                <a:lumMod val="30000"/>
+                <a:lumOff val="70000"/>
+              </a:schemeClr>
+            </a:gs>
+          </a:gsLst>
+          <a:lin ang="5400000" scaled="1"/>
+        </a:gradFill>
+        <a:effectLst/>
+      </p:bgPr>
+    </p:bg>
+    <p:spTree>
+      <p:nvGrpSpPr>
+        <p:cNvPr id="1" name=""/>
+        <p:cNvGrpSpPr/>
+        <p:nvPr/>
+      </p:nvGrpSpPr>
+      <p:grpSpPr>
+        <a:xfrm>
+          <a:off x="0" y="0"/>
+          <a:ext cx="0" cy="0"/>
+          <a:chOff x="0" y="0"/>
+          <a:chExt cx="0" cy="0"/>
+        </a:xfrm>
+      </p:grpSpPr>
+      <p:sp>
+        <p:nvSpPr>
+          <p:cNvPr id="2" name="Title 1">
+            <a:extLst>
+              <a:ext uri="{FF2B5EF4-FFF2-40B4-BE49-F238E27FC236}">
+                <a16:creationId xmlns:a16="http://schemas.microsoft.com/office/drawing/2014/main" id="{381AB7E0-DC91-7B10-D821-D3C85896BD2C}"/>
+              </a:ext>
+            </a:extLst>
+          </p:cNvPr>
+          <p:cNvSpPr>
+            <a:spLocks noGrp="1"/>
+          </p:cNvSpPr>
+          <p:nvPr>
+            <p:ph type="title"/>
+          </p:nvPr>
+        </p:nvSpPr>
+        <p:spPr>
+          <a:xfrm>
+            <a:off x="838200" y="365125"/>
+            <a:ext cx="10515600" cy="1569991"/>
+          </a:xfrm>
+        </p:spPr>
+        <p:txBody>
+          <a:bodyPr>
+            <a:normAutofit/>
+          </a:bodyPr>
+          <a:lstStyle/>
+          <a:p>
+            <a:r>
+              <a:rPr lang="en-US" sz="1800" kern="0" dirty="0">
+                <a:solidFill>
+                  <a:schemeClr val="accent6"/>
+                </a:solidFill>
+                <a:effectLst/>
+                <a:latin typeface="Consolas" panose="020B0609020204030204" pitchFamily="49" charset="0"/>
+                <a:ea typeface="Times New Roman" panose="02020603050405020304" pitchFamily="18" charset="0"/>
+                <a:cs typeface="Times New Roman" panose="02020603050405020304" pitchFamily="18" charset="0"/>
+              </a:rPr>
+              <a:t>Risk vs Reward: Categories with higher standard deviation (risk) but also higher mean ROI suggest that while these movies are riskier investments, they have the potential for higher returns.</a:t>
+            </a:r>
+            <a:br>
+              <a:rPr lang="en-US" sz="1800" kern="100" dirty="0">
+                <a:effectLst/>
+                <a:latin typeface="Calibri" panose="020F0502020204030204" pitchFamily="34" charset="0"/>
+                <a:ea typeface="Calibri" panose="020F0502020204030204" pitchFamily="34" charset="0"/>
+                <a:cs typeface="Times New Roman" panose="02020603050405020304" pitchFamily="18" charset="0"/>
+              </a:rPr>
+            </a:br>
+            <a:endParaRPr lang="en-US" dirty="0"/>
+          </a:p>
+        </p:txBody>
+      </p:sp>
+      <p:pic>
+        <p:nvPicPr>
+          <p:cNvPr id="5" name="Content Placeholder 4">
+            <a:extLst>
+              <a:ext uri="{FF2B5EF4-FFF2-40B4-BE49-F238E27FC236}">
+                <a16:creationId xmlns:a16="http://schemas.microsoft.com/office/drawing/2014/main" id="{8B4E4141-2A05-0654-92E7-C2AD85772EF2}"/>
+              </a:ext>
+            </a:extLst>
+          </p:cNvPr>
+          <p:cNvPicPr>
+            <a:picLocks noGrp="1" noChangeAspect="1"/>
+          </p:cNvPicPr>
+          <p:nvPr>
+            <p:ph idx="1"/>
+          </p:nvPr>
+        </p:nvPicPr>
+        <p:blipFill>
+          <a:blip r:embed="rId2"/>
+          <a:stretch>
+            <a:fillRect/>
+          </a:stretch>
+        </p:blipFill>
+        <p:spPr>
+          <a:xfrm>
+            <a:off x="838200" y="1935116"/>
+            <a:ext cx="10515600" cy="4132355"/>
+          </a:xfrm>
+        </p:spPr>
+      </p:pic>
+    </p:spTree>
+    <p:extLst>
+      <p:ext uri="{BB962C8B-B14F-4D97-AF65-F5344CB8AC3E}">
+        <p14:creationId xmlns:p14="http://schemas.microsoft.com/office/powerpoint/2010/main" val="1228961466"/>
+      </p:ext>
+    </p:extLst>
+  </p:cSld>
+  <p:clrMapOvr>
+    <a:masterClrMapping/>
+  </p:clrMapOvr>
+</p:sld>
+</file>
+
+<file path=ppt/slides/slide11.xml><?xml version="1.0" encoding="utf-8"?>
+<p:sld xmlns:a="http://schemas.openxmlformats.org/drawingml/2006/main" xmlns:r="http://schemas.openxmlformats.org/officeDocument/2006/relationships" xmlns:p="http://schemas.openxmlformats.org/presentationml/2006/main">
+  <p:cSld>
+    <p:bg>
+      <p:bgPr>
+        <a:gradFill>
+          <a:gsLst>
+            <a:gs pos="0">
+              <a:schemeClr val="accent1">
+                <a:lumMod val="5000"/>
+                <a:lumOff val="95000"/>
+              </a:schemeClr>
+            </a:gs>
+            <a:gs pos="74000">
+              <a:schemeClr val="accent1">
+                <a:lumMod val="45000"/>
+                <a:lumOff val="55000"/>
+              </a:schemeClr>
+            </a:gs>
+            <a:gs pos="83000">
+              <a:schemeClr val="accent1">
+                <a:lumMod val="45000"/>
+                <a:lumOff val="55000"/>
+              </a:schemeClr>
+            </a:gs>
+            <a:gs pos="100000">
+              <a:schemeClr val="accent1">
+                <a:lumMod val="30000"/>
+                <a:lumOff val="70000"/>
+              </a:schemeClr>
+            </a:gs>
+          </a:gsLst>
+          <a:lin ang="5400000" scaled="1"/>
+        </a:gradFill>
+        <a:effectLst/>
+      </p:bgPr>
+    </p:bg>
+    <p:spTree>
+      <p:nvGrpSpPr>
+        <p:cNvPr id="1" name=""/>
+        <p:cNvGrpSpPr/>
+        <p:nvPr/>
+      </p:nvGrpSpPr>
+      <p:grpSpPr>
+        <a:xfrm>
+          <a:off x="0" y="0"/>
+          <a:ext cx="0" cy="0"/>
+          <a:chOff x="0" y="0"/>
+          <a:chExt cx="0" cy="0"/>
+        </a:xfrm>
+      </p:grpSpPr>
+      <p:sp>
+        <p:nvSpPr>
+          <p:cNvPr id="2" name="Title 1">
+            <a:extLst>
+              <a:ext uri="{FF2B5EF4-FFF2-40B4-BE49-F238E27FC236}">
+                <a16:creationId xmlns:a16="http://schemas.microsoft.com/office/drawing/2014/main" id="{2AE79C34-E071-67E2-55BE-674EBB1DBC4C}"/>
+              </a:ext>
+            </a:extLst>
+          </p:cNvPr>
+          <p:cNvSpPr>
+            <a:spLocks noGrp="1"/>
+          </p:cNvSpPr>
+          <p:nvPr>
+            <p:ph type="title"/>
+          </p:nvPr>
+        </p:nvSpPr>
+        <p:spPr/>
+        <p:txBody>
+          <a:bodyPr>
+            <a:normAutofit fontScale="90000"/>
+          </a:bodyPr>
+          <a:lstStyle/>
+          <a:p>
+            <a:pPr marL="0" marR="0">
+              <a:lnSpc>
+                <a:spcPts val="1425"/>
+              </a:lnSpc>
+              <a:spcAft>
+                <a:spcPts val="800"/>
+              </a:spcAft>
+            </a:pPr>
+            <a:r>
+              <a:rPr lang="en-US" sz="1800" kern="0" dirty="0">
+                <a:solidFill>
+                  <a:srgbClr val="6A9955"/>
+                </a:solidFill>
+                <a:effectLst/>
+                <a:latin typeface="Consolas" panose="020B0609020204030204" pitchFamily="49" charset="0"/>
+                <a:ea typeface="Times New Roman" panose="02020603050405020304" pitchFamily="18" charset="0"/>
+                <a:cs typeface="Times New Roman" panose="02020603050405020304" pitchFamily="18" charset="0"/>
+              </a:rPr>
+              <a:t>Success Rate: The size of the bubbles indicates the success rate; larger bubbles represent higher success rates, providing a visual cue to the profitability of each budget category.</a:t>
+            </a:r>
+            <a:br>
+              <a:rPr lang="en-US" sz="1800" kern="100" dirty="0">
+                <a:effectLst/>
+                <a:latin typeface="Calibri" panose="020F0502020204030204" pitchFamily="34" charset="0"/>
+                <a:ea typeface="Calibri" panose="020F0502020204030204" pitchFamily="34" charset="0"/>
+                <a:cs typeface="Times New Roman" panose="02020603050405020304" pitchFamily="18" charset="0"/>
+              </a:rPr>
+            </a:br>
+            <a:r>
+              <a:rPr lang="en-US" sz="1800" kern="0" dirty="0">
+                <a:solidFill>
+                  <a:srgbClr val="CCCCCC"/>
+                </a:solidFill>
+                <a:effectLst/>
+                <a:latin typeface="Consolas" panose="020B0609020204030204" pitchFamily="49" charset="0"/>
+                <a:ea typeface="Times New Roman" panose="02020603050405020304" pitchFamily="18" charset="0"/>
+                <a:cs typeface="Times New Roman" panose="02020603050405020304" pitchFamily="18" charset="0"/>
+              </a:rPr>
+              <a:t> </a:t>
+            </a:r>
+            <a:br>
+              <a:rPr lang="en-US" sz="1800" kern="100" dirty="0">
+                <a:effectLst/>
+                <a:latin typeface="Calibri" panose="020F0502020204030204" pitchFamily="34" charset="0"/>
+                <a:ea typeface="Calibri" panose="020F0502020204030204" pitchFamily="34" charset="0"/>
+                <a:cs typeface="Times New Roman" panose="02020603050405020304" pitchFamily="18" charset="0"/>
+              </a:rPr>
+            </a:br>
+            <a:r>
+              <a:rPr lang="en-US" sz="1800" kern="0" dirty="0">
+                <a:solidFill>
+                  <a:srgbClr val="6A9955"/>
+                </a:solidFill>
+                <a:effectLst/>
+                <a:latin typeface="Consolas" panose="020B0609020204030204" pitchFamily="49" charset="0"/>
+                <a:ea typeface="Times New Roman" panose="02020603050405020304" pitchFamily="18" charset="0"/>
+                <a:cs typeface="Times New Roman" panose="02020603050405020304" pitchFamily="18" charset="0"/>
+              </a:rPr>
+              <a:t>Budget Category Comparison: This visualization allows for a comparative analysis of how different budget categories balance risk and reward, aiding in strategic decision-making for investments in the movie industry</a:t>
+            </a:r>
+            <a:endParaRPr lang="en-US" dirty="0"/>
+          </a:p>
+        </p:txBody>
+      </p:sp>
+      <p:pic>
+        <p:nvPicPr>
+          <p:cNvPr id="5" name="Content Placeholder 4">
+            <a:extLst>
+              <a:ext uri="{FF2B5EF4-FFF2-40B4-BE49-F238E27FC236}">
+                <a16:creationId xmlns:a16="http://schemas.microsoft.com/office/drawing/2014/main" id="{3FAB4D56-33FA-03CB-13F3-B762A94AB2D5}"/>
+              </a:ext>
+            </a:extLst>
+          </p:cNvPr>
+          <p:cNvPicPr>
+            <a:picLocks noGrp="1" noChangeAspect="1"/>
+          </p:cNvPicPr>
+          <p:nvPr>
+            <p:ph idx="1"/>
+          </p:nvPr>
+        </p:nvPicPr>
+        <p:blipFill>
+          <a:blip r:embed="rId2"/>
+          <a:stretch>
+            <a:fillRect/>
+          </a:stretch>
+        </p:blipFill>
+        <p:spPr>
+          <a:xfrm>
+            <a:off x="838200" y="2063108"/>
+            <a:ext cx="10515600" cy="3876371"/>
+          </a:xfrm>
+        </p:spPr>
+      </p:pic>
+    </p:spTree>
+    <p:extLst>
+      <p:ext uri="{BB962C8B-B14F-4D97-AF65-F5344CB8AC3E}">
+        <p14:creationId xmlns:p14="http://schemas.microsoft.com/office/powerpoint/2010/main" val="1070787534"/>
+      </p:ext>
+    </p:extLst>
+  </p:cSld>
+  <p:clrMapOvr>
+    <a:masterClrMapping/>
+  </p:clrMapOvr>
+</p:sld>
+</file>
+
+<file path=ppt/slides/slide12.xml><?xml version="1.0" encoding="utf-8"?>
+<p:sld xmlns:a="http://schemas.openxmlformats.org/drawingml/2006/main" xmlns:r="http://schemas.openxmlformats.org/officeDocument/2006/relationships" xmlns:p="http://schemas.openxmlformats.org/presentationml/2006/main">
+  <p:cSld>
+    <p:bg>
+      <p:bgPr>
+        <a:gradFill>
+          <a:gsLst>
+            <a:gs pos="0">
+              <a:schemeClr val="accent1">
+                <a:lumMod val="5000"/>
+                <a:lumOff val="95000"/>
+              </a:schemeClr>
+            </a:gs>
+            <a:gs pos="74000">
+              <a:schemeClr val="accent1">
+                <a:lumMod val="45000"/>
+                <a:lumOff val="55000"/>
+              </a:schemeClr>
+            </a:gs>
+            <a:gs pos="83000">
+              <a:schemeClr val="accent1">
+                <a:lumMod val="45000"/>
+                <a:lumOff val="55000"/>
+              </a:schemeClr>
+            </a:gs>
+            <a:gs pos="100000">
+              <a:schemeClr val="accent1">
+                <a:lumMod val="30000"/>
+                <a:lumOff val="70000"/>
+              </a:schemeClr>
+            </a:gs>
+          </a:gsLst>
+          <a:lin ang="5400000" scaled="1"/>
+        </a:gradFill>
+        <a:effectLst/>
+      </p:bgPr>
+    </p:bg>
+    <p:spTree>
+      <p:nvGrpSpPr>
+        <p:cNvPr id="1" name=""/>
+        <p:cNvGrpSpPr/>
+        <p:nvPr/>
+      </p:nvGrpSpPr>
+      <p:grpSpPr>
+        <a:xfrm>
+          <a:off x="0" y="0"/>
+          <a:ext cx="0" cy="0"/>
+          <a:chOff x="0" y="0"/>
+          <a:chExt cx="0" cy="0"/>
+        </a:xfrm>
+      </p:grpSpPr>
+      <p:sp>
+        <p:nvSpPr>
+          <p:cNvPr id="2" name="Title 1">
+            <a:extLst>
+              <a:ext uri="{FF2B5EF4-FFF2-40B4-BE49-F238E27FC236}">
+                <a16:creationId xmlns:a16="http://schemas.microsoft.com/office/drawing/2014/main" id="{053D42FB-1371-3EE1-1B33-461264C82F6D}"/>
+              </a:ext>
+            </a:extLst>
+          </p:cNvPr>
+          <p:cNvSpPr>
+            <a:spLocks noGrp="1"/>
+          </p:cNvSpPr>
+          <p:nvPr>
+            <p:ph type="title"/>
+          </p:nvPr>
+        </p:nvSpPr>
+        <p:spPr/>
+        <p:txBody>
+          <a:bodyPr/>
+          <a:lstStyle/>
+          <a:p>
+            <a:r>
+              <a:rPr lang="en-US" dirty="0"/>
+              <a:t>Movie industry </a:t>
+            </a:r>
+            <a:r>
+              <a:rPr lang="en-US" dirty="0" err="1"/>
+              <a:t>Perfomance</a:t>
+            </a:r>
+            <a:endParaRPr lang="en-US" dirty="0"/>
+          </a:p>
+        </p:txBody>
+      </p:sp>
+      <p:pic>
+        <p:nvPicPr>
+          <p:cNvPr id="5" name="Content Placeholder 4">
+            <a:extLst>
+              <a:ext uri="{FF2B5EF4-FFF2-40B4-BE49-F238E27FC236}">
+                <a16:creationId xmlns:a16="http://schemas.microsoft.com/office/drawing/2014/main" id="{94CCE5C2-5FD2-1814-C681-5ABD88BCEAA7}"/>
+              </a:ext>
+            </a:extLst>
+          </p:cNvPr>
+          <p:cNvPicPr>
+            <a:picLocks noGrp="1" noChangeAspect="1"/>
+          </p:cNvPicPr>
+          <p:nvPr>
+            <p:ph idx="1"/>
+          </p:nvPr>
+        </p:nvPicPr>
+        <p:blipFill>
+          <a:blip r:embed="rId2"/>
+          <a:stretch>
+            <a:fillRect/>
+          </a:stretch>
+        </p:blipFill>
+        <p:spPr>
+          <a:xfrm>
+            <a:off x="838200" y="2010867"/>
+            <a:ext cx="10515600" cy="3980853"/>
+          </a:xfrm>
+          <a:gradFill>
+            <a:gsLst>
+              <a:gs pos="0">
+                <a:schemeClr val="accent1">
+                  <a:lumMod val="5000"/>
+                  <a:lumOff val="95000"/>
+                </a:schemeClr>
+              </a:gs>
+              <a:gs pos="74000">
+                <a:schemeClr val="accent1">
+                  <a:lumMod val="45000"/>
+                  <a:lumOff val="55000"/>
+                </a:schemeClr>
+              </a:gs>
+              <a:gs pos="83000">
+                <a:schemeClr val="accent1">
+                  <a:lumMod val="45000"/>
+                  <a:lumOff val="55000"/>
+                </a:schemeClr>
+              </a:gs>
+              <a:gs pos="100000">
+                <a:schemeClr val="accent1">
+                  <a:lumMod val="30000"/>
+                  <a:lumOff val="70000"/>
+                </a:schemeClr>
+              </a:gs>
+            </a:gsLst>
+            <a:lin ang="5400000" scaled="1"/>
+          </a:gradFill>
+        </p:spPr>
+      </p:pic>
+    </p:spTree>
+    <p:extLst>
+      <p:ext uri="{BB962C8B-B14F-4D97-AF65-F5344CB8AC3E}">
+        <p14:creationId xmlns:p14="http://schemas.microsoft.com/office/powerpoint/2010/main" val="2221499685"/>
+      </p:ext>
+    </p:extLst>
+  </p:cSld>
+  <p:clrMapOvr>
+    <a:masterClrMapping/>
+  </p:clrMapOvr>
+</p:sld>
+</file>
+
+<file path=ppt/slides/slide13.xml><?xml version="1.0" encoding="utf-8"?>
+<p:sld xmlns:a="http://schemas.openxmlformats.org/drawingml/2006/main" xmlns:r="http://schemas.openxmlformats.org/officeDocument/2006/relationships" xmlns:p="http://schemas.openxmlformats.org/presentationml/2006/main">
+  <p:cSld>
+    <p:bg>
+      <p:bgPr>
+        <a:gradFill>
+          <a:gsLst>
+            <a:gs pos="0">
+              <a:schemeClr val="accent1">
+                <a:lumMod val="5000"/>
+                <a:lumOff val="95000"/>
+              </a:schemeClr>
+            </a:gs>
+            <a:gs pos="74000">
+              <a:schemeClr val="accent1">
+                <a:lumMod val="45000"/>
+                <a:lumOff val="55000"/>
+              </a:schemeClr>
+            </a:gs>
+            <a:gs pos="83000">
+              <a:schemeClr val="accent1">
+                <a:lumMod val="45000"/>
+                <a:lumOff val="55000"/>
+              </a:schemeClr>
+            </a:gs>
+            <a:gs pos="100000">
+              <a:schemeClr val="accent1">
+                <a:lumMod val="30000"/>
+                <a:lumOff val="70000"/>
+              </a:schemeClr>
+            </a:gs>
+          </a:gsLst>
+          <a:lin ang="5400000" scaled="1"/>
+        </a:gradFill>
+        <a:effectLst/>
+      </p:bgPr>
+    </p:bg>
+    <p:spTree>
+      <p:nvGrpSpPr>
+        <p:cNvPr id="1" name=""/>
+        <p:cNvGrpSpPr/>
+        <p:nvPr/>
+      </p:nvGrpSpPr>
+      <p:grpSpPr>
+        <a:xfrm>
+          <a:off x="0" y="0"/>
+          <a:ext cx="0" cy="0"/>
+          <a:chOff x="0" y="0"/>
+          <a:chExt cx="0" cy="0"/>
+        </a:xfrm>
+      </p:grpSpPr>
+      <p:sp>
+        <p:nvSpPr>
+          <p:cNvPr id="2" name="Title 1">
+            <a:extLst>
+              <a:ext uri="{FF2B5EF4-FFF2-40B4-BE49-F238E27FC236}">
+                <a16:creationId xmlns:a16="http://schemas.microsoft.com/office/drawing/2014/main" id="{CE67605C-FCBE-142D-2476-0C553F337EFD}"/>
+              </a:ext>
+            </a:extLst>
+          </p:cNvPr>
+          <p:cNvSpPr>
+            <a:spLocks noGrp="1"/>
+          </p:cNvSpPr>
+          <p:nvPr>
+            <p:ph type="title"/>
+          </p:nvPr>
+        </p:nvSpPr>
+        <p:spPr/>
+        <p:txBody>
+          <a:bodyPr/>
+          <a:lstStyle/>
+          <a:p>
+            <a:r>
+              <a:rPr lang="en-US" dirty="0"/>
+              <a:t>Movie Release trend 2010 to 2020</a:t>
+            </a:r>
+          </a:p>
+        </p:txBody>
+      </p:sp>
+      <p:pic>
+        <p:nvPicPr>
+          <p:cNvPr id="5" name="Content Placeholder 4">
+            <a:extLst>
+              <a:ext uri="{FF2B5EF4-FFF2-40B4-BE49-F238E27FC236}">
+                <a16:creationId xmlns:a16="http://schemas.microsoft.com/office/drawing/2014/main" id="{212A9B17-3FFC-76BF-0CB7-5B75805B161B}"/>
+              </a:ext>
+            </a:extLst>
+          </p:cNvPr>
+          <p:cNvPicPr>
+            <a:picLocks noGrp="1" noChangeAspect="1"/>
+          </p:cNvPicPr>
+          <p:nvPr>
+            <p:ph idx="1"/>
+          </p:nvPr>
+        </p:nvPicPr>
+        <p:blipFill>
+          <a:blip r:embed="rId2"/>
+          <a:stretch>
+            <a:fillRect/>
+          </a:stretch>
+        </p:blipFill>
+        <p:spPr>
+          <a:xfrm>
+            <a:off x="3384913" y="1825625"/>
+            <a:ext cx="5422174" cy="4351338"/>
+          </a:xfrm>
+        </p:spPr>
+      </p:pic>
+    </p:spTree>
+    <p:extLst>
+      <p:ext uri="{BB962C8B-B14F-4D97-AF65-F5344CB8AC3E}">
+        <p14:creationId xmlns:p14="http://schemas.microsoft.com/office/powerpoint/2010/main" val="3120104570"/>
+      </p:ext>
+    </p:extLst>
+  </p:cSld>
+  <p:clrMapOvr>
+    <a:masterClrMapping/>
+  </p:clrMapOvr>
+</p:sld>
+</file>
+
+<file path=ppt/slides/slide14.xml><?xml version="1.0" encoding="utf-8"?>
+<p:sld xmlns:a="http://schemas.openxmlformats.org/drawingml/2006/main" xmlns:r="http://schemas.openxmlformats.org/officeDocument/2006/relationships" xmlns:p="http://schemas.openxmlformats.org/presentationml/2006/main">
+  <p:cSld>
+    <p:bg>
+      <p:bgPr>
+        <a:gradFill>
+          <a:gsLst>
+            <a:gs pos="0">
+              <a:schemeClr val="accent1">
+                <a:lumMod val="5000"/>
+                <a:lumOff val="95000"/>
+              </a:schemeClr>
+            </a:gs>
+            <a:gs pos="74000">
+              <a:schemeClr val="accent1">
+                <a:lumMod val="45000"/>
+                <a:lumOff val="55000"/>
+              </a:schemeClr>
+            </a:gs>
+            <a:gs pos="83000">
+              <a:schemeClr val="accent1">
+                <a:lumMod val="45000"/>
+                <a:lumOff val="55000"/>
+              </a:schemeClr>
+            </a:gs>
+            <a:gs pos="100000">
+              <a:schemeClr val="accent1">
+                <a:lumMod val="30000"/>
+                <a:lumOff val="70000"/>
+              </a:schemeClr>
+            </a:gs>
+          </a:gsLst>
+          <a:lin ang="5400000" scaled="1"/>
+        </a:gradFill>
+        <a:effectLst/>
+      </p:bgPr>
+    </p:bg>
+    <p:spTree>
+      <p:nvGrpSpPr>
+        <p:cNvPr id="1" name=""/>
+        <p:cNvGrpSpPr/>
+        <p:nvPr/>
+      </p:nvGrpSpPr>
+      <p:grpSpPr>
+        <a:xfrm>
+          <a:off x="0" y="0"/>
+          <a:ext cx="0" cy="0"/>
+          <a:chOff x="0" y="0"/>
+          <a:chExt cx="0" cy="0"/>
+        </a:xfrm>
+      </p:grpSpPr>
+      <p:sp>
+        <p:nvSpPr>
+          <p:cNvPr id="2" name="Title 1">
+            <a:extLst>
+              <a:ext uri="{FF2B5EF4-FFF2-40B4-BE49-F238E27FC236}">
+                <a16:creationId xmlns:a16="http://schemas.microsoft.com/office/drawing/2014/main" id="{0743D60F-9CAF-8663-487E-8E2638B95041}"/>
+              </a:ext>
+            </a:extLst>
+          </p:cNvPr>
+          <p:cNvSpPr>
+            <a:spLocks noGrp="1"/>
+          </p:cNvSpPr>
+          <p:nvPr>
+            <p:ph type="title"/>
+          </p:nvPr>
+        </p:nvSpPr>
+        <p:spPr>
+          <a:gradFill>
+            <a:gsLst>
+              <a:gs pos="0">
+                <a:schemeClr val="accent1">
+                  <a:lumMod val="5000"/>
+                  <a:lumOff val="95000"/>
+                </a:schemeClr>
+              </a:gs>
+              <a:gs pos="74000">
+                <a:schemeClr val="accent1">
+                  <a:lumMod val="45000"/>
+                  <a:lumOff val="55000"/>
+                </a:schemeClr>
+              </a:gs>
+              <a:gs pos="83000">
+                <a:schemeClr val="accent1">
+                  <a:lumMod val="45000"/>
+                  <a:lumOff val="55000"/>
+                </a:schemeClr>
+              </a:gs>
+              <a:gs pos="100000">
+                <a:schemeClr val="accent1">
+                  <a:lumMod val="30000"/>
+                  <a:lumOff val="70000"/>
+                </a:schemeClr>
+              </a:gs>
+            </a:gsLst>
+            <a:lin ang="5400000" scaled="1"/>
+          </a:gradFill>
+        </p:spPr>
+        <p:txBody>
+          <a:bodyPr>
+            <a:normAutofit fontScale="90000"/>
+          </a:bodyPr>
+          <a:lstStyle/>
+          <a:p>
+            <a:r>
+              <a:rPr lang="en-US" dirty="0"/>
+              <a:t>Average movie performance by month </a:t>
+            </a:r>
+            <a:r>
+              <a:rPr lang="en-US" dirty="0" err="1"/>
+              <a:t>interms</a:t>
+            </a:r>
+            <a:r>
+              <a:rPr lang="en-US" dirty="0"/>
+              <a:t> of release volume per month and gross revenue generated</a:t>
+            </a:r>
+          </a:p>
+        </p:txBody>
+      </p:sp>
+      <p:pic>
+        <p:nvPicPr>
+          <p:cNvPr id="5" name="Content Placeholder 4">
+            <a:extLst>
+              <a:ext uri="{FF2B5EF4-FFF2-40B4-BE49-F238E27FC236}">
+                <a16:creationId xmlns:a16="http://schemas.microsoft.com/office/drawing/2014/main" id="{DD8EB6B6-471A-CA58-0CA8-78570BFC9C2F}"/>
+              </a:ext>
+            </a:extLst>
+          </p:cNvPr>
+          <p:cNvPicPr>
+            <a:picLocks noGrp="1" noChangeAspect="1"/>
+          </p:cNvPicPr>
+          <p:nvPr>
+            <p:ph idx="1"/>
+          </p:nvPr>
+        </p:nvPicPr>
+        <p:blipFill>
+          <a:blip r:embed="rId2"/>
+          <a:stretch>
+            <a:fillRect/>
+          </a:stretch>
+        </p:blipFill>
+        <p:spPr>
+          <a:xfrm>
+            <a:off x="838200" y="2051526"/>
+            <a:ext cx="10515600" cy="3899535"/>
+          </a:xfrm>
+          <a:gradFill>
+            <a:gsLst>
+              <a:gs pos="0">
+                <a:schemeClr val="accent1">
+                  <a:lumMod val="5000"/>
+                  <a:lumOff val="95000"/>
+                </a:schemeClr>
+              </a:gs>
+              <a:gs pos="74000">
+                <a:schemeClr val="accent1">
+                  <a:lumMod val="45000"/>
+                  <a:lumOff val="55000"/>
+                </a:schemeClr>
+              </a:gs>
+              <a:gs pos="83000">
+                <a:schemeClr val="accent1">
+                  <a:lumMod val="45000"/>
+                  <a:lumOff val="55000"/>
+                </a:schemeClr>
+              </a:gs>
+              <a:gs pos="100000">
+                <a:schemeClr val="accent1">
+                  <a:lumMod val="30000"/>
+                  <a:lumOff val="70000"/>
+                </a:schemeClr>
+              </a:gs>
+            </a:gsLst>
+            <a:lin ang="5400000" scaled="1"/>
+          </a:gradFill>
+        </p:spPr>
+      </p:pic>
+    </p:spTree>
+    <p:extLst>
+      <p:ext uri="{BB962C8B-B14F-4D97-AF65-F5344CB8AC3E}">
+        <p14:creationId xmlns:p14="http://schemas.microsoft.com/office/powerpoint/2010/main" val="1285286938"/>
+      </p:ext>
+    </p:extLst>
+  </p:cSld>
+  <p:clrMapOvr>
+    <a:masterClrMapping/>
+  </p:clrMapOvr>
+</p:sld>
+</file>
+
+<file path=ppt/slides/slide15.xml><?xml version="1.0" encoding="utf-8"?>
+<p:sld xmlns:a="http://schemas.openxmlformats.org/drawingml/2006/main" xmlns:r="http://schemas.openxmlformats.org/officeDocument/2006/relationships" xmlns:p="http://schemas.openxmlformats.org/presentationml/2006/main">
+  <p:cSld>
+    <p:bg>
+      <p:bgPr>
+        <a:gradFill>
+          <a:gsLst>
+            <a:gs pos="0">
+              <a:schemeClr val="accent1">
+                <a:lumMod val="5000"/>
+                <a:lumOff val="95000"/>
+              </a:schemeClr>
+            </a:gs>
+            <a:gs pos="74000">
+              <a:schemeClr val="accent1">
+                <a:lumMod val="45000"/>
+                <a:lumOff val="55000"/>
+              </a:schemeClr>
+            </a:gs>
+            <a:gs pos="83000">
+              <a:schemeClr val="accent1">
+                <a:lumMod val="45000"/>
+                <a:lumOff val="55000"/>
+              </a:schemeClr>
+            </a:gs>
+            <a:gs pos="100000">
+              <a:schemeClr val="accent1">
+                <a:lumMod val="30000"/>
+                <a:lumOff val="70000"/>
+              </a:schemeClr>
+            </a:gs>
+          </a:gsLst>
+          <a:lin ang="5400000" scaled="1"/>
+        </a:gradFill>
+        <a:effectLst/>
+      </p:bgPr>
+    </p:bg>
+    <p:spTree>
+      <p:nvGrpSpPr>
+        <p:cNvPr id="1" name=""/>
+        <p:cNvGrpSpPr/>
+        <p:nvPr/>
+      </p:nvGrpSpPr>
+      <p:grpSpPr>
+        <a:xfrm>
+          <a:off x="0" y="0"/>
+          <a:ext cx="0" cy="0"/>
+          <a:chOff x="0" y="0"/>
+          <a:chExt cx="0" cy="0"/>
+        </a:xfrm>
+      </p:grpSpPr>
+      <p:sp>
+        <p:nvSpPr>
+          <p:cNvPr id="2" name="Title 1">
+            <a:extLst>
+              <a:ext uri="{FF2B5EF4-FFF2-40B4-BE49-F238E27FC236}">
+                <a16:creationId xmlns:a16="http://schemas.microsoft.com/office/drawing/2014/main" id="{12729CB5-4664-ABF8-DFF6-146701BB8DBC}"/>
+              </a:ext>
+            </a:extLst>
+          </p:cNvPr>
+          <p:cNvSpPr>
+            <a:spLocks noGrp="1"/>
+          </p:cNvSpPr>
+          <p:nvPr>
+            <p:ph type="title"/>
+          </p:nvPr>
+        </p:nvSpPr>
+        <p:spPr/>
+        <p:txBody>
+          <a:bodyPr/>
+          <a:lstStyle/>
+          <a:p>
+            <a:r>
+              <a:rPr lang="en-US" dirty="0"/>
+              <a:t>Business Recommendations</a:t>
+            </a:r>
+          </a:p>
+        </p:txBody>
+      </p:sp>
+      <p:sp>
+        <p:nvSpPr>
+          <p:cNvPr id="3" name="Content Placeholder 2">
+            <a:extLst>
+              <a:ext uri="{FF2B5EF4-FFF2-40B4-BE49-F238E27FC236}">
+                <a16:creationId xmlns:a16="http://schemas.microsoft.com/office/drawing/2014/main" id="{8D658899-FF4A-8C9A-719D-3A9C0253788D}"/>
+              </a:ext>
+            </a:extLst>
+          </p:cNvPr>
+          <p:cNvSpPr>
+            <a:spLocks noGrp="1"/>
+          </p:cNvSpPr>
+          <p:nvPr>
+            <p:ph idx="1"/>
+          </p:nvPr>
+        </p:nvSpPr>
+        <p:spPr/>
+        <p:txBody>
+          <a:bodyPr/>
+          <a:lstStyle/>
+          <a:p>
+            <a:pPr marL="0" indent="0">
+              <a:buNone/>
+            </a:pPr>
+            <a:r>
+              <a:rPr lang="en-US" dirty="0"/>
+              <a:t>1.Focus On High impact Genres-Prioritize genres with commercial and critical ratings like documentaries and cult films.</a:t>
+            </a:r>
+          </a:p>
+          <a:p>
+            <a:pPr marL="0" indent="0">
+              <a:buNone/>
+            </a:pPr>
+            <a:r>
+              <a:rPr lang="en-US" dirty="0"/>
+              <a:t>2.Balance Ratings and Returns – Use low budget, high-ROI genres like horror for early projects.</a:t>
+            </a:r>
+          </a:p>
+          <a:p>
+            <a:pPr marL="0" indent="0">
+              <a:buNone/>
+            </a:pPr>
+            <a:r>
+              <a:rPr lang="en-US" dirty="0"/>
+              <a:t>3.Commision pilot projects in high-ROI genres. </a:t>
+            </a:r>
+          </a:p>
+          <a:p>
+            <a:pPr marL="0" indent="0">
+              <a:buNone/>
+            </a:pPr>
+            <a:r>
+              <a:rPr lang="en-US" dirty="0"/>
+              <a:t>4.Reassess strategy bi-annually with updates data and Markets trends.</a:t>
+            </a:r>
+          </a:p>
+        </p:txBody>
+      </p:sp>
+    </p:spTree>
+    <p:extLst>
+      <p:ext uri="{BB962C8B-B14F-4D97-AF65-F5344CB8AC3E}">
+        <p14:creationId xmlns:p14="http://schemas.microsoft.com/office/powerpoint/2010/main" val="3668331006"/>
+      </p:ext>
+    </p:extLst>
+  </p:cSld>
+  <p:clrMapOvr>
+    <a:masterClrMapping/>
+  </p:clrMapOvr>
+</p:sld>
+</file>
+
+<file path=ppt/slides/slide16.xml><?xml version="1.0" encoding="utf-8"?>
+<p:sld xmlns:a="http://schemas.openxmlformats.org/drawingml/2006/main" xmlns:r="http://schemas.openxmlformats.org/officeDocument/2006/relationships" xmlns:p="http://schemas.openxmlformats.org/presentationml/2006/main">
+  <p:cSld>
+    <p:bg>
+      <p:bgPr>
+        <a:gradFill>
+          <a:gsLst>
+            <a:gs pos="0">
+              <a:schemeClr val="accent1">
+                <a:lumMod val="5000"/>
+                <a:lumOff val="95000"/>
+              </a:schemeClr>
+            </a:gs>
+            <a:gs pos="74000">
+              <a:schemeClr val="accent1">
+                <a:lumMod val="45000"/>
+                <a:lumOff val="55000"/>
+              </a:schemeClr>
+            </a:gs>
+            <a:gs pos="83000">
+              <a:schemeClr val="accent1">
+                <a:lumMod val="45000"/>
+                <a:lumOff val="55000"/>
+              </a:schemeClr>
+            </a:gs>
+            <a:gs pos="100000">
+              <a:schemeClr val="accent1">
+                <a:lumMod val="30000"/>
+                <a:lumOff val="70000"/>
+              </a:schemeClr>
+            </a:gs>
+          </a:gsLst>
+          <a:lin ang="5400000" scaled="1"/>
+        </a:gradFill>
+        <a:effectLst/>
+      </p:bgPr>
+    </p:bg>
+    <p:spTree>
+      <p:nvGrpSpPr>
+        <p:cNvPr id="1" name=""/>
+        <p:cNvGrpSpPr/>
+        <p:nvPr/>
+      </p:nvGrpSpPr>
+      <p:grpSpPr>
+        <a:xfrm>
+          <a:off x="0" y="0"/>
+          <a:ext cx="0" cy="0"/>
+          <a:chOff x="0" y="0"/>
+          <a:chExt cx="0" cy="0"/>
+        </a:xfrm>
+      </p:grpSpPr>
+      <p:sp>
+        <p:nvSpPr>
+          <p:cNvPr id="2" name="Title 1">
+            <a:extLst>
+              <a:ext uri="{FF2B5EF4-FFF2-40B4-BE49-F238E27FC236}">
+                <a16:creationId xmlns:a16="http://schemas.microsoft.com/office/drawing/2014/main" id="{F65C9F43-2EBE-162B-C493-0931D0918458}"/>
+              </a:ext>
+            </a:extLst>
+          </p:cNvPr>
+          <p:cNvSpPr>
+            <a:spLocks noGrp="1"/>
+          </p:cNvSpPr>
+          <p:nvPr>
+            <p:ph type="title"/>
+          </p:nvPr>
+        </p:nvSpPr>
+        <p:spPr/>
+        <p:txBody>
+          <a:bodyPr/>
+          <a:lstStyle/>
+          <a:p>
+            <a:r>
+              <a:rPr lang="en-US" dirty="0"/>
+              <a:t>Group 2 Members</a:t>
+            </a:r>
+          </a:p>
+        </p:txBody>
+      </p:sp>
+      <p:sp>
+        <p:nvSpPr>
+          <p:cNvPr id="3" name="Content Placeholder 2">
+            <a:extLst>
+              <a:ext uri="{FF2B5EF4-FFF2-40B4-BE49-F238E27FC236}">
+                <a16:creationId xmlns:a16="http://schemas.microsoft.com/office/drawing/2014/main" id="{3B3DC3C2-2F02-6725-DFAA-61274336D795}"/>
+              </a:ext>
+            </a:extLst>
+          </p:cNvPr>
+          <p:cNvSpPr>
+            <a:spLocks noGrp="1"/>
+          </p:cNvSpPr>
+          <p:nvPr>
+            <p:ph idx="1"/>
+          </p:nvPr>
+        </p:nvSpPr>
+        <p:spPr>
+          <a:xfrm>
+            <a:off x="838200" y="1690688"/>
+            <a:ext cx="10515600" cy="4351338"/>
+          </a:xfrm>
+        </p:spPr>
+        <p:txBody>
+          <a:bodyPr/>
+          <a:lstStyle/>
+          <a:p>
+            <a:pPr marL="0" indent="0">
+              <a:buNone/>
+            </a:pPr>
+            <a:r>
+              <a:rPr lang="en-US" dirty="0"/>
+              <a:t>1.JEROME JUMA</a:t>
+            </a:r>
+          </a:p>
+          <a:p>
+            <a:pPr marL="0" indent="0">
+              <a:buNone/>
+            </a:pPr>
+            <a:r>
+              <a:rPr lang="en-US" dirty="0"/>
+              <a:t>2.BRIAN MBURU</a:t>
+            </a:r>
+          </a:p>
+          <a:p>
+            <a:pPr marL="0" indent="0">
+              <a:buNone/>
+            </a:pPr>
+            <a:r>
+              <a:rPr lang="en-US" dirty="0"/>
+              <a:t>3.SUSAN MAINA</a:t>
+            </a:r>
+          </a:p>
+          <a:p>
+            <a:pPr marL="0" indent="0">
+              <a:buNone/>
+            </a:pPr>
+            <a:r>
+              <a:rPr lang="en-US" dirty="0"/>
+              <a:t>4.MARY ASUNTA</a:t>
+            </a:r>
+          </a:p>
+          <a:p>
+            <a:pPr marL="0" indent="0">
+              <a:buNone/>
+            </a:pPr>
+            <a:r>
+              <a:rPr lang="en-US" dirty="0"/>
+              <a:t>5.KABIRA TIMOTHY</a:t>
+            </a:r>
+          </a:p>
+          <a:p>
+            <a:endParaRPr lang="en-US" dirty="0"/>
+          </a:p>
+          <a:p>
+            <a:pPr marL="0" indent="0">
+              <a:buNone/>
+            </a:pPr>
+            <a:r>
+              <a:rPr lang="en-US" dirty="0"/>
+              <a:t>                                               THANKYOU.</a:t>
+            </a:r>
+          </a:p>
+        </p:txBody>
+      </p:sp>
+    </p:spTree>
+    <p:extLst>
+      <p:ext uri="{BB962C8B-B14F-4D97-AF65-F5344CB8AC3E}">
+        <p14:creationId xmlns:p14="http://schemas.microsoft.com/office/powerpoint/2010/main" val="3116431007"/>
+      </p:ext>
+    </p:extLst>
+  </p:cSld>
+  <p:clrMapOvr>
+    <a:masterClrMapping/>
+  </p:clrMapOvr>
+</p:sld>
+</file>
+
 <file path=ppt/slides/slide2.xml><?xml version="1.0" encoding="utf-8"?>
 <p:sld xmlns:a="http://schemas.openxmlformats.org/drawingml/2006/main" xmlns:r="http://schemas.openxmlformats.org/officeDocument/2006/relationships" xmlns:p="http://schemas.openxmlformats.org/presentationml/2006/main">
   <p:cSld>
+    <p:bg>
+      <p:bgPr>
+        <a:gradFill>
+          <a:gsLst>
+            <a:gs pos="0">
+              <a:schemeClr val="accent1">
+                <a:lumMod val="5000"/>
+                <a:lumOff val="95000"/>
+              </a:schemeClr>
+            </a:gs>
+            <a:gs pos="74000">
+              <a:schemeClr val="accent1">
+                <a:lumMod val="45000"/>
+                <a:lumOff val="55000"/>
+              </a:schemeClr>
+            </a:gs>
+            <a:gs pos="83000">
+              <a:schemeClr val="accent1">
+                <a:lumMod val="45000"/>
+                <a:lumOff val="55000"/>
+              </a:schemeClr>
+            </a:gs>
+            <a:gs pos="100000">
+              <a:schemeClr val="accent1">
+                <a:lumMod val="30000"/>
+                <a:lumOff val="70000"/>
+              </a:schemeClr>
+            </a:gs>
+          </a:gsLst>
+          <a:lin ang="5400000" scaled="1"/>
+        </a:gradFill>
+        <a:effectLst/>
+      </p:bgPr>
+    </p:bg>
     <p:spTree>
       <p:nvGrpSpPr>
         <p:cNvPr id="1" name=""/>
@@ -3524,6 +4727,40 @@
 <file path=ppt/slides/slide3.xml><?xml version="1.0" encoding="utf-8"?>
 <p:sld xmlns:a="http://schemas.openxmlformats.org/drawingml/2006/main" xmlns:r="http://schemas.openxmlformats.org/officeDocument/2006/relationships" xmlns:p="http://schemas.openxmlformats.org/presentationml/2006/main">
   <p:cSld>
+    <p:bg>
+      <p:bgPr>
+        <a:gradFill>
+          <a:gsLst>
+            <a:gs pos="0">
+              <a:schemeClr val="accent1">
+                <a:lumMod val="5000"/>
+                <a:lumOff val="95000"/>
+              </a:schemeClr>
+            </a:gs>
+            <a:gs pos="74000">
+              <a:schemeClr val="accent1">
+                <a:lumMod val="45000"/>
+                <a:lumOff val="55000"/>
+              </a:schemeClr>
+            </a:gs>
+            <a:gs pos="83000">
+              <a:schemeClr val="accent1">
+                <a:lumMod val="45000"/>
+                <a:lumOff val="55000"/>
+              </a:schemeClr>
+            </a:gs>
+            <a:gs pos="100000">
+              <a:schemeClr val="accent1">
+                <a:lumMod val="30000"/>
+                <a:lumOff val="70000"/>
+              </a:schemeClr>
+            </a:gs>
+          </a:gsLst>
+          <a:lin ang="5400000" scaled="1"/>
+        </a:gradFill>
+        <a:effectLst/>
+      </p:bgPr>
+    </p:bg>
     <p:spTree>
       <p:nvGrpSpPr>
         <p:cNvPr id="1" name=""/>
@@ -3631,6 +4868,991 @@
     <p:extLst>
       <p:ext uri="{BB962C8B-B14F-4D97-AF65-F5344CB8AC3E}">
         <p14:creationId xmlns:p14="http://schemas.microsoft.com/office/powerpoint/2010/main" val="1415088846"/>
+      </p:ext>
+    </p:extLst>
+  </p:cSld>
+  <p:clrMapOvr>
+    <a:masterClrMapping/>
+  </p:clrMapOvr>
+</p:sld>
+</file>
+
+<file path=ppt/slides/slide4.xml><?xml version="1.0" encoding="utf-8"?>
+<p:sld xmlns:a="http://schemas.openxmlformats.org/drawingml/2006/main" xmlns:r="http://schemas.openxmlformats.org/officeDocument/2006/relationships" xmlns:p="http://schemas.openxmlformats.org/presentationml/2006/main">
+  <p:cSld>
+    <p:bg>
+      <p:bgPr>
+        <a:gradFill>
+          <a:gsLst>
+            <a:gs pos="0">
+              <a:schemeClr val="accent1">
+                <a:lumMod val="5000"/>
+                <a:lumOff val="95000"/>
+              </a:schemeClr>
+            </a:gs>
+            <a:gs pos="74000">
+              <a:schemeClr val="accent1">
+                <a:lumMod val="45000"/>
+                <a:lumOff val="55000"/>
+              </a:schemeClr>
+            </a:gs>
+            <a:gs pos="83000">
+              <a:schemeClr val="accent1">
+                <a:lumMod val="45000"/>
+                <a:lumOff val="55000"/>
+              </a:schemeClr>
+            </a:gs>
+            <a:gs pos="100000">
+              <a:schemeClr val="accent1">
+                <a:lumMod val="30000"/>
+                <a:lumOff val="70000"/>
+              </a:schemeClr>
+            </a:gs>
+          </a:gsLst>
+          <a:lin ang="5400000" scaled="1"/>
+        </a:gradFill>
+        <a:effectLst/>
+      </p:bgPr>
+    </p:bg>
+    <p:spTree>
+      <p:nvGrpSpPr>
+        <p:cNvPr id="1" name=""/>
+        <p:cNvGrpSpPr/>
+        <p:nvPr/>
+      </p:nvGrpSpPr>
+      <p:grpSpPr>
+        <a:xfrm>
+          <a:off x="0" y="0"/>
+          <a:ext cx="0" cy="0"/>
+          <a:chOff x="0" y="0"/>
+          <a:chExt cx="0" cy="0"/>
+        </a:xfrm>
+      </p:grpSpPr>
+      <p:sp>
+        <p:nvSpPr>
+          <p:cNvPr id="2" name="Title 1">
+            <a:extLst>
+              <a:ext uri="{FF2B5EF4-FFF2-40B4-BE49-F238E27FC236}">
+                <a16:creationId xmlns:a16="http://schemas.microsoft.com/office/drawing/2014/main" id="{14019E03-E83F-02C8-E0E1-BDE4EB57589E}"/>
+              </a:ext>
+            </a:extLst>
+          </p:cNvPr>
+          <p:cNvSpPr>
+            <a:spLocks noGrp="1"/>
+          </p:cNvSpPr>
+          <p:nvPr>
+            <p:ph type="title"/>
+          </p:nvPr>
+        </p:nvSpPr>
+        <p:spPr/>
+        <p:txBody>
+          <a:bodyPr/>
+          <a:lstStyle/>
+          <a:p>
+            <a:r>
+              <a:rPr lang="en-US" dirty="0"/>
+              <a:t>Key Questions</a:t>
+            </a:r>
+          </a:p>
+        </p:txBody>
+      </p:sp>
+      <p:sp>
+        <p:nvSpPr>
+          <p:cNvPr id="3" name="Content Placeholder 2">
+            <a:extLst>
+              <a:ext uri="{FF2B5EF4-FFF2-40B4-BE49-F238E27FC236}">
+                <a16:creationId xmlns:a16="http://schemas.microsoft.com/office/drawing/2014/main" id="{F85456F8-F258-B513-5170-9165D2078375}"/>
+              </a:ext>
+            </a:extLst>
+          </p:cNvPr>
+          <p:cNvSpPr>
+            <a:spLocks noGrp="1"/>
+          </p:cNvSpPr>
+          <p:nvPr>
+            <p:ph idx="1"/>
+          </p:nvPr>
+        </p:nvSpPr>
+        <p:spPr/>
+        <p:txBody>
+          <a:bodyPr>
+            <a:normAutofit lnSpcReduction="10000"/>
+          </a:bodyPr>
+          <a:lstStyle/>
+          <a:p>
+            <a:pPr marL="0" indent="0">
+              <a:buNone/>
+            </a:pPr>
+            <a:r>
+              <a:rPr lang="en-US" b="0" i="0" dirty="0">
+                <a:effectLst/>
+                <a:latin typeface="system-ui"/>
+              </a:rPr>
+              <a:t>Our company aims to launch a new movie studio but lacks expertise in film production. To maximize success, we need data-driven insights on:</a:t>
+            </a:r>
+          </a:p>
+          <a:p>
+            <a:endParaRPr lang="en-US" dirty="0"/>
+          </a:p>
+          <a:p>
+            <a:r>
+              <a:rPr lang="en-US" dirty="0"/>
+              <a:t>Which movie genres tend to receive the highest rating?</a:t>
+            </a:r>
+          </a:p>
+          <a:p>
+            <a:r>
+              <a:rPr lang="en-US" b="0" i="0" dirty="0">
+                <a:effectLst/>
+                <a:latin typeface="system-ui"/>
+              </a:rPr>
+              <a:t>Which genres generate the highest revenue and return on investment (ROI)?</a:t>
+            </a:r>
+          </a:p>
+          <a:p>
+            <a:r>
+              <a:rPr lang="en-US" b="0" i="0" dirty="0">
+                <a:effectLst/>
+                <a:latin typeface="system-ui"/>
+              </a:rPr>
+              <a:t>What budget range is optimal for different film types?</a:t>
+            </a:r>
+          </a:p>
+          <a:p>
+            <a:r>
+              <a:rPr lang="en-US" b="0" i="0" dirty="0">
+                <a:effectLst/>
+                <a:latin typeface="system-ui"/>
+              </a:rPr>
+              <a:t>When is the best time to release a movie for maximum earnings?</a:t>
+            </a:r>
+          </a:p>
+          <a:p>
+            <a:r>
+              <a:rPr lang="en-US" b="0" i="0" dirty="0">
+                <a:effectLst/>
+                <a:latin typeface="system-ui"/>
+              </a:rPr>
+              <a:t>Does critical acclaim (e.g., IMDb/Rotten Tomatoes ratings) correlate with box office success?</a:t>
+            </a:r>
+          </a:p>
+          <a:p>
+            <a:endParaRPr lang="en-US" dirty="0"/>
+          </a:p>
+        </p:txBody>
+      </p:sp>
+    </p:spTree>
+    <p:extLst>
+      <p:ext uri="{BB962C8B-B14F-4D97-AF65-F5344CB8AC3E}">
+        <p14:creationId xmlns:p14="http://schemas.microsoft.com/office/powerpoint/2010/main" val="2190311232"/>
+      </p:ext>
+    </p:extLst>
+  </p:cSld>
+  <p:clrMapOvr>
+    <a:masterClrMapping/>
+  </p:clrMapOvr>
+</p:sld>
+</file>
+
+<file path=ppt/slides/slide5.xml><?xml version="1.0" encoding="utf-8"?>
+<p:sld xmlns:a="http://schemas.openxmlformats.org/drawingml/2006/main" xmlns:r="http://schemas.openxmlformats.org/officeDocument/2006/relationships" xmlns:p="http://schemas.openxmlformats.org/presentationml/2006/main">
+  <p:cSld>
+    <p:bg>
+      <p:bgPr>
+        <a:gradFill>
+          <a:gsLst>
+            <a:gs pos="0">
+              <a:schemeClr val="accent1">
+                <a:lumMod val="5000"/>
+                <a:lumOff val="95000"/>
+              </a:schemeClr>
+            </a:gs>
+            <a:gs pos="74000">
+              <a:schemeClr val="accent1">
+                <a:lumMod val="45000"/>
+                <a:lumOff val="55000"/>
+              </a:schemeClr>
+            </a:gs>
+            <a:gs pos="83000">
+              <a:schemeClr val="accent1">
+                <a:lumMod val="45000"/>
+                <a:lumOff val="55000"/>
+              </a:schemeClr>
+            </a:gs>
+            <a:gs pos="100000">
+              <a:schemeClr val="accent1">
+                <a:lumMod val="30000"/>
+                <a:lumOff val="70000"/>
+              </a:schemeClr>
+            </a:gs>
+          </a:gsLst>
+          <a:lin ang="5400000" scaled="1"/>
+        </a:gradFill>
+        <a:effectLst/>
+      </p:bgPr>
+    </p:bg>
+    <p:spTree>
+      <p:nvGrpSpPr>
+        <p:cNvPr id="1" name=""/>
+        <p:cNvGrpSpPr/>
+        <p:nvPr/>
+      </p:nvGrpSpPr>
+      <p:grpSpPr>
+        <a:xfrm>
+          <a:off x="0" y="0"/>
+          <a:ext cx="0" cy="0"/>
+          <a:chOff x="0" y="0"/>
+          <a:chExt cx="0" cy="0"/>
+        </a:xfrm>
+      </p:grpSpPr>
+      <p:sp>
+        <p:nvSpPr>
+          <p:cNvPr id="2" name="Title 1">
+            <a:extLst>
+              <a:ext uri="{FF2B5EF4-FFF2-40B4-BE49-F238E27FC236}">
+                <a16:creationId xmlns:a16="http://schemas.microsoft.com/office/drawing/2014/main" id="{0025C4CF-5785-5CB6-D5E7-A9B8E0749EF7}"/>
+              </a:ext>
+            </a:extLst>
+          </p:cNvPr>
+          <p:cNvSpPr>
+            <a:spLocks noGrp="1"/>
+          </p:cNvSpPr>
+          <p:nvPr>
+            <p:ph type="title"/>
+          </p:nvPr>
+        </p:nvSpPr>
+        <p:spPr/>
+        <p:txBody>
+          <a:bodyPr/>
+          <a:lstStyle/>
+          <a:p>
+            <a:r>
+              <a:rPr lang="en-US" dirty="0"/>
+              <a:t>Goals</a:t>
+            </a:r>
+          </a:p>
+        </p:txBody>
+      </p:sp>
+      <p:sp>
+        <p:nvSpPr>
+          <p:cNvPr id="3" name="Content Placeholder 2">
+            <a:extLst>
+              <a:ext uri="{FF2B5EF4-FFF2-40B4-BE49-F238E27FC236}">
+                <a16:creationId xmlns:a16="http://schemas.microsoft.com/office/drawing/2014/main" id="{F1C60F4A-CCA0-2C98-C864-881E9F2602F8}"/>
+              </a:ext>
+            </a:extLst>
+          </p:cNvPr>
+          <p:cNvSpPr>
+            <a:spLocks noGrp="1"/>
+          </p:cNvSpPr>
+          <p:nvPr>
+            <p:ph idx="1"/>
+          </p:nvPr>
+        </p:nvSpPr>
+        <p:spPr/>
+        <p:txBody>
+          <a:bodyPr/>
+          <a:lstStyle/>
+          <a:p>
+            <a:r>
+              <a:rPr lang="en-US" dirty="0"/>
+              <a:t>Ensure a </a:t>
+            </a:r>
+            <a:r>
+              <a:rPr lang="en-US" dirty="0" err="1"/>
+              <a:t>strategic,well</a:t>
+            </a:r>
+            <a:r>
+              <a:rPr lang="en-US" dirty="0"/>
+              <a:t>  informed entry into the movie sector.</a:t>
+            </a:r>
+          </a:p>
+        </p:txBody>
+      </p:sp>
+    </p:spTree>
+    <p:extLst>
+      <p:ext uri="{BB962C8B-B14F-4D97-AF65-F5344CB8AC3E}">
+        <p14:creationId xmlns:p14="http://schemas.microsoft.com/office/powerpoint/2010/main" val="3304321210"/>
+      </p:ext>
+    </p:extLst>
+  </p:cSld>
+  <p:clrMapOvr>
+    <a:masterClrMapping/>
+  </p:clrMapOvr>
+</p:sld>
+</file>
+
+<file path=ppt/slides/slide6.xml><?xml version="1.0" encoding="utf-8"?>
+<p:sld xmlns:a="http://schemas.openxmlformats.org/drawingml/2006/main" xmlns:r="http://schemas.openxmlformats.org/officeDocument/2006/relationships" xmlns:p="http://schemas.openxmlformats.org/presentationml/2006/main">
+  <p:cSld>
+    <p:bg>
+      <p:bgPr>
+        <a:gradFill>
+          <a:gsLst>
+            <a:gs pos="0">
+              <a:schemeClr val="accent1">
+                <a:lumMod val="5000"/>
+                <a:lumOff val="95000"/>
+              </a:schemeClr>
+            </a:gs>
+            <a:gs pos="74000">
+              <a:schemeClr val="accent1">
+                <a:lumMod val="45000"/>
+                <a:lumOff val="55000"/>
+              </a:schemeClr>
+            </a:gs>
+            <a:gs pos="83000">
+              <a:schemeClr val="accent1">
+                <a:lumMod val="45000"/>
+                <a:lumOff val="55000"/>
+              </a:schemeClr>
+            </a:gs>
+            <a:gs pos="100000">
+              <a:schemeClr val="accent1">
+                <a:lumMod val="30000"/>
+                <a:lumOff val="70000"/>
+              </a:schemeClr>
+            </a:gs>
+          </a:gsLst>
+          <a:lin ang="5400000" scaled="1"/>
+        </a:gradFill>
+        <a:effectLst/>
+      </p:bgPr>
+    </p:bg>
+    <p:spTree>
+      <p:nvGrpSpPr>
+        <p:cNvPr id="1" name=""/>
+        <p:cNvGrpSpPr/>
+        <p:nvPr/>
+      </p:nvGrpSpPr>
+      <p:grpSpPr>
+        <a:xfrm>
+          <a:off x="0" y="0"/>
+          <a:ext cx="0" cy="0"/>
+          <a:chOff x="0" y="0"/>
+          <a:chExt cx="0" cy="0"/>
+        </a:xfrm>
+      </p:grpSpPr>
+      <p:sp>
+        <p:nvSpPr>
+          <p:cNvPr id="2" name="Title 1">
+            <a:extLst>
+              <a:ext uri="{FF2B5EF4-FFF2-40B4-BE49-F238E27FC236}">
+                <a16:creationId xmlns:a16="http://schemas.microsoft.com/office/drawing/2014/main" id="{1E387DCF-0069-8859-9FD9-9B9EAE322641}"/>
+              </a:ext>
+            </a:extLst>
+          </p:cNvPr>
+          <p:cNvSpPr>
+            <a:spLocks noGrp="1"/>
+          </p:cNvSpPr>
+          <p:nvPr>
+            <p:ph type="title"/>
+          </p:nvPr>
+        </p:nvSpPr>
+        <p:spPr/>
+        <p:txBody>
+          <a:bodyPr/>
+          <a:lstStyle/>
+          <a:p>
+            <a:r>
+              <a:rPr lang="en-US" dirty="0"/>
+              <a:t>Data Understanding</a:t>
+            </a:r>
+          </a:p>
+        </p:txBody>
+      </p:sp>
+      <p:sp>
+        <p:nvSpPr>
+          <p:cNvPr id="3" name="Content Placeholder 2">
+            <a:extLst>
+              <a:ext uri="{FF2B5EF4-FFF2-40B4-BE49-F238E27FC236}">
+                <a16:creationId xmlns:a16="http://schemas.microsoft.com/office/drawing/2014/main" id="{DF35D5EF-79DF-6971-B393-8C44EBAF9478}"/>
+              </a:ext>
+            </a:extLst>
+          </p:cNvPr>
+          <p:cNvSpPr>
+            <a:spLocks noGrp="1"/>
+          </p:cNvSpPr>
+          <p:nvPr>
+            <p:ph idx="1"/>
+          </p:nvPr>
+        </p:nvSpPr>
+        <p:spPr/>
+        <p:txBody>
+          <a:bodyPr/>
+          <a:lstStyle/>
+          <a:p>
+            <a:pPr marL="0" indent="0">
+              <a:buNone/>
+            </a:pPr>
+            <a:r>
+              <a:rPr lang="en-US" u="sng" dirty="0" err="1"/>
+              <a:t>i</a:t>
+            </a:r>
+            <a:r>
+              <a:rPr lang="en-US" u="sng" dirty="0"/>
+              <a:t>)Data sources</a:t>
+            </a:r>
+          </a:p>
+          <a:p>
+            <a:r>
+              <a:rPr lang="en-US" u="sng" dirty="0"/>
+              <a:t>Box office Mojo</a:t>
+            </a:r>
+          </a:p>
+          <a:p>
+            <a:r>
+              <a:rPr lang="en-US" u="sng" dirty="0"/>
+              <a:t>IMDB</a:t>
+            </a:r>
+          </a:p>
+          <a:p>
+            <a:r>
+              <a:rPr lang="en-US" u="sng" dirty="0"/>
+              <a:t>Rotten Tomato</a:t>
+            </a:r>
+          </a:p>
+          <a:p>
+            <a:r>
+              <a:rPr lang="en-US" u="sng" dirty="0"/>
+              <a:t>The movies Database</a:t>
+            </a:r>
+          </a:p>
+          <a:p>
+            <a:pPr marL="0" indent="0">
+              <a:buNone/>
+            </a:pPr>
+            <a:endParaRPr lang="en-US" u="sng" dirty="0"/>
+          </a:p>
+          <a:p>
+            <a:endParaRPr lang="en-US" u="sng" dirty="0"/>
+          </a:p>
+        </p:txBody>
+      </p:sp>
+    </p:spTree>
+    <p:extLst>
+      <p:ext uri="{BB962C8B-B14F-4D97-AF65-F5344CB8AC3E}">
+        <p14:creationId xmlns:p14="http://schemas.microsoft.com/office/powerpoint/2010/main" val="3849149190"/>
+      </p:ext>
+    </p:extLst>
+  </p:cSld>
+  <p:clrMapOvr>
+    <a:masterClrMapping/>
+  </p:clrMapOvr>
+</p:sld>
+</file>
+
+<file path=ppt/slides/slide7.xml><?xml version="1.0" encoding="utf-8"?>
+<p:sld xmlns:a="http://schemas.openxmlformats.org/drawingml/2006/main" xmlns:r="http://schemas.openxmlformats.org/officeDocument/2006/relationships" xmlns:p="http://schemas.openxmlformats.org/presentationml/2006/main">
+  <p:cSld>
+    <p:bg>
+      <p:bgPr>
+        <a:gradFill>
+          <a:gsLst>
+            <a:gs pos="0">
+              <a:schemeClr val="accent1">
+                <a:lumMod val="5000"/>
+                <a:lumOff val="95000"/>
+              </a:schemeClr>
+            </a:gs>
+            <a:gs pos="74000">
+              <a:schemeClr val="accent1">
+                <a:lumMod val="45000"/>
+                <a:lumOff val="55000"/>
+              </a:schemeClr>
+            </a:gs>
+            <a:gs pos="83000">
+              <a:schemeClr val="accent1">
+                <a:lumMod val="45000"/>
+                <a:lumOff val="55000"/>
+              </a:schemeClr>
+            </a:gs>
+            <a:gs pos="100000">
+              <a:schemeClr val="accent1">
+                <a:lumMod val="30000"/>
+                <a:lumOff val="70000"/>
+              </a:schemeClr>
+            </a:gs>
+          </a:gsLst>
+          <a:lin ang="5400000" scaled="1"/>
+        </a:gradFill>
+        <a:effectLst/>
+      </p:bgPr>
+    </p:bg>
+    <p:spTree>
+      <p:nvGrpSpPr>
+        <p:cNvPr id="1" name=""/>
+        <p:cNvGrpSpPr/>
+        <p:nvPr/>
+      </p:nvGrpSpPr>
+      <p:grpSpPr>
+        <a:xfrm>
+          <a:off x="0" y="0"/>
+          <a:ext cx="0" cy="0"/>
+          <a:chOff x="0" y="0"/>
+          <a:chExt cx="0" cy="0"/>
+        </a:xfrm>
+      </p:grpSpPr>
+      <p:sp>
+        <p:nvSpPr>
+          <p:cNvPr id="2" name="Title 1">
+            <a:extLst>
+              <a:ext uri="{FF2B5EF4-FFF2-40B4-BE49-F238E27FC236}">
+                <a16:creationId xmlns:a16="http://schemas.microsoft.com/office/drawing/2014/main" id="{A8FEFBD8-2F82-523A-BF2A-866074B73A88}"/>
+              </a:ext>
+            </a:extLst>
+          </p:cNvPr>
+          <p:cNvSpPr>
+            <a:spLocks noGrp="1"/>
+          </p:cNvSpPr>
+          <p:nvPr>
+            <p:ph type="title"/>
+          </p:nvPr>
+        </p:nvSpPr>
+        <p:spPr/>
+        <p:txBody>
+          <a:bodyPr/>
+          <a:lstStyle/>
+          <a:p>
+            <a:r>
+              <a:rPr lang="en-US" dirty="0"/>
+              <a:t>Risk Minimization</a:t>
+            </a:r>
+          </a:p>
+        </p:txBody>
+      </p:sp>
+      <p:sp>
+        <p:nvSpPr>
+          <p:cNvPr id="3" name="Content Placeholder 2">
+            <a:extLst>
+              <a:ext uri="{FF2B5EF4-FFF2-40B4-BE49-F238E27FC236}">
+                <a16:creationId xmlns:a16="http://schemas.microsoft.com/office/drawing/2014/main" id="{B218C11A-7005-E957-1A7C-E30E662DE81D}"/>
+              </a:ext>
+            </a:extLst>
+          </p:cNvPr>
+          <p:cNvSpPr>
+            <a:spLocks noGrp="1"/>
+          </p:cNvSpPr>
+          <p:nvPr>
+            <p:ph idx="1"/>
+          </p:nvPr>
+        </p:nvSpPr>
+        <p:spPr/>
+        <p:txBody>
+          <a:bodyPr/>
+          <a:lstStyle/>
+          <a:p>
+            <a:r>
+              <a:rPr lang="en-US" dirty="0"/>
+              <a:t>Data guides smart investments by identifying high-performing genres </a:t>
+            </a:r>
+            <a:r>
+              <a:rPr lang="en-US" dirty="0" err="1"/>
+              <a:t>rating,revenue</a:t>
+            </a:r>
+            <a:r>
+              <a:rPr lang="en-US" dirty="0"/>
+              <a:t> generation and return on investment as well as optimal range for different film types.</a:t>
+            </a:r>
+          </a:p>
+          <a:p>
+            <a:pPr marL="0" indent="0">
+              <a:buNone/>
+            </a:pPr>
+            <a:endParaRPr lang="en-US" dirty="0"/>
+          </a:p>
+        </p:txBody>
+      </p:sp>
+    </p:spTree>
+    <p:extLst>
+      <p:ext uri="{BB962C8B-B14F-4D97-AF65-F5344CB8AC3E}">
+        <p14:creationId xmlns:p14="http://schemas.microsoft.com/office/powerpoint/2010/main" val="397299361"/>
+      </p:ext>
+    </p:extLst>
+  </p:cSld>
+  <p:clrMapOvr>
+    <a:masterClrMapping/>
+  </p:clrMapOvr>
+</p:sld>
+</file>
+
+<file path=ppt/slides/slide8.xml><?xml version="1.0" encoding="utf-8"?>
+<p:sld xmlns:a="http://schemas.openxmlformats.org/drawingml/2006/main" xmlns:r="http://schemas.openxmlformats.org/officeDocument/2006/relationships" xmlns:p="http://schemas.openxmlformats.org/presentationml/2006/main" showMasterSp="0">
+  <p:cSld>
+    <p:bg>
+      <p:bgPr>
+        <a:gradFill>
+          <a:gsLst>
+            <a:gs pos="0">
+              <a:schemeClr val="accent1">
+                <a:lumMod val="5000"/>
+                <a:lumOff val="95000"/>
+              </a:schemeClr>
+            </a:gs>
+            <a:gs pos="74000">
+              <a:schemeClr val="accent1">
+                <a:lumMod val="45000"/>
+                <a:lumOff val="55000"/>
+              </a:schemeClr>
+            </a:gs>
+            <a:gs pos="83000">
+              <a:schemeClr val="accent1">
+                <a:lumMod val="45000"/>
+                <a:lumOff val="55000"/>
+              </a:schemeClr>
+            </a:gs>
+            <a:gs pos="100000">
+              <a:schemeClr val="accent1">
+                <a:lumMod val="30000"/>
+                <a:lumOff val="70000"/>
+              </a:schemeClr>
+            </a:gs>
+          </a:gsLst>
+          <a:lin ang="5400000" scaled="1"/>
+        </a:gradFill>
+        <a:effectLst/>
+      </p:bgPr>
+    </p:bg>
+    <p:spTree>
+      <p:nvGrpSpPr>
+        <p:cNvPr id="1" name=""/>
+        <p:cNvGrpSpPr/>
+        <p:nvPr/>
+      </p:nvGrpSpPr>
+      <p:grpSpPr>
+        <a:xfrm>
+          <a:off x="0" y="0"/>
+          <a:ext cx="0" cy="0"/>
+          <a:chOff x="0" y="0"/>
+          <a:chExt cx="0" cy="0"/>
+        </a:xfrm>
+      </p:grpSpPr>
+      <p:sp>
+        <p:nvSpPr>
+          <p:cNvPr id="2" name="Title 1">
+            <a:extLst>
+              <a:ext uri="{FF2B5EF4-FFF2-40B4-BE49-F238E27FC236}">
+                <a16:creationId xmlns:a16="http://schemas.microsoft.com/office/drawing/2014/main" id="{6CFC7CAB-9662-D6B7-F30E-D598C1D8F096}"/>
+              </a:ext>
+            </a:extLst>
+          </p:cNvPr>
+          <p:cNvSpPr>
+            <a:spLocks noGrp="1"/>
+          </p:cNvSpPr>
+          <p:nvPr>
+            <p:ph type="title"/>
+          </p:nvPr>
+        </p:nvSpPr>
+        <p:spPr/>
+        <p:txBody>
+          <a:bodyPr/>
+          <a:lstStyle/>
+          <a:p>
+            <a:r>
+              <a:rPr lang="en-US" dirty="0"/>
+              <a:t>Business Strategy Support</a:t>
+            </a:r>
+          </a:p>
+        </p:txBody>
+      </p:sp>
+      <p:sp>
+        <p:nvSpPr>
+          <p:cNvPr id="3" name="Content Placeholder 2">
+            <a:extLst>
+              <a:ext uri="{FF2B5EF4-FFF2-40B4-BE49-F238E27FC236}">
+                <a16:creationId xmlns:a16="http://schemas.microsoft.com/office/drawing/2014/main" id="{28ABD5AC-DE4F-F605-1B1B-1F55B4D43751}"/>
+              </a:ext>
+            </a:extLst>
+          </p:cNvPr>
+          <p:cNvSpPr>
+            <a:spLocks noGrp="1"/>
+          </p:cNvSpPr>
+          <p:nvPr>
+            <p:ph idx="1"/>
+          </p:nvPr>
+        </p:nvSpPr>
+        <p:spPr/>
+        <p:txBody>
+          <a:bodyPr/>
+          <a:lstStyle/>
+          <a:p>
+            <a:r>
+              <a:rPr lang="en-US" dirty="0"/>
+              <a:t>Data-driven decisions align production with audience demand and commercial viability.</a:t>
+            </a:r>
+          </a:p>
+        </p:txBody>
+      </p:sp>
+    </p:spTree>
+    <p:extLst>
+      <p:ext uri="{BB962C8B-B14F-4D97-AF65-F5344CB8AC3E}">
+        <p14:creationId xmlns:p14="http://schemas.microsoft.com/office/powerpoint/2010/main" val="3567914464"/>
+      </p:ext>
+    </p:extLst>
+  </p:cSld>
+  <p:clrMapOvr>
+    <a:masterClrMapping/>
+  </p:clrMapOvr>
+</p:sld>
+</file>
+
+<file path=ppt/slides/slide9.xml><?xml version="1.0" encoding="utf-8"?>
+<p:sld xmlns:a="http://schemas.openxmlformats.org/drawingml/2006/main" xmlns:r="http://schemas.openxmlformats.org/officeDocument/2006/relationships" xmlns:p="http://schemas.openxmlformats.org/presentationml/2006/main">
+  <p:cSld>
+    <p:bg>
+      <p:bgPr>
+        <a:gradFill>
+          <a:gsLst>
+            <a:gs pos="0">
+              <a:schemeClr val="accent1">
+                <a:lumMod val="5000"/>
+                <a:lumOff val="95000"/>
+              </a:schemeClr>
+            </a:gs>
+            <a:gs pos="74000">
+              <a:schemeClr val="accent1">
+                <a:lumMod val="45000"/>
+                <a:lumOff val="55000"/>
+              </a:schemeClr>
+            </a:gs>
+            <a:gs pos="83000">
+              <a:schemeClr val="accent1">
+                <a:lumMod val="45000"/>
+                <a:lumOff val="55000"/>
+              </a:schemeClr>
+            </a:gs>
+            <a:gs pos="100000">
+              <a:schemeClr val="accent1">
+                <a:lumMod val="30000"/>
+                <a:lumOff val="70000"/>
+              </a:schemeClr>
+            </a:gs>
+          </a:gsLst>
+          <a:lin ang="5400000" scaled="1"/>
+        </a:gradFill>
+        <a:effectLst/>
+      </p:bgPr>
+    </p:bg>
+    <p:spTree>
+      <p:nvGrpSpPr>
+        <p:cNvPr id="1" name=""/>
+        <p:cNvGrpSpPr/>
+        <p:nvPr/>
+      </p:nvGrpSpPr>
+      <p:grpSpPr>
+        <a:xfrm>
+          <a:off x="0" y="0"/>
+          <a:ext cx="0" cy="0"/>
+          <a:chOff x="0" y="0"/>
+          <a:chExt cx="0" cy="0"/>
+        </a:xfrm>
+      </p:grpSpPr>
+      <p:sp>
+        <p:nvSpPr>
+          <p:cNvPr id="2" name="Title 1">
+            <a:extLst>
+              <a:ext uri="{FF2B5EF4-FFF2-40B4-BE49-F238E27FC236}">
+                <a16:creationId xmlns:a16="http://schemas.microsoft.com/office/drawing/2014/main" id="{991F55F2-D6D0-46EF-0DBF-7BEEDB1A8D10}"/>
+              </a:ext>
+            </a:extLst>
+          </p:cNvPr>
+          <p:cNvSpPr>
+            <a:spLocks noGrp="1"/>
+          </p:cNvSpPr>
+          <p:nvPr>
+            <p:ph type="title"/>
+          </p:nvPr>
+        </p:nvSpPr>
+        <p:spPr/>
+        <p:txBody>
+          <a:bodyPr/>
+          <a:lstStyle/>
+          <a:p>
+            <a:r>
+              <a:rPr lang="en-US" dirty="0"/>
+              <a:t>Data Analysis</a:t>
+            </a:r>
+          </a:p>
+        </p:txBody>
+      </p:sp>
+      <p:sp>
+        <p:nvSpPr>
+          <p:cNvPr id="3" name="Content Placeholder 2">
+            <a:extLst>
+              <a:ext uri="{FF2B5EF4-FFF2-40B4-BE49-F238E27FC236}">
+                <a16:creationId xmlns:a16="http://schemas.microsoft.com/office/drawing/2014/main" id="{C071085D-42AF-297F-D0D5-30F62101A4DA}"/>
+              </a:ext>
+            </a:extLst>
+          </p:cNvPr>
+          <p:cNvSpPr>
+            <a:spLocks noGrp="1"/>
+          </p:cNvSpPr>
+          <p:nvPr>
+            <p:ph idx="1"/>
+          </p:nvPr>
+        </p:nvSpPr>
+        <p:spPr/>
+        <p:txBody>
+          <a:bodyPr>
+            <a:normAutofit fontScale="85000" lnSpcReduction="20000"/>
+          </a:bodyPr>
+          <a:lstStyle/>
+          <a:p>
+            <a:pPr algn="l">
+              <a:spcAft>
+                <a:spcPts val="1200"/>
+              </a:spcAft>
+              <a:buNone/>
+            </a:pPr>
+            <a:r>
+              <a:rPr lang="en-US" b="0" i="0" dirty="0">
+                <a:solidFill>
+                  <a:srgbClr val="1F2328"/>
+                </a:solidFill>
+                <a:effectLst/>
+                <a:latin typeface="-apple-system"/>
+              </a:rPr>
+              <a:t>This project utilizes a powerful combination of industry datasets, each contributing unique insights to our understanding of the global film landscape:</a:t>
+            </a:r>
+          </a:p>
+          <a:p>
+            <a:pPr algn="l">
+              <a:buFont typeface="Arial" panose="020B0604020202020204" pitchFamily="34" charset="0"/>
+              <a:buChar char="•"/>
+            </a:pPr>
+            <a:r>
+              <a:rPr lang="en-US" b="1" i="0" dirty="0">
+                <a:solidFill>
+                  <a:srgbClr val="1F2328"/>
+                </a:solidFill>
+                <a:effectLst/>
+                <a:latin typeface="-apple-system"/>
+              </a:rPr>
+              <a:t>The Numbers</a:t>
+            </a:r>
+            <a:r>
+              <a:rPr lang="en-US" b="0" i="0" dirty="0">
+                <a:solidFill>
+                  <a:srgbClr val="1F2328"/>
+                </a:solidFill>
+                <a:effectLst/>
+                <a:latin typeface="-apple-system"/>
+              </a:rPr>
+              <a:t>: Providing crucial financial details such as production budgets and revenues, enabling accurate ROI calculations.</a:t>
+            </a:r>
+          </a:p>
+          <a:p>
+            <a:pPr algn="l">
+              <a:buFont typeface="Arial" panose="020B0604020202020204" pitchFamily="34" charset="0"/>
+              <a:buChar char="•"/>
+            </a:pPr>
+            <a:r>
+              <a:rPr lang="en-US" b="1" i="0" dirty="0">
+                <a:solidFill>
+                  <a:srgbClr val="1F2328"/>
+                </a:solidFill>
+                <a:effectLst/>
+                <a:latin typeface="-apple-system"/>
+              </a:rPr>
+              <a:t>Box Office Mojo</a:t>
+            </a:r>
+            <a:r>
+              <a:rPr lang="en-US" b="0" i="0" dirty="0">
+                <a:solidFill>
+                  <a:srgbClr val="1F2328"/>
+                </a:solidFill>
+                <a:effectLst/>
+                <a:latin typeface="-apple-system"/>
+              </a:rPr>
+              <a:t>: Offering data on gross earnings and overall box office performance.</a:t>
+            </a:r>
+          </a:p>
+          <a:p>
+            <a:pPr algn="l">
+              <a:buFont typeface="Arial" panose="020B0604020202020204" pitchFamily="34" charset="0"/>
+              <a:buChar char="•"/>
+            </a:pPr>
+            <a:r>
+              <a:rPr lang="en-US" b="1" i="0" dirty="0">
+                <a:solidFill>
+                  <a:srgbClr val="1F2328"/>
+                </a:solidFill>
+                <a:effectLst/>
+                <a:latin typeface="-apple-system"/>
+              </a:rPr>
+              <a:t>Rotten Tomatoes</a:t>
+            </a:r>
+            <a:r>
+              <a:rPr lang="en-US" b="0" i="0" dirty="0">
+                <a:solidFill>
+                  <a:srgbClr val="1F2328"/>
+                </a:solidFill>
+                <a:effectLst/>
+                <a:latin typeface="-apple-system"/>
+              </a:rPr>
+              <a:t>: Supplying critic and audience scores, along with valuable insights into review sentiment.</a:t>
+            </a:r>
+          </a:p>
+          <a:p>
+            <a:pPr algn="l">
+              <a:buFont typeface="Arial" panose="020B0604020202020204" pitchFamily="34" charset="0"/>
+              <a:buChar char="•"/>
+            </a:pPr>
+            <a:r>
+              <a:rPr lang="en-US" b="1" i="0" dirty="0" err="1">
+                <a:solidFill>
+                  <a:srgbClr val="1F2328"/>
+                </a:solidFill>
+                <a:effectLst/>
+                <a:latin typeface="-apple-system"/>
+              </a:rPr>
+              <a:t>TheMovieDB</a:t>
+            </a:r>
+            <a:r>
+              <a:rPr lang="en-US" b="0" i="0" dirty="0">
+                <a:solidFill>
+                  <a:srgbClr val="1F2328"/>
+                </a:solidFill>
+                <a:effectLst/>
+                <a:latin typeface="-apple-system"/>
+              </a:rPr>
+              <a:t>: Delivering rich metadata on movies, encompassing genres, languages, production countries, popularity metrics, and more.</a:t>
+            </a:r>
+          </a:p>
+          <a:p>
+            <a:pPr algn="l">
+              <a:buFont typeface="Arial" panose="020B0604020202020204" pitchFamily="34" charset="0"/>
+              <a:buChar char="•"/>
+            </a:pPr>
+            <a:r>
+              <a:rPr lang="en-US" b="1" i="0" dirty="0">
+                <a:solidFill>
+                  <a:srgbClr val="1F2328"/>
+                </a:solidFill>
+                <a:effectLst/>
+                <a:latin typeface="-apple-system"/>
+              </a:rPr>
+              <a:t>IMDb Links</a:t>
+            </a:r>
+            <a:r>
+              <a:rPr lang="en-US" b="0" i="0" dirty="0">
+                <a:solidFill>
+                  <a:srgbClr val="1F2328"/>
+                </a:solidFill>
+                <a:effectLst/>
+                <a:latin typeface="-apple-system"/>
+              </a:rPr>
+              <a:t>: Providing unique identifiers to facilitate cross-referencing of movies across all datasets.</a:t>
+            </a:r>
+          </a:p>
+          <a:p>
+            <a:endParaRPr lang="en-US" dirty="0"/>
+          </a:p>
+        </p:txBody>
+      </p:sp>
+    </p:spTree>
+    <p:extLst>
+      <p:ext uri="{BB962C8B-B14F-4D97-AF65-F5344CB8AC3E}">
+        <p14:creationId xmlns:p14="http://schemas.microsoft.com/office/powerpoint/2010/main" val="1864177644"/>
       </p:ext>
     </p:extLst>
   </p:cSld>

--- a/presentation.pdf.pptx
+++ b/presentation.pdf.pptx
@@ -1,26 +1,30 @@
 
 <file path=ppt/presentation.xml><?xml version="1.0" encoding="utf-8"?>
-<p:presentation xmlns:a="http://schemas.openxmlformats.org/drawingml/2006/main" xmlns:r="http://schemas.openxmlformats.org/officeDocument/2006/relationships" xmlns:p="http://schemas.openxmlformats.org/presentationml/2006/main" saveSubsetFonts="1">
+<p:presentation xmlns:a="http://schemas.openxmlformats.org/drawingml/2006/main" xmlns:r="http://schemas.openxmlformats.org/officeDocument/2006/relationships" xmlns:p="http://schemas.openxmlformats.org/presentationml/2006/main">
   <p:sldMasterIdLst>
     <p:sldMasterId id="2147483648" r:id="rId1"/>
   </p:sldMasterIdLst>
+  <p:notesMasterIdLst>
+    <p:notesMasterId r:id="rId14"/>
+  </p:notesMasterIdLst>
   <p:sldIdLst>
-    <p:sldId id="256" r:id="rId2"/>
-    <p:sldId id="259" r:id="rId3"/>
-    <p:sldId id="258" r:id="rId4"/>
-    <p:sldId id="260" r:id="rId5"/>
-    <p:sldId id="261" r:id="rId6"/>
-    <p:sldId id="262" r:id="rId7"/>
-    <p:sldId id="263" r:id="rId8"/>
-    <p:sldId id="264" r:id="rId9"/>
-    <p:sldId id="265" r:id="rId10"/>
-    <p:sldId id="266" r:id="rId11"/>
-    <p:sldId id="267" r:id="rId12"/>
-    <p:sldId id="268" r:id="rId13"/>
-    <p:sldId id="269" r:id="rId14"/>
-    <p:sldId id="270" r:id="rId15"/>
-    <p:sldId id="271" r:id="rId16"/>
-    <p:sldId id="272" r:id="rId17"/>
+    <p:sldId id="256" r:id="rId3"/>
+    <p:sldId id="259" r:id="rId4"/>
+    <p:sldId id="258" r:id="rId5"/>
+    <p:sldId id="260" r:id="rId6"/>
+    <p:sldId id="261" r:id="rId7"/>
+    <p:sldId id="262" r:id="rId8"/>
+    <p:sldId id="263" r:id="rId9"/>
+    <p:sldId id="264" r:id="rId10"/>
+    <p:sldId id="265" r:id="rId11"/>
+    <p:sldId id="273" r:id="rId12"/>
+    <p:sldId id="266" r:id="rId13"/>
+    <p:sldId id="267" r:id="rId15"/>
+    <p:sldId id="268" r:id="rId16"/>
+    <p:sldId id="269" r:id="rId17"/>
+    <p:sldId id="270" r:id="rId18"/>
+    <p:sldId id="271" r:id="rId19"/>
+    <p:sldId id="272" r:id="rId20"/>
   </p:sldIdLst>
   <p:sldSz cx="12192000" cy="6858000"/>
   <p:notesSz cx="6858000" cy="9144000"/>
@@ -119,12 +123,402 @@
       </a:defRPr>
     </a:lvl9pPr>
   </p:defaultTextStyle>
-  <p:extLst>
-    <p:ext uri="{EFAFB233-063F-42B5-8137-9DF3F51BA10A}">
-      <p15:sldGuideLst xmlns:p15="http://schemas.microsoft.com/office/powerpoint/2012/main"/>
-    </p:ext>
-  </p:extLst>
 </p:presentation>
+</file>
+
+<file path=ppt/notesMasters/notesMaster1.xml><?xml version="1.0" encoding="utf-8"?>
+<p:notesMaster xmlns:a="http://schemas.openxmlformats.org/drawingml/2006/main" xmlns:r="http://schemas.openxmlformats.org/officeDocument/2006/relationships" xmlns:p="http://schemas.openxmlformats.org/presentationml/2006/main">
+  <p:cSld>
+    <p:bg>
+      <p:bgRef idx="1001">
+        <a:schemeClr val="bg1"/>
+      </p:bgRef>
+    </p:bg>
+    <p:spTree>
+      <p:nvGrpSpPr>
+        <p:cNvPr id="1" name=""/>
+        <p:cNvGrpSpPr/>
+        <p:nvPr/>
+      </p:nvGrpSpPr>
+      <p:grpSpPr>
+        <a:xfrm>
+          <a:off x="0" y="0"/>
+          <a:ext cx="0" cy="0"/>
+          <a:chOff x="0" y="0"/>
+          <a:chExt cx="0" cy="0"/>
+        </a:xfrm>
+      </p:grpSpPr>
+      <p:sp>
+        <p:nvSpPr>
+          <p:cNvPr id="2" name="Header Placeholder 1"/>
+          <p:cNvSpPr>
+            <a:spLocks noGrp="1"/>
+          </p:cNvSpPr>
+          <p:nvPr>
+            <p:ph type="hdr" sz="quarter"/>
+          </p:nvPr>
+        </p:nvSpPr>
+        <p:spPr>
+          <a:xfrm>
+            <a:off x="0" y="0"/>
+            <a:ext cx="2971800" cy="458788"/>
+          </a:xfrm>
+          <a:prstGeom prst="rect">
+            <a:avLst/>
+          </a:prstGeom>
+        </p:spPr>
+        <p:txBody>
+          <a:bodyPr vert="horz" lIns="91440" tIns="45720" rIns="91440" bIns="45720" rtlCol="0"/>
+          <a:lstStyle>
+            <a:lvl1pPr algn="l">
+              <a:defRPr sz="1200"/>
+            </a:lvl1pPr>
+          </a:lstStyle>
+          <a:p>
+            <a:endParaRPr lang="en-US"/>
+          </a:p>
+        </p:txBody>
+      </p:sp>
+      <p:sp>
+        <p:nvSpPr>
+          <p:cNvPr id="3" name="Date Placeholder 2"/>
+          <p:cNvSpPr>
+            <a:spLocks noGrp="1"/>
+          </p:cNvSpPr>
+          <p:nvPr>
+            <p:ph type="dt" idx="1"/>
+          </p:nvPr>
+        </p:nvSpPr>
+        <p:spPr>
+          <a:xfrm>
+            <a:off x="3884613" y="0"/>
+            <a:ext cx="2971800" cy="458788"/>
+          </a:xfrm>
+          <a:prstGeom prst="rect">
+            <a:avLst/>
+          </a:prstGeom>
+        </p:spPr>
+        <p:txBody>
+          <a:bodyPr vert="horz" lIns="91440" tIns="45720" rIns="91440" bIns="45720" rtlCol="0"/>
+          <a:lstStyle>
+            <a:lvl1pPr algn="r">
+              <a:defRPr sz="1200"/>
+            </a:lvl1pPr>
+          </a:lstStyle>
+          <a:p>
+            <a:fld id="{3EFD42F7-718C-4B98-AAEC-167E6DDD60A7}" type="datetimeFigureOut">
+              <a:rPr lang="en-US" smtClean="0"/>
+            </a:fld>
+            <a:endParaRPr lang="en-US"/>
+          </a:p>
+        </p:txBody>
+      </p:sp>
+      <p:sp>
+        <p:nvSpPr>
+          <p:cNvPr id="4" name="Slide Image Placeholder 3"/>
+          <p:cNvSpPr>
+            <a:spLocks noGrp="1" noRot="1" noChangeAspect="1"/>
+          </p:cNvSpPr>
+          <p:nvPr>
+            <p:ph type="sldImg" idx="2"/>
+          </p:nvPr>
+        </p:nvSpPr>
+        <p:spPr>
+          <a:xfrm>
+            <a:off x="685800" y="1143000"/>
+            <a:ext cx="5486400" cy="3086100"/>
+          </a:xfrm>
+          <a:prstGeom prst="rect">
+            <a:avLst/>
+          </a:prstGeom>
+          <a:noFill/>
+          <a:ln w="12700">
+            <a:solidFill>
+              <a:prstClr val="black"/>
+            </a:solidFill>
+          </a:ln>
+        </p:spPr>
+        <p:txBody>
+          <a:bodyPr vert="horz" lIns="91440" tIns="45720" rIns="91440" bIns="45720" rtlCol="0" anchor="ctr"/>
+          <a:lstStyle/>
+          <a:p>
+            <a:endParaRPr lang="en-US"/>
+          </a:p>
+        </p:txBody>
+      </p:sp>
+      <p:sp>
+        <p:nvSpPr>
+          <p:cNvPr id="5" name="Notes Placeholder 4"/>
+          <p:cNvSpPr>
+            <a:spLocks noGrp="1"/>
+          </p:cNvSpPr>
+          <p:nvPr>
+            <p:ph type="body" sz="quarter" idx="3"/>
+          </p:nvPr>
+        </p:nvSpPr>
+        <p:spPr>
+          <a:xfrm>
+            <a:off x="685800" y="4400550"/>
+            <a:ext cx="5486400" cy="3600450"/>
+          </a:xfrm>
+          <a:prstGeom prst="rect">
+            <a:avLst/>
+          </a:prstGeom>
+        </p:spPr>
+        <p:txBody>
+          <a:bodyPr vert="horz" lIns="91440" tIns="45720" rIns="91440" bIns="45720" rtlCol="0"/>
+          <a:lstStyle/>
+          <a:p>
+            <a:pPr lvl="0"/>
+            <a:r>
+              <a:rPr lang="en-US" smtClean="0"/>
+              <a:t>Click to edit Master text styles</a:t>
+            </a:r>
+            <a:endParaRPr lang="en-US" smtClean="0"/>
+          </a:p>
+          <a:p>
+            <a:pPr lvl="1"/>
+            <a:r>
+              <a:rPr lang="en-US" smtClean="0"/>
+              <a:t>Second level</a:t>
+            </a:r>
+            <a:endParaRPr lang="en-US" smtClean="0"/>
+          </a:p>
+          <a:p>
+            <a:pPr lvl="2"/>
+            <a:r>
+              <a:rPr lang="en-US" smtClean="0"/>
+              <a:t>Third level</a:t>
+            </a:r>
+            <a:endParaRPr lang="en-US" smtClean="0"/>
+          </a:p>
+          <a:p>
+            <a:pPr lvl="3"/>
+            <a:r>
+              <a:rPr lang="en-US" smtClean="0"/>
+              <a:t>Fourth level</a:t>
+            </a:r>
+            <a:endParaRPr lang="en-US" smtClean="0"/>
+          </a:p>
+          <a:p>
+            <a:pPr lvl="4"/>
+            <a:r>
+              <a:rPr lang="en-US" smtClean="0"/>
+              <a:t>Fifth level</a:t>
+            </a:r>
+            <a:endParaRPr lang="en-US"/>
+          </a:p>
+        </p:txBody>
+      </p:sp>
+      <p:sp>
+        <p:nvSpPr>
+          <p:cNvPr id="6" name="Footer Placeholder 5"/>
+          <p:cNvSpPr>
+            <a:spLocks noGrp="1"/>
+          </p:cNvSpPr>
+          <p:nvPr>
+            <p:ph type="ftr" sz="quarter" idx="4"/>
+          </p:nvPr>
+        </p:nvSpPr>
+        <p:spPr>
+          <a:xfrm>
+            <a:off x="0" y="8685213"/>
+            <a:ext cx="2971800" cy="458787"/>
+          </a:xfrm>
+          <a:prstGeom prst="rect">
+            <a:avLst/>
+          </a:prstGeom>
+        </p:spPr>
+        <p:txBody>
+          <a:bodyPr vert="horz" lIns="91440" tIns="45720" rIns="91440" bIns="45720" rtlCol="0" anchor="b"/>
+          <a:lstStyle>
+            <a:lvl1pPr algn="l">
+              <a:defRPr sz="1200"/>
+            </a:lvl1pPr>
+          </a:lstStyle>
+          <a:p>
+            <a:endParaRPr lang="en-US"/>
+          </a:p>
+        </p:txBody>
+      </p:sp>
+      <p:sp>
+        <p:nvSpPr>
+          <p:cNvPr id="7" name="Slide Number Placeholder 6"/>
+          <p:cNvSpPr>
+            <a:spLocks noGrp="1"/>
+          </p:cNvSpPr>
+          <p:nvPr>
+            <p:ph type="sldNum" sz="quarter" idx="5"/>
+          </p:nvPr>
+        </p:nvSpPr>
+        <p:spPr>
+          <a:xfrm>
+            <a:off x="3884613" y="8685213"/>
+            <a:ext cx="2971800" cy="458787"/>
+          </a:xfrm>
+          <a:prstGeom prst="rect">
+            <a:avLst/>
+          </a:prstGeom>
+        </p:spPr>
+        <p:txBody>
+          <a:bodyPr vert="horz" lIns="91440" tIns="45720" rIns="91440" bIns="45720" rtlCol="0" anchor="b"/>
+          <a:lstStyle>
+            <a:lvl1pPr algn="r">
+              <a:defRPr sz="1200"/>
+            </a:lvl1pPr>
+          </a:lstStyle>
+          <a:p>
+            <a:fld id="{21B2AA4F-B828-4D7C-AFD3-893933DAFCB4}" type="slidenum">
+              <a:rPr lang="en-US" smtClean="0"/>
+            </a:fld>
+            <a:endParaRPr lang="en-US"/>
+          </a:p>
+        </p:txBody>
+      </p:sp>
+    </p:spTree>
+  </p:cSld>
+  <p:clrMap bg1="lt1" tx1="dk1" bg2="lt2" tx2="dk2" accent1="accent1" accent2="accent2" accent3="accent3" accent4="accent4" accent5="accent5" accent6="accent6" hlink="hlink" folHlink="folHlink"/>
+  <p:notesStyle>
+    <a:lvl1pPr marL="0" algn="l" defTabSz="914400" rtl="0" eaLnBrk="1" latinLnBrk="0" hangingPunct="1">
+      <a:defRPr sz="1200" kern="1200">
+        <a:solidFill>
+          <a:schemeClr val="tx1"/>
+        </a:solidFill>
+        <a:latin typeface="+mn-lt"/>
+        <a:ea typeface="+mn-ea"/>
+        <a:cs typeface="+mn-cs"/>
+      </a:defRPr>
+    </a:lvl1pPr>
+    <a:lvl2pPr marL="457200" algn="l" defTabSz="914400" rtl="0" eaLnBrk="1" latinLnBrk="0" hangingPunct="1">
+      <a:defRPr sz="1200" kern="1200">
+        <a:solidFill>
+          <a:schemeClr val="tx1"/>
+        </a:solidFill>
+        <a:latin typeface="+mn-lt"/>
+        <a:ea typeface="+mn-ea"/>
+        <a:cs typeface="+mn-cs"/>
+      </a:defRPr>
+    </a:lvl2pPr>
+    <a:lvl3pPr marL="914400" algn="l" defTabSz="914400" rtl="0" eaLnBrk="1" latinLnBrk="0" hangingPunct="1">
+      <a:defRPr sz="1200" kern="1200">
+        <a:solidFill>
+          <a:schemeClr val="tx1"/>
+        </a:solidFill>
+        <a:latin typeface="+mn-lt"/>
+        <a:ea typeface="+mn-ea"/>
+        <a:cs typeface="+mn-cs"/>
+      </a:defRPr>
+    </a:lvl3pPr>
+    <a:lvl4pPr marL="1371600" algn="l" defTabSz="914400" rtl="0" eaLnBrk="1" latinLnBrk="0" hangingPunct="1">
+      <a:defRPr sz="1200" kern="1200">
+        <a:solidFill>
+          <a:schemeClr val="tx1"/>
+        </a:solidFill>
+        <a:latin typeface="+mn-lt"/>
+        <a:ea typeface="+mn-ea"/>
+        <a:cs typeface="+mn-cs"/>
+      </a:defRPr>
+    </a:lvl4pPr>
+    <a:lvl5pPr marL="1828800" algn="l" defTabSz="914400" rtl="0" eaLnBrk="1" latinLnBrk="0" hangingPunct="1">
+      <a:defRPr sz="1200" kern="1200">
+        <a:solidFill>
+          <a:schemeClr val="tx1"/>
+        </a:solidFill>
+        <a:latin typeface="+mn-lt"/>
+        <a:ea typeface="+mn-ea"/>
+        <a:cs typeface="+mn-cs"/>
+      </a:defRPr>
+    </a:lvl5pPr>
+    <a:lvl6pPr marL="2286000" algn="l" defTabSz="914400" rtl="0" eaLnBrk="1" latinLnBrk="0" hangingPunct="1">
+      <a:defRPr sz="1200" kern="1200">
+        <a:solidFill>
+          <a:schemeClr val="tx1"/>
+        </a:solidFill>
+        <a:latin typeface="+mn-lt"/>
+        <a:ea typeface="+mn-ea"/>
+        <a:cs typeface="+mn-cs"/>
+      </a:defRPr>
+    </a:lvl6pPr>
+    <a:lvl7pPr marL="2743200" algn="l" defTabSz="914400" rtl="0" eaLnBrk="1" latinLnBrk="0" hangingPunct="1">
+      <a:defRPr sz="1200" kern="1200">
+        <a:solidFill>
+          <a:schemeClr val="tx1"/>
+        </a:solidFill>
+        <a:latin typeface="+mn-lt"/>
+        <a:ea typeface="+mn-ea"/>
+        <a:cs typeface="+mn-cs"/>
+      </a:defRPr>
+    </a:lvl7pPr>
+    <a:lvl8pPr marL="3200400" algn="l" defTabSz="914400" rtl="0" eaLnBrk="1" latinLnBrk="0" hangingPunct="1">
+      <a:defRPr sz="1200" kern="1200">
+        <a:solidFill>
+          <a:schemeClr val="tx1"/>
+        </a:solidFill>
+        <a:latin typeface="+mn-lt"/>
+        <a:ea typeface="+mn-ea"/>
+        <a:cs typeface="+mn-cs"/>
+      </a:defRPr>
+    </a:lvl8pPr>
+    <a:lvl9pPr marL="3657600" algn="l" defTabSz="914400" rtl="0" eaLnBrk="1" latinLnBrk="0" hangingPunct="1">
+      <a:defRPr sz="1200" kern="1200">
+        <a:solidFill>
+          <a:schemeClr val="tx1"/>
+        </a:solidFill>
+        <a:latin typeface="+mn-lt"/>
+        <a:ea typeface="+mn-ea"/>
+        <a:cs typeface="+mn-cs"/>
+      </a:defRPr>
+    </a:lvl9pPr>
+  </p:notesStyle>
+</p:notesMaster>
+</file>
+
+<file path=ppt/notesSlides/notesSlide1.xml><?xml version="1.0" encoding="utf-8"?>
+<p:notes xmlns:a="http://schemas.openxmlformats.org/drawingml/2006/main" xmlns:r="http://schemas.openxmlformats.org/officeDocument/2006/relationships" xmlns:p="http://schemas.openxmlformats.org/presentationml/2006/main">
+  <p:cSld>
+    <p:spTree>
+      <p:nvGrpSpPr>
+        <p:cNvPr id="1" name=""/>
+        <p:cNvGrpSpPr/>
+        <p:nvPr/>
+      </p:nvGrpSpPr>
+      <p:grpSpPr/>
+      <p:sp>
+        <p:nvSpPr>
+          <p:cNvPr id="2" name="Slide Image Placeholder 1"/>
+          <p:cNvSpPr>
+            <a:spLocks noGrp="1"/>
+          </p:cNvSpPr>
+          <p:nvPr>
+            <p:ph type="sldImg" idx="2"/>
+          </p:nvPr>
+        </p:nvSpPr>
+        <p:spPr/>
+      </p:sp>
+      <p:sp>
+        <p:nvSpPr>
+          <p:cNvPr id="3" name="Text Placeholder 2"/>
+          <p:cNvSpPr>
+            <a:spLocks noGrp="1"/>
+          </p:cNvSpPr>
+          <p:nvPr>
+            <p:ph type="body" idx="3"/>
+          </p:nvPr>
+        </p:nvSpPr>
+        <p:spPr/>
+        <p:txBody>
+          <a:bodyPr/>
+          <a:p>
+            <a:endParaRPr lang="en-US"/>
+          </a:p>
+        </p:txBody>
+      </p:sp>
+    </p:spTree>
+  </p:cSld>
+  <p:clrMapOvr>
+    <a:masterClrMapping/>
+  </p:clrMapOvr>
+</p:notes>
 </file>
 
 <file path=ppt/slideLayouts/slideLayout1.xml><?xml version="1.0" encoding="utf-8"?>
@@ -146,13 +540,7 @@
       </p:grpSpPr>
       <p:sp>
         <p:nvSpPr>
-          <p:cNvPr id="2" name="Title 1">
-            <a:extLst>
-              <a:ext uri="{FF2B5EF4-FFF2-40B4-BE49-F238E27FC236}">
-                <a16:creationId xmlns:a16="http://schemas.microsoft.com/office/drawing/2014/main" id="{F8A27EE4-F424-6FB6-3B12-D4AA0225EA20}"/>
-              </a:ext>
-            </a:extLst>
-          </p:cNvPr>
+          <p:cNvPr id="2" name="Title 1"/>
           <p:cNvSpPr>
             <a:spLocks noGrp="1"/>
           </p:cNvSpPr>
@@ -178,18 +566,13 @@
               <a:rPr lang="en-US"/>
               <a:t>Click to edit Master title style</a:t>
             </a:r>
-          </a:p>
-        </p:txBody>
-      </p:sp>
-      <p:sp>
-        <p:nvSpPr>
-          <p:cNvPr id="3" name="Subtitle 2">
-            <a:extLst>
-              <a:ext uri="{FF2B5EF4-FFF2-40B4-BE49-F238E27FC236}">
-                <a16:creationId xmlns:a16="http://schemas.microsoft.com/office/drawing/2014/main" id="{A1C4D032-2AE9-0FC8-5540-37DB9BFE8693}"/>
-              </a:ext>
-            </a:extLst>
-          </p:cNvPr>
+            <a:endParaRPr lang="en-US"/>
+          </a:p>
+        </p:txBody>
+      </p:sp>
+      <p:sp>
+        <p:nvSpPr>
+          <p:cNvPr id="3" name="Subtitle 2"/>
           <p:cNvSpPr>
             <a:spLocks noGrp="1"/>
           </p:cNvSpPr>
@@ -248,18 +631,13 @@
               <a:rPr lang="en-US"/>
               <a:t>Click to edit Master subtitle style</a:t>
             </a:r>
-          </a:p>
-        </p:txBody>
-      </p:sp>
-      <p:sp>
-        <p:nvSpPr>
-          <p:cNvPr id="4" name="Date Placeholder 3">
-            <a:extLst>
-              <a:ext uri="{FF2B5EF4-FFF2-40B4-BE49-F238E27FC236}">
-                <a16:creationId xmlns:a16="http://schemas.microsoft.com/office/drawing/2014/main" id="{26DCE84D-DA0C-97B8-627B-9E8E0DB82329}"/>
-              </a:ext>
-            </a:extLst>
-          </p:cNvPr>
+            <a:endParaRPr lang="en-US"/>
+          </a:p>
+        </p:txBody>
+      </p:sp>
+      <p:sp>
+        <p:nvSpPr>
+          <p:cNvPr id="4" name="Date Placeholder 3"/>
           <p:cNvSpPr>
             <a:spLocks noGrp="1"/>
           </p:cNvSpPr>
@@ -274,7 +652,6 @@
           <a:p>
             <a:fld id="{03BF768E-EA07-4015-8B2E-69B744C8A015}" type="datetimeFigureOut">
               <a:rPr lang="en-US" smtClean="0"/>
-              <a:t>6/11/2025</a:t>
             </a:fld>
             <a:endParaRPr lang="en-US"/>
           </a:p>
@@ -282,13 +659,7 @@
       </p:sp>
       <p:sp>
         <p:nvSpPr>
-          <p:cNvPr id="5" name="Footer Placeholder 4">
-            <a:extLst>
-              <a:ext uri="{FF2B5EF4-FFF2-40B4-BE49-F238E27FC236}">
-                <a16:creationId xmlns:a16="http://schemas.microsoft.com/office/drawing/2014/main" id="{0A745290-3F1A-CDFE-633E-507CE28467CE}"/>
-              </a:ext>
-            </a:extLst>
-          </p:cNvPr>
+          <p:cNvPr id="5" name="Footer Placeholder 4"/>
           <p:cNvSpPr>
             <a:spLocks noGrp="1"/>
           </p:cNvSpPr>
@@ -307,13 +678,7 @@
       </p:sp>
       <p:sp>
         <p:nvSpPr>
-          <p:cNvPr id="6" name="Slide Number Placeholder 5">
-            <a:extLst>
-              <a:ext uri="{FF2B5EF4-FFF2-40B4-BE49-F238E27FC236}">
-                <a16:creationId xmlns:a16="http://schemas.microsoft.com/office/drawing/2014/main" id="{38413A6E-1EDF-1A1F-9D68-F8A379163E42}"/>
-              </a:ext>
-            </a:extLst>
-          </p:cNvPr>
+          <p:cNvPr id="6" name="Slide Number Placeholder 5"/>
           <p:cNvSpPr>
             <a:spLocks noGrp="1"/>
           </p:cNvSpPr>
@@ -328,18 +693,12 @@
           <a:p>
             <a:fld id="{BFD8708D-B339-4FD0-8B6B-9AA22F5AD31F}" type="slidenum">
               <a:rPr lang="en-US" smtClean="0"/>
-              <a:t>‹#›</a:t>
             </a:fld>
             <a:endParaRPr lang="en-US"/>
           </a:p>
         </p:txBody>
       </p:sp>
     </p:spTree>
-    <p:extLst>
-      <p:ext uri="{BB962C8B-B14F-4D97-AF65-F5344CB8AC3E}">
-        <p14:creationId xmlns:p14="http://schemas.microsoft.com/office/powerpoint/2010/main" val="2024770261"/>
-      </p:ext>
-    </p:extLst>
   </p:cSld>
   <p:clrMapOvr>
     <a:masterClrMapping/>
@@ -366,13 +725,7 @@
       </p:grpSpPr>
       <p:sp>
         <p:nvSpPr>
-          <p:cNvPr id="2" name="Title 1">
-            <a:extLst>
-              <a:ext uri="{FF2B5EF4-FFF2-40B4-BE49-F238E27FC236}">
-                <a16:creationId xmlns:a16="http://schemas.microsoft.com/office/drawing/2014/main" id="{E1B3B22D-404F-3293-49D9-EA55A07DDCB7}"/>
-              </a:ext>
-            </a:extLst>
-          </p:cNvPr>
+          <p:cNvPr id="2" name="Title 1"/>
           <p:cNvSpPr>
             <a:spLocks noGrp="1"/>
           </p:cNvSpPr>
@@ -389,18 +742,13 @@
               <a:rPr lang="en-US"/>
               <a:t>Click to edit Master title style</a:t>
             </a:r>
-          </a:p>
-        </p:txBody>
-      </p:sp>
-      <p:sp>
-        <p:nvSpPr>
-          <p:cNvPr id="3" name="Vertical Text Placeholder 2">
-            <a:extLst>
-              <a:ext uri="{FF2B5EF4-FFF2-40B4-BE49-F238E27FC236}">
-                <a16:creationId xmlns:a16="http://schemas.microsoft.com/office/drawing/2014/main" id="{488E880A-A1BF-AB35-DEEF-7AA908559736}"/>
-              </a:ext>
-            </a:extLst>
-          </p:cNvPr>
+            <a:endParaRPr lang="en-US"/>
+          </a:p>
+        </p:txBody>
+      </p:sp>
+      <p:sp>
+        <p:nvSpPr>
+          <p:cNvPr id="3" name="Vertical Text Placeholder 2"/>
           <p:cNvSpPr>
             <a:spLocks noGrp="1"/>
           </p:cNvSpPr>
@@ -418,6 +766,7 @@
               <a:rPr lang="en-US"/>
               <a:t>Click to edit Master text styles</a:t>
             </a:r>
+            <a:endParaRPr lang="en-US"/>
           </a:p>
           <a:p>
             <a:pPr lvl="1"/>
@@ -425,6 +774,7 @@
               <a:rPr lang="en-US"/>
               <a:t>Second level</a:t>
             </a:r>
+            <a:endParaRPr lang="en-US"/>
           </a:p>
           <a:p>
             <a:pPr lvl="2"/>
@@ -432,6 +782,7 @@
               <a:rPr lang="en-US"/>
               <a:t>Third level</a:t>
             </a:r>
+            <a:endParaRPr lang="en-US"/>
           </a:p>
           <a:p>
             <a:pPr lvl="3"/>
@@ -439,6 +790,7 @@
               <a:rPr lang="en-US"/>
               <a:t>Fourth level</a:t>
             </a:r>
+            <a:endParaRPr lang="en-US"/>
           </a:p>
           <a:p>
             <a:pPr lvl="4"/>
@@ -446,18 +798,13 @@
               <a:rPr lang="en-US"/>
               <a:t>Fifth level</a:t>
             </a:r>
-          </a:p>
-        </p:txBody>
-      </p:sp>
-      <p:sp>
-        <p:nvSpPr>
-          <p:cNvPr id="4" name="Date Placeholder 3">
-            <a:extLst>
-              <a:ext uri="{FF2B5EF4-FFF2-40B4-BE49-F238E27FC236}">
-                <a16:creationId xmlns:a16="http://schemas.microsoft.com/office/drawing/2014/main" id="{F9771B61-9193-A9F8-CA99-88D21F5BB062}"/>
-              </a:ext>
-            </a:extLst>
-          </p:cNvPr>
+            <a:endParaRPr lang="en-US"/>
+          </a:p>
+        </p:txBody>
+      </p:sp>
+      <p:sp>
+        <p:nvSpPr>
+          <p:cNvPr id="4" name="Date Placeholder 3"/>
           <p:cNvSpPr>
             <a:spLocks noGrp="1"/>
           </p:cNvSpPr>
@@ -472,7 +819,6 @@
           <a:p>
             <a:fld id="{03BF768E-EA07-4015-8B2E-69B744C8A015}" type="datetimeFigureOut">
               <a:rPr lang="en-US" smtClean="0"/>
-              <a:t>6/11/2025</a:t>
             </a:fld>
             <a:endParaRPr lang="en-US"/>
           </a:p>
@@ -480,13 +826,7 @@
       </p:sp>
       <p:sp>
         <p:nvSpPr>
-          <p:cNvPr id="5" name="Footer Placeholder 4">
-            <a:extLst>
-              <a:ext uri="{FF2B5EF4-FFF2-40B4-BE49-F238E27FC236}">
-                <a16:creationId xmlns:a16="http://schemas.microsoft.com/office/drawing/2014/main" id="{452261E0-CC33-9B03-93AF-62EC9885703B}"/>
-              </a:ext>
-            </a:extLst>
-          </p:cNvPr>
+          <p:cNvPr id="5" name="Footer Placeholder 4"/>
           <p:cNvSpPr>
             <a:spLocks noGrp="1"/>
           </p:cNvSpPr>
@@ -505,13 +845,7 @@
       </p:sp>
       <p:sp>
         <p:nvSpPr>
-          <p:cNvPr id="6" name="Slide Number Placeholder 5">
-            <a:extLst>
-              <a:ext uri="{FF2B5EF4-FFF2-40B4-BE49-F238E27FC236}">
-                <a16:creationId xmlns:a16="http://schemas.microsoft.com/office/drawing/2014/main" id="{7BD0CB6E-29A8-B64B-B257-96577B191946}"/>
-              </a:ext>
-            </a:extLst>
-          </p:cNvPr>
+          <p:cNvPr id="6" name="Slide Number Placeholder 5"/>
           <p:cNvSpPr>
             <a:spLocks noGrp="1"/>
           </p:cNvSpPr>
@@ -526,18 +860,12 @@
           <a:p>
             <a:fld id="{BFD8708D-B339-4FD0-8B6B-9AA22F5AD31F}" type="slidenum">
               <a:rPr lang="en-US" smtClean="0"/>
-              <a:t>‹#›</a:t>
             </a:fld>
             <a:endParaRPr lang="en-US"/>
           </a:p>
         </p:txBody>
       </p:sp>
     </p:spTree>
-    <p:extLst>
-      <p:ext uri="{BB962C8B-B14F-4D97-AF65-F5344CB8AC3E}">
-        <p14:creationId xmlns:p14="http://schemas.microsoft.com/office/powerpoint/2010/main" val="2111233080"/>
-      </p:ext>
-    </p:extLst>
   </p:cSld>
   <p:clrMapOvr>
     <a:masterClrMapping/>
@@ -564,13 +892,7 @@
       </p:grpSpPr>
       <p:sp>
         <p:nvSpPr>
-          <p:cNvPr id="2" name="Vertical Title 1">
-            <a:extLst>
-              <a:ext uri="{FF2B5EF4-FFF2-40B4-BE49-F238E27FC236}">
-                <a16:creationId xmlns:a16="http://schemas.microsoft.com/office/drawing/2014/main" id="{E9F0E9DD-CE0C-AD25-B2E7-EEB45DB48FAA}"/>
-              </a:ext>
-            </a:extLst>
-          </p:cNvPr>
+          <p:cNvPr id="2" name="Vertical Title 1"/>
           <p:cNvSpPr>
             <a:spLocks noGrp="1"/>
           </p:cNvSpPr>
@@ -592,18 +914,13 @@
               <a:rPr lang="en-US"/>
               <a:t>Click to edit Master title style</a:t>
             </a:r>
-          </a:p>
-        </p:txBody>
-      </p:sp>
-      <p:sp>
-        <p:nvSpPr>
-          <p:cNvPr id="3" name="Vertical Text Placeholder 2">
-            <a:extLst>
-              <a:ext uri="{FF2B5EF4-FFF2-40B4-BE49-F238E27FC236}">
-                <a16:creationId xmlns:a16="http://schemas.microsoft.com/office/drawing/2014/main" id="{6B622063-9450-A5AD-A118-DA98D68FFD1F}"/>
-              </a:ext>
-            </a:extLst>
-          </p:cNvPr>
+            <a:endParaRPr lang="en-US"/>
+          </a:p>
+        </p:txBody>
+      </p:sp>
+      <p:sp>
+        <p:nvSpPr>
+          <p:cNvPr id="3" name="Vertical Text Placeholder 2"/>
           <p:cNvSpPr>
             <a:spLocks noGrp="1"/>
           </p:cNvSpPr>
@@ -626,6 +943,7 @@
               <a:rPr lang="en-US"/>
               <a:t>Click to edit Master text styles</a:t>
             </a:r>
+            <a:endParaRPr lang="en-US"/>
           </a:p>
           <a:p>
             <a:pPr lvl="1"/>
@@ -633,6 +951,7 @@
               <a:rPr lang="en-US"/>
               <a:t>Second level</a:t>
             </a:r>
+            <a:endParaRPr lang="en-US"/>
           </a:p>
           <a:p>
             <a:pPr lvl="2"/>
@@ -640,6 +959,7 @@
               <a:rPr lang="en-US"/>
               <a:t>Third level</a:t>
             </a:r>
+            <a:endParaRPr lang="en-US"/>
           </a:p>
           <a:p>
             <a:pPr lvl="3"/>
@@ -647,6 +967,7 @@
               <a:rPr lang="en-US"/>
               <a:t>Fourth level</a:t>
             </a:r>
+            <a:endParaRPr lang="en-US"/>
           </a:p>
           <a:p>
             <a:pPr lvl="4"/>
@@ -654,18 +975,13 @@
               <a:rPr lang="en-US"/>
               <a:t>Fifth level</a:t>
             </a:r>
-          </a:p>
-        </p:txBody>
-      </p:sp>
-      <p:sp>
-        <p:nvSpPr>
-          <p:cNvPr id="4" name="Date Placeholder 3">
-            <a:extLst>
-              <a:ext uri="{FF2B5EF4-FFF2-40B4-BE49-F238E27FC236}">
-                <a16:creationId xmlns:a16="http://schemas.microsoft.com/office/drawing/2014/main" id="{16DBBB5A-9097-1D7F-FBD9-A1BAB40F69E4}"/>
-              </a:ext>
-            </a:extLst>
-          </p:cNvPr>
+            <a:endParaRPr lang="en-US"/>
+          </a:p>
+        </p:txBody>
+      </p:sp>
+      <p:sp>
+        <p:nvSpPr>
+          <p:cNvPr id="4" name="Date Placeholder 3"/>
           <p:cNvSpPr>
             <a:spLocks noGrp="1"/>
           </p:cNvSpPr>
@@ -680,7 +996,6 @@
           <a:p>
             <a:fld id="{03BF768E-EA07-4015-8B2E-69B744C8A015}" type="datetimeFigureOut">
               <a:rPr lang="en-US" smtClean="0"/>
-              <a:t>6/11/2025</a:t>
             </a:fld>
             <a:endParaRPr lang="en-US"/>
           </a:p>
@@ -688,13 +1003,7 @@
       </p:sp>
       <p:sp>
         <p:nvSpPr>
-          <p:cNvPr id="5" name="Footer Placeholder 4">
-            <a:extLst>
-              <a:ext uri="{FF2B5EF4-FFF2-40B4-BE49-F238E27FC236}">
-                <a16:creationId xmlns:a16="http://schemas.microsoft.com/office/drawing/2014/main" id="{617306CE-5DFB-90C9-F6D9-D936FC7ED36A}"/>
-              </a:ext>
-            </a:extLst>
-          </p:cNvPr>
+          <p:cNvPr id="5" name="Footer Placeholder 4"/>
           <p:cNvSpPr>
             <a:spLocks noGrp="1"/>
           </p:cNvSpPr>
@@ -713,13 +1022,7 @@
       </p:sp>
       <p:sp>
         <p:nvSpPr>
-          <p:cNvPr id="6" name="Slide Number Placeholder 5">
-            <a:extLst>
-              <a:ext uri="{FF2B5EF4-FFF2-40B4-BE49-F238E27FC236}">
-                <a16:creationId xmlns:a16="http://schemas.microsoft.com/office/drawing/2014/main" id="{F334DEC3-C0CE-1902-E246-9A8B22791B61}"/>
-              </a:ext>
-            </a:extLst>
-          </p:cNvPr>
+          <p:cNvPr id="6" name="Slide Number Placeholder 5"/>
           <p:cNvSpPr>
             <a:spLocks noGrp="1"/>
           </p:cNvSpPr>
@@ -734,18 +1037,12 @@
           <a:p>
             <a:fld id="{BFD8708D-B339-4FD0-8B6B-9AA22F5AD31F}" type="slidenum">
               <a:rPr lang="en-US" smtClean="0"/>
-              <a:t>‹#›</a:t>
             </a:fld>
             <a:endParaRPr lang="en-US"/>
           </a:p>
         </p:txBody>
       </p:sp>
     </p:spTree>
-    <p:extLst>
-      <p:ext uri="{BB962C8B-B14F-4D97-AF65-F5344CB8AC3E}">
-        <p14:creationId xmlns:p14="http://schemas.microsoft.com/office/powerpoint/2010/main" val="2510609833"/>
-      </p:ext>
-    </p:extLst>
   </p:cSld>
   <p:clrMapOvr>
     <a:masterClrMapping/>
@@ -772,13 +1069,7 @@
       </p:grpSpPr>
       <p:sp>
         <p:nvSpPr>
-          <p:cNvPr id="2" name="Title 1">
-            <a:extLst>
-              <a:ext uri="{FF2B5EF4-FFF2-40B4-BE49-F238E27FC236}">
-                <a16:creationId xmlns:a16="http://schemas.microsoft.com/office/drawing/2014/main" id="{4489D48C-8F80-6D74-95B2-350B406FD6C5}"/>
-              </a:ext>
-            </a:extLst>
-          </p:cNvPr>
+          <p:cNvPr id="2" name="Title 1"/>
           <p:cNvSpPr>
             <a:spLocks noGrp="1"/>
           </p:cNvSpPr>
@@ -795,18 +1086,13 @@
               <a:rPr lang="en-US"/>
               <a:t>Click to edit Master title style</a:t>
             </a:r>
-          </a:p>
-        </p:txBody>
-      </p:sp>
-      <p:sp>
-        <p:nvSpPr>
-          <p:cNvPr id="3" name="Content Placeholder 2">
-            <a:extLst>
-              <a:ext uri="{FF2B5EF4-FFF2-40B4-BE49-F238E27FC236}">
-                <a16:creationId xmlns:a16="http://schemas.microsoft.com/office/drawing/2014/main" id="{765DDF83-D92D-9DDC-2B06-475FAF9AF575}"/>
-              </a:ext>
-            </a:extLst>
-          </p:cNvPr>
+            <a:endParaRPr lang="en-US"/>
+          </a:p>
+        </p:txBody>
+      </p:sp>
+      <p:sp>
+        <p:nvSpPr>
+          <p:cNvPr id="3" name="Content Placeholder 2"/>
           <p:cNvSpPr>
             <a:spLocks noGrp="1"/>
           </p:cNvSpPr>
@@ -824,6 +1110,7 @@
               <a:rPr lang="en-US"/>
               <a:t>Click to edit Master text styles</a:t>
             </a:r>
+            <a:endParaRPr lang="en-US"/>
           </a:p>
           <a:p>
             <a:pPr lvl="1"/>
@@ -831,6 +1118,7 @@
               <a:rPr lang="en-US"/>
               <a:t>Second level</a:t>
             </a:r>
+            <a:endParaRPr lang="en-US"/>
           </a:p>
           <a:p>
             <a:pPr lvl="2"/>
@@ -838,6 +1126,7 @@
               <a:rPr lang="en-US"/>
               <a:t>Third level</a:t>
             </a:r>
+            <a:endParaRPr lang="en-US"/>
           </a:p>
           <a:p>
             <a:pPr lvl="3"/>
@@ -845,6 +1134,7 @@
               <a:rPr lang="en-US"/>
               <a:t>Fourth level</a:t>
             </a:r>
+            <a:endParaRPr lang="en-US"/>
           </a:p>
           <a:p>
             <a:pPr lvl="4"/>
@@ -852,18 +1142,13 @@
               <a:rPr lang="en-US"/>
               <a:t>Fifth level</a:t>
             </a:r>
-          </a:p>
-        </p:txBody>
-      </p:sp>
-      <p:sp>
-        <p:nvSpPr>
-          <p:cNvPr id="4" name="Date Placeholder 3">
-            <a:extLst>
-              <a:ext uri="{FF2B5EF4-FFF2-40B4-BE49-F238E27FC236}">
-                <a16:creationId xmlns:a16="http://schemas.microsoft.com/office/drawing/2014/main" id="{FDF527D0-BDA9-32DF-C526-5869AE24717C}"/>
-              </a:ext>
-            </a:extLst>
-          </p:cNvPr>
+            <a:endParaRPr lang="en-US"/>
+          </a:p>
+        </p:txBody>
+      </p:sp>
+      <p:sp>
+        <p:nvSpPr>
+          <p:cNvPr id="4" name="Date Placeholder 3"/>
           <p:cNvSpPr>
             <a:spLocks noGrp="1"/>
           </p:cNvSpPr>
@@ -878,7 +1163,6 @@
           <a:p>
             <a:fld id="{03BF768E-EA07-4015-8B2E-69B744C8A015}" type="datetimeFigureOut">
               <a:rPr lang="en-US" smtClean="0"/>
-              <a:t>6/11/2025</a:t>
             </a:fld>
             <a:endParaRPr lang="en-US"/>
           </a:p>
@@ -886,13 +1170,7 @@
       </p:sp>
       <p:sp>
         <p:nvSpPr>
-          <p:cNvPr id="5" name="Footer Placeholder 4">
-            <a:extLst>
-              <a:ext uri="{FF2B5EF4-FFF2-40B4-BE49-F238E27FC236}">
-                <a16:creationId xmlns:a16="http://schemas.microsoft.com/office/drawing/2014/main" id="{C0951B86-2825-FC06-079D-A7F91BF9AF33}"/>
-              </a:ext>
-            </a:extLst>
-          </p:cNvPr>
+          <p:cNvPr id="5" name="Footer Placeholder 4"/>
           <p:cNvSpPr>
             <a:spLocks noGrp="1"/>
           </p:cNvSpPr>
@@ -911,13 +1189,7 @@
       </p:sp>
       <p:sp>
         <p:nvSpPr>
-          <p:cNvPr id="6" name="Slide Number Placeholder 5">
-            <a:extLst>
-              <a:ext uri="{FF2B5EF4-FFF2-40B4-BE49-F238E27FC236}">
-                <a16:creationId xmlns:a16="http://schemas.microsoft.com/office/drawing/2014/main" id="{1B4DCC43-0DD3-1931-AFB8-FFC06D4B604A}"/>
-              </a:ext>
-            </a:extLst>
-          </p:cNvPr>
+          <p:cNvPr id="6" name="Slide Number Placeholder 5"/>
           <p:cNvSpPr>
             <a:spLocks noGrp="1"/>
           </p:cNvSpPr>
@@ -932,18 +1204,12 @@
           <a:p>
             <a:fld id="{BFD8708D-B339-4FD0-8B6B-9AA22F5AD31F}" type="slidenum">
               <a:rPr lang="en-US" smtClean="0"/>
-              <a:t>‹#›</a:t>
             </a:fld>
             <a:endParaRPr lang="en-US"/>
           </a:p>
         </p:txBody>
       </p:sp>
     </p:spTree>
-    <p:extLst>
-      <p:ext uri="{BB962C8B-B14F-4D97-AF65-F5344CB8AC3E}">
-        <p14:creationId xmlns:p14="http://schemas.microsoft.com/office/powerpoint/2010/main" val="2808434143"/>
-      </p:ext>
-    </p:extLst>
   </p:cSld>
   <p:clrMapOvr>
     <a:masterClrMapping/>
@@ -970,13 +1236,7 @@
       </p:grpSpPr>
       <p:sp>
         <p:nvSpPr>
-          <p:cNvPr id="2" name="Title 1">
-            <a:extLst>
-              <a:ext uri="{FF2B5EF4-FFF2-40B4-BE49-F238E27FC236}">
-                <a16:creationId xmlns:a16="http://schemas.microsoft.com/office/drawing/2014/main" id="{02A03F31-89EA-2C0B-A569-4E3CF72A0C37}"/>
-              </a:ext>
-            </a:extLst>
-          </p:cNvPr>
+          <p:cNvPr id="2" name="Title 1"/>
           <p:cNvSpPr>
             <a:spLocks noGrp="1"/>
           </p:cNvSpPr>
@@ -1002,18 +1262,13 @@
               <a:rPr lang="en-US"/>
               <a:t>Click to edit Master title style</a:t>
             </a:r>
-          </a:p>
-        </p:txBody>
-      </p:sp>
-      <p:sp>
-        <p:nvSpPr>
-          <p:cNvPr id="3" name="Text Placeholder 2">
-            <a:extLst>
-              <a:ext uri="{FF2B5EF4-FFF2-40B4-BE49-F238E27FC236}">
-                <a16:creationId xmlns:a16="http://schemas.microsoft.com/office/drawing/2014/main" id="{66E06BFC-5DCF-D21A-6D8E-393ECA314544}"/>
-              </a:ext>
-            </a:extLst>
-          </p:cNvPr>
+            <a:endParaRPr lang="en-US"/>
+          </a:p>
+        </p:txBody>
+      </p:sp>
+      <p:sp>
+        <p:nvSpPr>
+          <p:cNvPr id="3" name="Text Placeholder 2"/>
           <p:cNvSpPr>
             <a:spLocks noGrp="1"/>
           </p:cNvSpPr>
@@ -1127,18 +1382,13 @@
               <a:rPr lang="en-US"/>
               <a:t>Click to edit Master text styles</a:t>
             </a:r>
-          </a:p>
-        </p:txBody>
-      </p:sp>
-      <p:sp>
-        <p:nvSpPr>
-          <p:cNvPr id="4" name="Date Placeholder 3">
-            <a:extLst>
-              <a:ext uri="{FF2B5EF4-FFF2-40B4-BE49-F238E27FC236}">
-                <a16:creationId xmlns:a16="http://schemas.microsoft.com/office/drawing/2014/main" id="{8558D323-CC0C-1F2A-9CEF-7A9B6F8C7A85}"/>
-              </a:ext>
-            </a:extLst>
-          </p:cNvPr>
+            <a:endParaRPr lang="en-US"/>
+          </a:p>
+        </p:txBody>
+      </p:sp>
+      <p:sp>
+        <p:nvSpPr>
+          <p:cNvPr id="4" name="Date Placeholder 3"/>
           <p:cNvSpPr>
             <a:spLocks noGrp="1"/>
           </p:cNvSpPr>
@@ -1153,7 +1403,6 @@
           <a:p>
             <a:fld id="{03BF768E-EA07-4015-8B2E-69B744C8A015}" type="datetimeFigureOut">
               <a:rPr lang="en-US" smtClean="0"/>
-              <a:t>6/11/2025</a:t>
             </a:fld>
             <a:endParaRPr lang="en-US"/>
           </a:p>
@@ -1161,13 +1410,7 @@
       </p:sp>
       <p:sp>
         <p:nvSpPr>
-          <p:cNvPr id="5" name="Footer Placeholder 4">
-            <a:extLst>
-              <a:ext uri="{FF2B5EF4-FFF2-40B4-BE49-F238E27FC236}">
-                <a16:creationId xmlns:a16="http://schemas.microsoft.com/office/drawing/2014/main" id="{C5E4DD77-DCE4-3B2D-13A0-B4B63A9501FD}"/>
-              </a:ext>
-            </a:extLst>
-          </p:cNvPr>
+          <p:cNvPr id="5" name="Footer Placeholder 4"/>
           <p:cNvSpPr>
             <a:spLocks noGrp="1"/>
           </p:cNvSpPr>
@@ -1186,13 +1429,7 @@
       </p:sp>
       <p:sp>
         <p:nvSpPr>
-          <p:cNvPr id="6" name="Slide Number Placeholder 5">
-            <a:extLst>
-              <a:ext uri="{FF2B5EF4-FFF2-40B4-BE49-F238E27FC236}">
-                <a16:creationId xmlns:a16="http://schemas.microsoft.com/office/drawing/2014/main" id="{6B94F136-4C3C-A393-7B83-25F1F92FDDAB}"/>
-              </a:ext>
-            </a:extLst>
-          </p:cNvPr>
+          <p:cNvPr id="6" name="Slide Number Placeholder 5"/>
           <p:cNvSpPr>
             <a:spLocks noGrp="1"/>
           </p:cNvSpPr>
@@ -1207,18 +1444,12 @@
           <a:p>
             <a:fld id="{BFD8708D-B339-4FD0-8B6B-9AA22F5AD31F}" type="slidenum">
               <a:rPr lang="en-US" smtClean="0"/>
-              <a:t>‹#›</a:t>
             </a:fld>
             <a:endParaRPr lang="en-US"/>
           </a:p>
         </p:txBody>
       </p:sp>
     </p:spTree>
-    <p:extLst>
-      <p:ext uri="{BB962C8B-B14F-4D97-AF65-F5344CB8AC3E}">
-        <p14:creationId xmlns:p14="http://schemas.microsoft.com/office/powerpoint/2010/main" val="2578919465"/>
-      </p:ext>
-    </p:extLst>
   </p:cSld>
   <p:clrMapOvr>
     <a:masterClrMapping/>
@@ -1245,13 +1476,7 @@
       </p:grpSpPr>
       <p:sp>
         <p:nvSpPr>
-          <p:cNvPr id="2" name="Title 1">
-            <a:extLst>
-              <a:ext uri="{FF2B5EF4-FFF2-40B4-BE49-F238E27FC236}">
-                <a16:creationId xmlns:a16="http://schemas.microsoft.com/office/drawing/2014/main" id="{62BB9A03-431C-D7D3-68D0-EF4A4A9ADF20}"/>
-              </a:ext>
-            </a:extLst>
-          </p:cNvPr>
+          <p:cNvPr id="2" name="Title 1"/>
           <p:cNvSpPr>
             <a:spLocks noGrp="1"/>
           </p:cNvSpPr>
@@ -1268,18 +1493,13 @@
               <a:rPr lang="en-US"/>
               <a:t>Click to edit Master title style</a:t>
             </a:r>
-          </a:p>
-        </p:txBody>
-      </p:sp>
-      <p:sp>
-        <p:nvSpPr>
-          <p:cNvPr id="3" name="Content Placeholder 2">
-            <a:extLst>
-              <a:ext uri="{FF2B5EF4-FFF2-40B4-BE49-F238E27FC236}">
-                <a16:creationId xmlns:a16="http://schemas.microsoft.com/office/drawing/2014/main" id="{DF2A7920-321E-1CD4-7D53-C2E0B469E099}"/>
-              </a:ext>
-            </a:extLst>
-          </p:cNvPr>
+            <a:endParaRPr lang="en-US"/>
+          </a:p>
+        </p:txBody>
+      </p:sp>
+      <p:sp>
+        <p:nvSpPr>
+          <p:cNvPr id="3" name="Content Placeholder 2"/>
           <p:cNvSpPr>
             <a:spLocks noGrp="1"/>
           </p:cNvSpPr>
@@ -1302,6 +1522,7 @@
               <a:rPr lang="en-US"/>
               <a:t>Click to edit Master text styles</a:t>
             </a:r>
+            <a:endParaRPr lang="en-US"/>
           </a:p>
           <a:p>
             <a:pPr lvl="1"/>
@@ -1309,6 +1530,7 @@
               <a:rPr lang="en-US"/>
               <a:t>Second level</a:t>
             </a:r>
+            <a:endParaRPr lang="en-US"/>
           </a:p>
           <a:p>
             <a:pPr lvl="2"/>
@@ -1316,6 +1538,7 @@
               <a:rPr lang="en-US"/>
               <a:t>Third level</a:t>
             </a:r>
+            <a:endParaRPr lang="en-US"/>
           </a:p>
           <a:p>
             <a:pPr lvl="3"/>
@@ -1323,6 +1546,7 @@
               <a:rPr lang="en-US"/>
               <a:t>Fourth level</a:t>
             </a:r>
+            <a:endParaRPr lang="en-US"/>
           </a:p>
           <a:p>
             <a:pPr lvl="4"/>
@@ -1330,18 +1554,13 @@
               <a:rPr lang="en-US"/>
               <a:t>Fifth level</a:t>
             </a:r>
-          </a:p>
-        </p:txBody>
-      </p:sp>
-      <p:sp>
-        <p:nvSpPr>
-          <p:cNvPr id="4" name="Content Placeholder 3">
-            <a:extLst>
-              <a:ext uri="{FF2B5EF4-FFF2-40B4-BE49-F238E27FC236}">
-                <a16:creationId xmlns:a16="http://schemas.microsoft.com/office/drawing/2014/main" id="{FEE79EA0-D6A0-C903-03BD-3E6EBB8213A3}"/>
-              </a:ext>
-            </a:extLst>
-          </p:cNvPr>
+            <a:endParaRPr lang="en-US"/>
+          </a:p>
+        </p:txBody>
+      </p:sp>
+      <p:sp>
+        <p:nvSpPr>
+          <p:cNvPr id="4" name="Content Placeholder 3"/>
           <p:cNvSpPr>
             <a:spLocks noGrp="1"/>
           </p:cNvSpPr>
@@ -1364,6 +1583,7 @@
               <a:rPr lang="en-US"/>
               <a:t>Click to edit Master text styles</a:t>
             </a:r>
+            <a:endParaRPr lang="en-US"/>
           </a:p>
           <a:p>
             <a:pPr lvl="1"/>
@@ -1371,6 +1591,7 @@
               <a:rPr lang="en-US"/>
               <a:t>Second level</a:t>
             </a:r>
+            <a:endParaRPr lang="en-US"/>
           </a:p>
           <a:p>
             <a:pPr lvl="2"/>
@@ -1378,6 +1599,7 @@
               <a:rPr lang="en-US"/>
               <a:t>Third level</a:t>
             </a:r>
+            <a:endParaRPr lang="en-US"/>
           </a:p>
           <a:p>
             <a:pPr lvl="3"/>
@@ -1385,6 +1607,7 @@
               <a:rPr lang="en-US"/>
               <a:t>Fourth level</a:t>
             </a:r>
+            <a:endParaRPr lang="en-US"/>
           </a:p>
           <a:p>
             <a:pPr lvl="4"/>
@@ -1392,18 +1615,13 @@
               <a:rPr lang="en-US"/>
               <a:t>Fifth level</a:t>
             </a:r>
-          </a:p>
-        </p:txBody>
-      </p:sp>
-      <p:sp>
-        <p:nvSpPr>
-          <p:cNvPr id="5" name="Date Placeholder 4">
-            <a:extLst>
-              <a:ext uri="{FF2B5EF4-FFF2-40B4-BE49-F238E27FC236}">
-                <a16:creationId xmlns:a16="http://schemas.microsoft.com/office/drawing/2014/main" id="{30486339-4E92-17B7-3CA3-D238BD598872}"/>
-              </a:ext>
-            </a:extLst>
-          </p:cNvPr>
+            <a:endParaRPr lang="en-US"/>
+          </a:p>
+        </p:txBody>
+      </p:sp>
+      <p:sp>
+        <p:nvSpPr>
+          <p:cNvPr id="5" name="Date Placeholder 4"/>
           <p:cNvSpPr>
             <a:spLocks noGrp="1"/>
           </p:cNvSpPr>
@@ -1418,7 +1636,6 @@
           <a:p>
             <a:fld id="{03BF768E-EA07-4015-8B2E-69B744C8A015}" type="datetimeFigureOut">
               <a:rPr lang="en-US" smtClean="0"/>
-              <a:t>6/11/2025</a:t>
             </a:fld>
             <a:endParaRPr lang="en-US"/>
           </a:p>
@@ -1426,13 +1643,7 @@
       </p:sp>
       <p:sp>
         <p:nvSpPr>
-          <p:cNvPr id="6" name="Footer Placeholder 5">
-            <a:extLst>
-              <a:ext uri="{FF2B5EF4-FFF2-40B4-BE49-F238E27FC236}">
-                <a16:creationId xmlns:a16="http://schemas.microsoft.com/office/drawing/2014/main" id="{CC04D89C-39B1-DE0D-0EA5-680D5701C9B1}"/>
-              </a:ext>
-            </a:extLst>
-          </p:cNvPr>
+          <p:cNvPr id="6" name="Footer Placeholder 5"/>
           <p:cNvSpPr>
             <a:spLocks noGrp="1"/>
           </p:cNvSpPr>
@@ -1451,13 +1662,7 @@
       </p:sp>
       <p:sp>
         <p:nvSpPr>
-          <p:cNvPr id="7" name="Slide Number Placeholder 6">
-            <a:extLst>
-              <a:ext uri="{FF2B5EF4-FFF2-40B4-BE49-F238E27FC236}">
-                <a16:creationId xmlns:a16="http://schemas.microsoft.com/office/drawing/2014/main" id="{1571E53B-8766-D208-8523-23788698CE31}"/>
-              </a:ext>
-            </a:extLst>
-          </p:cNvPr>
+          <p:cNvPr id="7" name="Slide Number Placeholder 6"/>
           <p:cNvSpPr>
             <a:spLocks noGrp="1"/>
           </p:cNvSpPr>
@@ -1472,18 +1677,12 @@
           <a:p>
             <a:fld id="{BFD8708D-B339-4FD0-8B6B-9AA22F5AD31F}" type="slidenum">
               <a:rPr lang="en-US" smtClean="0"/>
-              <a:t>‹#›</a:t>
             </a:fld>
             <a:endParaRPr lang="en-US"/>
           </a:p>
         </p:txBody>
       </p:sp>
     </p:spTree>
-    <p:extLst>
-      <p:ext uri="{BB962C8B-B14F-4D97-AF65-F5344CB8AC3E}">
-        <p14:creationId xmlns:p14="http://schemas.microsoft.com/office/powerpoint/2010/main" val="2407697331"/>
-      </p:ext>
-    </p:extLst>
   </p:cSld>
   <p:clrMapOvr>
     <a:masterClrMapping/>
@@ -1510,13 +1709,7 @@
       </p:grpSpPr>
       <p:sp>
         <p:nvSpPr>
-          <p:cNvPr id="2" name="Title 1">
-            <a:extLst>
-              <a:ext uri="{FF2B5EF4-FFF2-40B4-BE49-F238E27FC236}">
-                <a16:creationId xmlns:a16="http://schemas.microsoft.com/office/drawing/2014/main" id="{38418BC7-0F70-DB18-75F3-1FCB6B4129D4}"/>
-              </a:ext>
-            </a:extLst>
-          </p:cNvPr>
+          <p:cNvPr id="2" name="Title 1"/>
           <p:cNvSpPr>
             <a:spLocks noGrp="1"/>
           </p:cNvSpPr>
@@ -1538,18 +1731,13 @@
               <a:rPr lang="en-US"/>
               <a:t>Click to edit Master title style</a:t>
             </a:r>
-          </a:p>
-        </p:txBody>
-      </p:sp>
-      <p:sp>
-        <p:nvSpPr>
-          <p:cNvPr id="3" name="Text Placeholder 2">
-            <a:extLst>
-              <a:ext uri="{FF2B5EF4-FFF2-40B4-BE49-F238E27FC236}">
-                <a16:creationId xmlns:a16="http://schemas.microsoft.com/office/drawing/2014/main" id="{7EEB54EC-890E-1086-6CEB-9E3EF4488D82}"/>
-              </a:ext>
-            </a:extLst>
-          </p:cNvPr>
+            <a:endParaRPr lang="en-US"/>
+          </a:p>
+        </p:txBody>
+      </p:sp>
+      <p:sp>
+        <p:nvSpPr>
+          <p:cNvPr id="3" name="Text Placeholder 2"/>
           <p:cNvSpPr>
             <a:spLocks noGrp="1"/>
           </p:cNvSpPr>
@@ -1609,18 +1797,13 @@
               <a:rPr lang="en-US"/>
               <a:t>Click to edit Master text styles</a:t>
             </a:r>
-          </a:p>
-        </p:txBody>
-      </p:sp>
-      <p:sp>
-        <p:nvSpPr>
-          <p:cNvPr id="4" name="Content Placeholder 3">
-            <a:extLst>
-              <a:ext uri="{FF2B5EF4-FFF2-40B4-BE49-F238E27FC236}">
-                <a16:creationId xmlns:a16="http://schemas.microsoft.com/office/drawing/2014/main" id="{884A5312-7C24-CCCD-8954-43547AD931E1}"/>
-              </a:ext>
-            </a:extLst>
-          </p:cNvPr>
+            <a:endParaRPr lang="en-US"/>
+          </a:p>
+        </p:txBody>
+      </p:sp>
+      <p:sp>
+        <p:nvSpPr>
+          <p:cNvPr id="4" name="Content Placeholder 3"/>
           <p:cNvSpPr>
             <a:spLocks noGrp="1"/>
           </p:cNvSpPr>
@@ -1643,6 +1826,7 @@
               <a:rPr lang="en-US"/>
               <a:t>Click to edit Master text styles</a:t>
             </a:r>
+            <a:endParaRPr lang="en-US"/>
           </a:p>
           <a:p>
             <a:pPr lvl="1"/>
@@ -1650,6 +1834,7 @@
               <a:rPr lang="en-US"/>
               <a:t>Second level</a:t>
             </a:r>
+            <a:endParaRPr lang="en-US"/>
           </a:p>
           <a:p>
             <a:pPr lvl="2"/>
@@ -1657,6 +1842,7 @@
               <a:rPr lang="en-US"/>
               <a:t>Third level</a:t>
             </a:r>
+            <a:endParaRPr lang="en-US"/>
           </a:p>
           <a:p>
             <a:pPr lvl="3"/>
@@ -1664,6 +1850,7 @@
               <a:rPr lang="en-US"/>
               <a:t>Fourth level</a:t>
             </a:r>
+            <a:endParaRPr lang="en-US"/>
           </a:p>
           <a:p>
             <a:pPr lvl="4"/>
@@ -1671,18 +1858,13 @@
               <a:rPr lang="en-US"/>
               <a:t>Fifth level</a:t>
             </a:r>
-          </a:p>
-        </p:txBody>
-      </p:sp>
-      <p:sp>
-        <p:nvSpPr>
-          <p:cNvPr id="5" name="Text Placeholder 4">
-            <a:extLst>
-              <a:ext uri="{FF2B5EF4-FFF2-40B4-BE49-F238E27FC236}">
-                <a16:creationId xmlns:a16="http://schemas.microsoft.com/office/drawing/2014/main" id="{549A08B5-FCD4-0B41-CA50-8E66D1FC8319}"/>
-              </a:ext>
-            </a:extLst>
-          </p:cNvPr>
+            <a:endParaRPr lang="en-US"/>
+          </a:p>
+        </p:txBody>
+      </p:sp>
+      <p:sp>
+        <p:nvSpPr>
+          <p:cNvPr id="5" name="Text Placeholder 4"/>
           <p:cNvSpPr>
             <a:spLocks noGrp="1"/>
           </p:cNvSpPr>
@@ -1742,18 +1924,13 @@
               <a:rPr lang="en-US"/>
               <a:t>Click to edit Master text styles</a:t>
             </a:r>
-          </a:p>
-        </p:txBody>
-      </p:sp>
-      <p:sp>
-        <p:nvSpPr>
-          <p:cNvPr id="6" name="Content Placeholder 5">
-            <a:extLst>
-              <a:ext uri="{FF2B5EF4-FFF2-40B4-BE49-F238E27FC236}">
-                <a16:creationId xmlns:a16="http://schemas.microsoft.com/office/drawing/2014/main" id="{82A011BA-18ED-FA32-DFBE-E630C8AFA09D}"/>
-              </a:ext>
-            </a:extLst>
-          </p:cNvPr>
+            <a:endParaRPr lang="en-US"/>
+          </a:p>
+        </p:txBody>
+      </p:sp>
+      <p:sp>
+        <p:nvSpPr>
+          <p:cNvPr id="6" name="Content Placeholder 5"/>
           <p:cNvSpPr>
             <a:spLocks noGrp="1"/>
           </p:cNvSpPr>
@@ -1776,6 +1953,7 @@
               <a:rPr lang="en-US"/>
               <a:t>Click to edit Master text styles</a:t>
             </a:r>
+            <a:endParaRPr lang="en-US"/>
           </a:p>
           <a:p>
             <a:pPr lvl="1"/>
@@ -1783,6 +1961,7 @@
               <a:rPr lang="en-US"/>
               <a:t>Second level</a:t>
             </a:r>
+            <a:endParaRPr lang="en-US"/>
           </a:p>
           <a:p>
             <a:pPr lvl="2"/>
@@ -1790,6 +1969,7 @@
               <a:rPr lang="en-US"/>
               <a:t>Third level</a:t>
             </a:r>
+            <a:endParaRPr lang="en-US"/>
           </a:p>
           <a:p>
             <a:pPr lvl="3"/>
@@ -1797,6 +1977,7 @@
               <a:rPr lang="en-US"/>
               <a:t>Fourth level</a:t>
             </a:r>
+            <a:endParaRPr lang="en-US"/>
           </a:p>
           <a:p>
             <a:pPr lvl="4"/>
@@ -1804,18 +1985,13 @@
               <a:rPr lang="en-US"/>
               <a:t>Fifth level</a:t>
             </a:r>
-          </a:p>
-        </p:txBody>
-      </p:sp>
-      <p:sp>
-        <p:nvSpPr>
-          <p:cNvPr id="7" name="Date Placeholder 6">
-            <a:extLst>
-              <a:ext uri="{FF2B5EF4-FFF2-40B4-BE49-F238E27FC236}">
-                <a16:creationId xmlns:a16="http://schemas.microsoft.com/office/drawing/2014/main" id="{348A087D-D092-9120-BBE2-1E92E4F827BE}"/>
-              </a:ext>
-            </a:extLst>
-          </p:cNvPr>
+            <a:endParaRPr lang="en-US"/>
+          </a:p>
+        </p:txBody>
+      </p:sp>
+      <p:sp>
+        <p:nvSpPr>
+          <p:cNvPr id="7" name="Date Placeholder 6"/>
           <p:cNvSpPr>
             <a:spLocks noGrp="1"/>
           </p:cNvSpPr>
@@ -1830,7 +2006,6 @@
           <a:p>
             <a:fld id="{03BF768E-EA07-4015-8B2E-69B744C8A015}" type="datetimeFigureOut">
               <a:rPr lang="en-US" smtClean="0"/>
-              <a:t>6/11/2025</a:t>
             </a:fld>
             <a:endParaRPr lang="en-US"/>
           </a:p>
@@ -1838,13 +2013,7 @@
       </p:sp>
       <p:sp>
         <p:nvSpPr>
-          <p:cNvPr id="8" name="Footer Placeholder 7">
-            <a:extLst>
-              <a:ext uri="{FF2B5EF4-FFF2-40B4-BE49-F238E27FC236}">
-                <a16:creationId xmlns:a16="http://schemas.microsoft.com/office/drawing/2014/main" id="{846A5F8E-30E3-2ED8-AFCC-C48D54452852}"/>
-              </a:ext>
-            </a:extLst>
-          </p:cNvPr>
+          <p:cNvPr id="8" name="Footer Placeholder 7"/>
           <p:cNvSpPr>
             <a:spLocks noGrp="1"/>
           </p:cNvSpPr>
@@ -1863,13 +2032,7 @@
       </p:sp>
       <p:sp>
         <p:nvSpPr>
-          <p:cNvPr id="9" name="Slide Number Placeholder 8">
-            <a:extLst>
-              <a:ext uri="{FF2B5EF4-FFF2-40B4-BE49-F238E27FC236}">
-                <a16:creationId xmlns:a16="http://schemas.microsoft.com/office/drawing/2014/main" id="{71E9D1E0-7A6D-6E57-C87B-FFDF4E0D1033}"/>
-              </a:ext>
-            </a:extLst>
-          </p:cNvPr>
+          <p:cNvPr id="9" name="Slide Number Placeholder 8"/>
           <p:cNvSpPr>
             <a:spLocks noGrp="1"/>
           </p:cNvSpPr>
@@ -1884,18 +2047,12 @@
           <a:p>
             <a:fld id="{BFD8708D-B339-4FD0-8B6B-9AA22F5AD31F}" type="slidenum">
               <a:rPr lang="en-US" smtClean="0"/>
-              <a:t>‹#›</a:t>
             </a:fld>
             <a:endParaRPr lang="en-US"/>
           </a:p>
         </p:txBody>
       </p:sp>
     </p:spTree>
-    <p:extLst>
-      <p:ext uri="{BB962C8B-B14F-4D97-AF65-F5344CB8AC3E}">
-        <p14:creationId xmlns:p14="http://schemas.microsoft.com/office/powerpoint/2010/main" val="3263373229"/>
-      </p:ext>
-    </p:extLst>
   </p:cSld>
   <p:clrMapOvr>
     <a:masterClrMapping/>
@@ -1922,13 +2079,7 @@
       </p:grpSpPr>
       <p:sp>
         <p:nvSpPr>
-          <p:cNvPr id="2" name="Title 1">
-            <a:extLst>
-              <a:ext uri="{FF2B5EF4-FFF2-40B4-BE49-F238E27FC236}">
-                <a16:creationId xmlns:a16="http://schemas.microsoft.com/office/drawing/2014/main" id="{694BDC8C-6830-D8DE-078C-EF3D2EBE69FA}"/>
-              </a:ext>
-            </a:extLst>
-          </p:cNvPr>
+          <p:cNvPr id="2" name="Title 1"/>
           <p:cNvSpPr>
             <a:spLocks noGrp="1"/>
           </p:cNvSpPr>
@@ -1945,18 +2096,13 @@
               <a:rPr lang="en-US"/>
               <a:t>Click to edit Master title style</a:t>
             </a:r>
-          </a:p>
-        </p:txBody>
-      </p:sp>
-      <p:sp>
-        <p:nvSpPr>
-          <p:cNvPr id="3" name="Date Placeholder 2">
-            <a:extLst>
-              <a:ext uri="{FF2B5EF4-FFF2-40B4-BE49-F238E27FC236}">
-                <a16:creationId xmlns:a16="http://schemas.microsoft.com/office/drawing/2014/main" id="{0FA6C6E5-5C52-216B-24AB-5FCD3846AAC0}"/>
-              </a:ext>
-            </a:extLst>
-          </p:cNvPr>
+            <a:endParaRPr lang="en-US"/>
+          </a:p>
+        </p:txBody>
+      </p:sp>
+      <p:sp>
+        <p:nvSpPr>
+          <p:cNvPr id="3" name="Date Placeholder 2"/>
           <p:cNvSpPr>
             <a:spLocks noGrp="1"/>
           </p:cNvSpPr>
@@ -1971,7 +2117,6 @@
           <a:p>
             <a:fld id="{03BF768E-EA07-4015-8B2E-69B744C8A015}" type="datetimeFigureOut">
               <a:rPr lang="en-US" smtClean="0"/>
-              <a:t>6/11/2025</a:t>
             </a:fld>
             <a:endParaRPr lang="en-US"/>
           </a:p>
@@ -1979,13 +2124,7 @@
       </p:sp>
       <p:sp>
         <p:nvSpPr>
-          <p:cNvPr id="4" name="Footer Placeholder 3">
-            <a:extLst>
-              <a:ext uri="{FF2B5EF4-FFF2-40B4-BE49-F238E27FC236}">
-                <a16:creationId xmlns:a16="http://schemas.microsoft.com/office/drawing/2014/main" id="{F8BFD6E5-05BB-B957-6B61-52F514643949}"/>
-              </a:ext>
-            </a:extLst>
-          </p:cNvPr>
+          <p:cNvPr id="4" name="Footer Placeholder 3"/>
           <p:cNvSpPr>
             <a:spLocks noGrp="1"/>
           </p:cNvSpPr>
@@ -2004,13 +2143,7 @@
       </p:sp>
       <p:sp>
         <p:nvSpPr>
-          <p:cNvPr id="5" name="Slide Number Placeholder 4">
-            <a:extLst>
-              <a:ext uri="{FF2B5EF4-FFF2-40B4-BE49-F238E27FC236}">
-                <a16:creationId xmlns:a16="http://schemas.microsoft.com/office/drawing/2014/main" id="{E8DEFA87-476E-45E6-D0B3-3BD58DE5BEE7}"/>
-              </a:ext>
-            </a:extLst>
-          </p:cNvPr>
+          <p:cNvPr id="5" name="Slide Number Placeholder 4"/>
           <p:cNvSpPr>
             <a:spLocks noGrp="1"/>
           </p:cNvSpPr>
@@ -2025,18 +2158,12 @@
           <a:p>
             <a:fld id="{BFD8708D-B339-4FD0-8B6B-9AA22F5AD31F}" type="slidenum">
               <a:rPr lang="en-US" smtClean="0"/>
-              <a:t>‹#›</a:t>
             </a:fld>
             <a:endParaRPr lang="en-US"/>
           </a:p>
         </p:txBody>
       </p:sp>
     </p:spTree>
-    <p:extLst>
-      <p:ext uri="{BB962C8B-B14F-4D97-AF65-F5344CB8AC3E}">
-        <p14:creationId xmlns:p14="http://schemas.microsoft.com/office/powerpoint/2010/main" val="179497792"/>
-      </p:ext>
-    </p:extLst>
   </p:cSld>
   <p:clrMapOvr>
     <a:masterClrMapping/>
@@ -2063,13 +2190,7 @@
       </p:grpSpPr>
       <p:sp>
         <p:nvSpPr>
-          <p:cNvPr id="2" name="Date Placeholder 1">
-            <a:extLst>
-              <a:ext uri="{FF2B5EF4-FFF2-40B4-BE49-F238E27FC236}">
-                <a16:creationId xmlns:a16="http://schemas.microsoft.com/office/drawing/2014/main" id="{2C1EB980-8F40-0541-AD70-6DBDE814D668}"/>
-              </a:ext>
-            </a:extLst>
-          </p:cNvPr>
+          <p:cNvPr id="2" name="Date Placeholder 1"/>
           <p:cNvSpPr>
             <a:spLocks noGrp="1"/>
           </p:cNvSpPr>
@@ -2084,7 +2205,6 @@
           <a:p>
             <a:fld id="{03BF768E-EA07-4015-8B2E-69B744C8A015}" type="datetimeFigureOut">
               <a:rPr lang="en-US" smtClean="0"/>
-              <a:t>6/11/2025</a:t>
             </a:fld>
             <a:endParaRPr lang="en-US"/>
           </a:p>
@@ -2092,13 +2212,7 @@
       </p:sp>
       <p:sp>
         <p:nvSpPr>
-          <p:cNvPr id="3" name="Footer Placeholder 2">
-            <a:extLst>
-              <a:ext uri="{FF2B5EF4-FFF2-40B4-BE49-F238E27FC236}">
-                <a16:creationId xmlns:a16="http://schemas.microsoft.com/office/drawing/2014/main" id="{FC302AF7-3629-BFCC-CC59-BF20493C9EB7}"/>
-              </a:ext>
-            </a:extLst>
-          </p:cNvPr>
+          <p:cNvPr id="3" name="Footer Placeholder 2"/>
           <p:cNvSpPr>
             <a:spLocks noGrp="1"/>
           </p:cNvSpPr>
@@ -2117,13 +2231,7 @@
       </p:sp>
       <p:sp>
         <p:nvSpPr>
-          <p:cNvPr id="4" name="Slide Number Placeholder 3">
-            <a:extLst>
-              <a:ext uri="{FF2B5EF4-FFF2-40B4-BE49-F238E27FC236}">
-                <a16:creationId xmlns:a16="http://schemas.microsoft.com/office/drawing/2014/main" id="{D284FED6-16ED-8B60-3516-58DBC806E93B}"/>
-              </a:ext>
-            </a:extLst>
-          </p:cNvPr>
+          <p:cNvPr id="4" name="Slide Number Placeholder 3"/>
           <p:cNvSpPr>
             <a:spLocks noGrp="1"/>
           </p:cNvSpPr>
@@ -2138,18 +2246,12 @@
           <a:p>
             <a:fld id="{BFD8708D-B339-4FD0-8B6B-9AA22F5AD31F}" type="slidenum">
               <a:rPr lang="en-US" smtClean="0"/>
-              <a:t>‹#›</a:t>
             </a:fld>
             <a:endParaRPr lang="en-US"/>
           </a:p>
         </p:txBody>
       </p:sp>
     </p:spTree>
-    <p:extLst>
-      <p:ext uri="{BB962C8B-B14F-4D97-AF65-F5344CB8AC3E}">
-        <p14:creationId xmlns:p14="http://schemas.microsoft.com/office/powerpoint/2010/main" val="1999548988"/>
-      </p:ext>
-    </p:extLst>
   </p:cSld>
   <p:clrMapOvr>
     <a:masterClrMapping/>
@@ -2176,13 +2278,7 @@
       </p:grpSpPr>
       <p:sp>
         <p:nvSpPr>
-          <p:cNvPr id="2" name="Title 1">
-            <a:extLst>
-              <a:ext uri="{FF2B5EF4-FFF2-40B4-BE49-F238E27FC236}">
-                <a16:creationId xmlns:a16="http://schemas.microsoft.com/office/drawing/2014/main" id="{B3954654-865C-B8CE-199B-7EAC7AC2D4AC}"/>
-              </a:ext>
-            </a:extLst>
-          </p:cNvPr>
+          <p:cNvPr id="2" name="Title 1"/>
           <p:cNvSpPr>
             <a:spLocks noGrp="1"/>
           </p:cNvSpPr>
@@ -2208,18 +2304,13 @@
               <a:rPr lang="en-US"/>
               <a:t>Click to edit Master title style</a:t>
             </a:r>
-          </a:p>
-        </p:txBody>
-      </p:sp>
-      <p:sp>
-        <p:nvSpPr>
-          <p:cNvPr id="3" name="Content Placeholder 2">
-            <a:extLst>
-              <a:ext uri="{FF2B5EF4-FFF2-40B4-BE49-F238E27FC236}">
-                <a16:creationId xmlns:a16="http://schemas.microsoft.com/office/drawing/2014/main" id="{07735208-C9B2-804A-044F-64B24441955A}"/>
-              </a:ext>
-            </a:extLst>
-          </p:cNvPr>
+            <a:endParaRPr lang="en-US"/>
+          </a:p>
+        </p:txBody>
+      </p:sp>
+      <p:sp>
+        <p:nvSpPr>
+          <p:cNvPr id="3" name="Content Placeholder 2"/>
           <p:cNvSpPr>
             <a:spLocks noGrp="1"/>
           </p:cNvSpPr>
@@ -2270,6 +2361,7 @@
               <a:rPr lang="en-US"/>
               <a:t>Click to edit Master text styles</a:t>
             </a:r>
+            <a:endParaRPr lang="en-US"/>
           </a:p>
           <a:p>
             <a:pPr lvl="1"/>
@@ -2277,6 +2369,7 @@
               <a:rPr lang="en-US"/>
               <a:t>Second level</a:t>
             </a:r>
+            <a:endParaRPr lang="en-US"/>
           </a:p>
           <a:p>
             <a:pPr lvl="2"/>
@@ -2284,6 +2377,7 @@
               <a:rPr lang="en-US"/>
               <a:t>Third level</a:t>
             </a:r>
+            <a:endParaRPr lang="en-US"/>
           </a:p>
           <a:p>
             <a:pPr lvl="3"/>
@@ -2291,6 +2385,7 @@
               <a:rPr lang="en-US"/>
               <a:t>Fourth level</a:t>
             </a:r>
+            <a:endParaRPr lang="en-US"/>
           </a:p>
           <a:p>
             <a:pPr lvl="4"/>
@@ -2298,18 +2393,13 @@
               <a:rPr lang="en-US"/>
               <a:t>Fifth level</a:t>
             </a:r>
-          </a:p>
-        </p:txBody>
-      </p:sp>
-      <p:sp>
-        <p:nvSpPr>
-          <p:cNvPr id="4" name="Text Placeholder 3">
-            <a:extLst>
-              <a:ext uri="{FF2B5EF4-FFF2-40B4-BE49-F238E27FC236}">
-                <a16:creationId xmlns:a16="http://schemas.microsoft.com/office/drawing/2014/main" id="{B971DBFC-D3BD-9DC6-FBCC-3515F17123F9}"/>
-              </a:ext>
-            </a:extLst>
-          </p:cNvPr>
+            <a:endParaRPr lang="en-US"/>
+          </a:p>
+        </p:txBody>
+      </p:sp>
+      <p:sp>
+        <p:nvSpPr>
+          <p:cNvPr id="4" name="Text Placeholder 3"/>
           <p:cNvSpPr>
             <a:spLocks noGrp="1"/>
           </p:cNvSpPr>
@@ -2369,18 +2459,13 @@
               <a:rPr lang="en-US"/>
               <a:t>Click to edit Master text styles</a:t>
             </a:r>
-          </a:p>
-        </p:txBody>
-      </p:sp>
-      <p:sp>
-        <p:nvSpPr>
-          <p:cNvPr id="5" name="Date Placeholder 4">
-            <a:extLst>
-              <a:ext uri="{FF2B5EF4-FFF2-40B4-BE49-F238E27FC236}">
-                <a16:creationId xmlns:a16="http://schemas.microsoft.com/office/drawing/2014/main" id="{ADA8C9D0-6D81-F982-8EA8-07D28A222F5A}"/>
-              </a:ext>
-            </a:extLst>
-          </p:cNvPr>
+            <a:endParaRPr lang="en-US"/>
+          </a:p>
+        </p:txBody>
+      </p:sp>
+      <p:sp>
+        <p:nvSpPr>
+          <p:cNvPr id="5" name="Date Placeholder 4"/>
           <p:cNvSpPr>
             <a:spLocks noGrp="1"/>
           </p:cNvSpPr>
@@ -2395,7 +2480,6 @@
           <a:p>
             <a:fld id="{03BF768E-EA07-4015-8B2E-69B744C8A015}" type="datetimeFigureOut">
               <a:rPr lang="en-US" smtClean="0"/>
-              <a:t>6/11/2025</a:t>
             </a:fld>
             <a:endParaRPr lang="en-US"/>
           </a:p>
@@ -2403,13 +2487,7 @@
       </p:sp>
       <p:sp>
         <p:nvSpPr>
-          <p:cNvPr id="6" name="Footer Placeholder 5">
-            <a:extLst>
-              <a:ext uri="{FF2B5EF4-FFF2-40B4-BE49-F238E27FC236}">
-                <a16:creationId xmlns:a16="http://schemas.microsoft.com/office/drawing/2014/main" id="{8061CA8D-480E-47C9-55F9-1501D83423E6}"/>
-              </a:ext>
-            </a:extLst>
-          </p:cNvPr>
+          <p:cNvPr id="6" name="Footer Placeholder 5"/>
           <p:cNvSpPr>
             <a:spLocks noGrp="1"/>
           </p:cNvSpPr>
@@ -2428,13 +2506,7 @@
       </p:sp>
       <p:sp>
         <p:nvSpPr>
-          <p:cNvPr id="7" name="Slide Number Placeholder 6">
-            <a:extLst>
-              <a:ext uri="{FF2B5EF4-FFF2-40B4-BE49-F238E27FC236}">
-                <a16:creationId xmlns:a16="http://schemas.microsoft.com/office/drawing/2014/main" id="{D2C19C71-0F38-FB15-69F9-C560E09E2D92}"/>
-              </a:ext>
-            </a:extLst>
-          </p:cNvPr>
+          <p:cNvPr id="7" name="Slide Number Placeholder 6"/>
           <p:cNvSpPr>
             <a:spLocks noGrp="1"/>
           </p:cNvSpPr>
@@ -2449,18 +2521,12 @@
           <a:p>
             <a:fld id="{BFD8708D-B339-4FD0-8B6B-9AA22F5AD31F}" type="slidenum">
               <a:rPr lang="en-US" smtClean="0"/>
-              <a:t>‹#›</a:t>
             </a:fld>
             <a:endParaRPr lang="en-US"/>
           </a:p>
         </p:txBody>
       </p:sp>
     </p:spTree>
-    <p:extLst>
-      <p:ext uri="{BB962C8B-B14F-4D97-AF65-F5344CB8AC3E}">
-        <p14:creationId xmlns:p14="http://schemas.microsoft.com/office/powerpoint/2010/main" val="78101885"/>
-      </p:ext>
-    </p:extLst>
   </p:cSld>
   <p:clrMapOvr>
     <a:masterClrMapping/>
@@ -2487,13 +2553,7 @@
       </p:grpSpPr>
       <p:sp>
         <p:nvSpPr>
-          <p:cNvPr id="2" name="Title 1">
-            <a:extLst>
-              <a:ext uri="{FF2B5EF4-FFF2-40B4-BE49-F238E27FC236}">
-                <a16:creationId xmlns:a16="http://schemas.microsoft.com/office/drawing/2014/main" id="{BCAD02C4-6FA2-0DC4-53F2-8C8B0D662681}"/>
-              </a:ext>
-            </a:extLst>
-          </p:cNvPr>
+          <p:cNvPr id="2" name="Title 1"/>
           <p:cNvSpPr>
             <a:spLocks noGrp="1"/>
           </p:cNvSpPr>
@@ -2519,18 +2579,13 @@
               <a:rPr lang="en-US"/>
               <a:t>Click to edit Master title style</a:t>
             </a:r>
-          </a:p>
-        </p:txBody>
-      </p:sp>
-      <p:sp>
-        <p:nvSpPr>
-          <p:cNvPr id="3" name="Picture Placeholder 2">
-            <a:extLst>
-              <a:ext uri="{FF2B5EF4-FFF2-40B4-BE49-F238E27FC236}">
-                <a16:creationId xmlns:a16="http://schemas.microsoft.com/office/drawing/2014/main" id="{B7156B27-F80D-B5AC-C5F6-1100E867B7CA}"/>
-              </a:ext>
-            </a:extLst>
-          </p:cNvPr>
+            <a:endParaRPr lang="en-US"/>
+          </a:p>
+        </p:txBody>
+      </p:sp>
+      <p:sp>
+        <p:nvSpPr>
+          <p:cNvPr id="3" name="Picture Placeholder 2"/>
           <p:cNvSpPr>
             <a:spLocks noGrp="1"/>
           </p:cNvSpPr>
@@ -2591,13 +2646,7 @@
       </p:sp>
       <p:sp>
         <p:nvSpPr>
-          <p:cNvPr id="4" name="Text Placeholder 3">
-            <a:extLst>
-              <a:ext uri="{FF2B5EF4-FFF2-40B4-BE49-F238E27FC236}">
-                <a16:creationId xmlns:a16="http://schemas.microsoft.com/office/drawing/2014/main" id="{709A896C-7C7C-3536-5ACF-CBAA6B2AED12}"/>
-              </a:ext>
-            </a:extLst>
-          </p:cNvPr>
+          <p:cNvPr id="4" name="Text Placeholder 3"/>
           <p:cNvSpPr>
             <a:spLocks noGrp="1"/>
           </p:cNvSpPr>
@@ -2657,18 +2706,13 @@
               <a:rPr lang="en-US"/>
               <a:t>Click to edit Master text styles</a:t>
             </a:r>
-          </a:p>
-        </p:txBody>
-      </p:sp>
-      <p:sp>
-        <p:nvSpPr>
-          <p:cNvPr id="5" name="Date Placeholder 4">
-            <a:extLst>
-              <a:ext uri="{FF2B5EF4-FFF2-40B4-BE49-F238E27FC236}">
-                <a16:creationId xmlns:a16="http://schemas.microsoft.com/office/drawing/2014/main" id="{ED6A2A2B-27D6-B3E3-5847-A9675ED238FF}"/>
-              </a:ext>
-            </a:extLst>
-          </p:cNvPr>
+            <a:endParaRPr lang="en-US"/>
+          </a:p>
+        </p:txBody>
+      </p:sp>
+      <p:sp>
+        <p:nvSpPr>
+          <p:cNvPr id="5" name="Date Placeholder 4"/>
           <p:cNvSpPr>
             <a:spLocks noGrp="1"/>
           </p:cNvSpPr>
@@ -2683,7 +2727,6 @@
           <a:p>
             <a:fld id="{03BF768E-EA07-4015-8B2E-69B744C8A015}" type="datetimeFigureOut">
               <a:rPr lang="en-US" smtClean="0"/>
-              <a:t>6/11/2025</a:t>
             </a:fld>
             <a:endParaRPr lang="en-US"/>
           </a:p>
@@ -2691,13 +2734,7 @@
       </p:sp>
       <p:sp>
         <p:nvSpPr>
-          <p:cNvPr id="6" name="Footer Placeholder 5">
-            <a:extLst>
-              <a:ext uri="{FF2B5EF4-FFF2-40B4-BE49-F238E27FC236}">
-                <a16:creationId xmlns:a16="http://schemas.microsoft.com/office/drawing/2014/main" id="{D176A899-D78E-68F6-29D2-0D36E08EC6A3}"/>
-              </a:ext>
-            </a:extLst>
-          </p:cNvPr>
+          <p:cNvPr id="6" name="Footer Placeholder 5"/>
           <p:cNvSpPr>
             <a:spLocks noGrp="1"/>
           </p:cNvSpPr>
@@ -2716,13 +2753,7 @@
       </p:sp>
       <p:sp>
         <p:nvSpPr>
-          <p:cNvPr id="7" name="Slide Number Placeholder 6">
-            <a:extLst>
-              <a:ext uri="{FF2B5EF4-FFF2-40B4-BE49-F238E27FC236}">
-                <a16:creationId xmlns:a16="http://schemas.microsoft.com/office/drawing/2014/main" id="{B0CD7E86-91C2-EE5B-7B98-25C22F702E26}"/>
-              </a:ext>
-            </a:extLst>
-          </p:cNvPr>
+          <p:cNvPr id="7" name="Slide Number Placeholder 6"/>
           <p:cNvSpPr>
             <a:spLocks noGrp="1"/>
           </p:cNvSpPr>
@@ -2737,18 +2768,12 @@
           <a:p>
             <a:fld id="{BFD8708D-B339-4FD0-8B6B-9AA22F5AD31F}" type="slidenum">
               <a:rPr lang="en-US" smtClean="0"/>
-              <a:t>‹#›</a:t>
             </a:fld>
             <a:endParaRPr lang="en-US"/>
           </a:p>
         </p:txBody>
       </p:sp>
     </p:spTree>
-    <p:extLst>
-      <p:ext uri="{BB962C8B-B14F-4D97-AF65-F5344CB8AC3E}">
-        <p14:creationId xmlns:p14="http://schemas.microsoft.com/office/powerpoint/2010/main" val="2422672974"/>
-      </p:ext>
-    </p:extLst>
   </p:cSld>
   <p:clrMapOvr>
     <a:masterClrMapping/>
@@ -2780,13 +2805,7 @@
       </p:grpSpPr>
       <p:sp>
         <p:nvSpPr>
-          <p:cNvPr id="2" name="Title Placeholder 1">
-            <a:extLst>
-              <a:ext uri="{FF2B5EF4-FFF2-40B4-BE49-F238E27FC236}">
-                <a16:creationId xmlns:a16="http://schemas.microsoft.com/office/drawing/2014/main" id="{2F842C7B-72FB-596A-DFDB-7B24A1AEA6C1}"/>
-              </a:ext>
-            </a:extLst>
-          </p:cNvPr>
+          <p:cNvPr id="2" name="Title Placeholder 1"/>
           <p:cNvSpPr>
             <a:spLocks noGrp="1"/>
           </p:cNvSpPr>
@@ -2813,18 +2832,13 @@
               <a:rPr lang="en-US"/>
               <a:t>Click to edit Master title style</a:t>
             </a:r>
-          </a:p>
-        </p:txBody>
-      </p:sp>
-      <p:sp>
-        <p:nvSpPr>
-          <p:cNvPr id="3" name="Text Placeholder 2">
-            <a:extLst>
-              <a:ext uri="{FF2B5EF4-FFF2-40B4-BE49-F238E27FC236}">
-                <a16:creationId xmlns:a16="http://schemas.microsoft.com/office/drawing/2014/main" id="{0C50D64F-5BA5-5C2B-BC3C-AD0C67857B4D}"/>
-              </a:ext>
-            </a:extLst>
-          </p:cNvPr>
+            <a:endParaRPr lang="en-US"/>
+          </a:p>
+        </p:txBody>
+      </p:sp>
+      <p:sp>
+        <p:nvSpPr>
+          <p:cNvPr id="3" name="Text Placeholder 2"/>
           <p:cNvSpPr>
             <a:spLocks noGrp="1"/>
           </p:cNvSpPr>
@@ -2852,6 +2866,7 @@
               <a:rPr lang="en-US"/>
               <a:t>Click to edit Master text styles</a:t>
             </a:r>
+            <a:endParaRPr lang="en-US"/>
           </a:p>
           <a:p>
             <a:pPr lvl="1"/>
@@ -2859,6 +2874,7 @@
               <a:rPr lang="en-US"/>
               <a:t>Second level</a:t>
             </a:r>
+            <a:endParaRPr lang="en-US"/>
           </a:p>
           <a:p>
             <a:pPr lvl="2"/>
@@ -2866,6 +2882,7 @@
               <a:rPr lang="en-US"/>
               <a:t>Third level</a:t>
             </a:r>
+            <a:endParaRPr lang="en-US"/>
           </a:p>
           <a:p>
             <a:pPr lvl="3"/>
@@ -2873,6 +2890,7 @@
               <a:rPr lang="en-US"/>
               <a:t>Fourth level</a:t>
             </a:r>
+            <a:endParaRPr lang="en-US"/>
           </a:p>
           <a:p>
             <a:pPr lvl="4"/>
@@ -2880,18 +2898,13 @@
               <a:rPr lang="en-US"/>
               <a:t>Fifth level</a:t>
             </a:r>
-          </a:p>
-        </p:txBody>
-      </p:sp>
-      <p:sp>
-        <p:nvSpPr>
-          <p:cNvPr id="4" name="Date Placeholder 3">
-            <a:extLst>
-              <a:ext uri="{FF2B5EF4-FFF2-40B4-BE49-F238E27FC236}">
-                <a16:creationId xmlns:a16="http://schemas.microsoft.com/office/drawing/2014/main" id="{698AA2ED-8CDD-B2CF-1968-DF96577C0B27}"/>
-              </a:ext>
-            </a:extLst>
-          </p:cNvPr>
+            <a:endParaRPr lang="en-US"/>
+          </a:p>
+        </p:txBody>
+      </p:sp>
+      <p:sp>
+        <p:nvSpPr>
+          <p:cNvPr id="4" name="Date Placeholder 3"/>
           <p:cNvSpPr>
             <a:spLocks noGrp="1"/>
           </p:cNvSpPr>
@@ -2924,7 +2937,6 @@
           <a:p>
             <a:fld id="{03BF768E-EA07-4015-8B2E-69B744C8A015}" type="datetimeFigureOut">
               <a:rPr lang="en-US" smtClean="0"/>
-              <a:t>6/11/2025</a:t>
             </a:fld>
             <a:endParaRPr lang="en-US"/>
           </a:p>
@@ -2932,13 +2944,7 @@
       </p:sp>
       <p:sp>
         <p:nvSpPr>
-          <p:cNvPr id="5" name="Footer Placeholder 4">
-            <a:extLst>
-              <a:ext uri="{FF2B5EF4-FFF2-40B4-BE49-F238E27FC236}">
-                <a16:creationId xmlns:a16="http://schemas.microsoft.com/office/drawing/2014/main" id="{FB2DDFBD-4AE8-2B04-85A2-F456CA17031B}"/>
-              </a:ext>
-            </a:extLst>
-          </p:cNvPr>
+          <p:cNvPr id="5" name="Footer Placeholder 4"/>
           <p:cNvSpPr>
             <a:spLocks noGrp="1"/>
           </p:cNvSpPr>
@@ -2975,13 +2981,7 @@
       </p:sp>
       <p:sp>
         <p:nvSpPr>
-          <p:cNvPr id="6" name="Slide Number Placeholder 5">
-            <a:extLst>
-              <a:ext uri="{FF2B5EF4-FFF2-40B4-BE49-F238E27FC236}">
-                <a16:creationId xmlns:a16="http://schemas.microsoft.com/office/drawing/2014/main" id="{D989F745-7CAA-D0D5-BCE6-B3B8006D0542}"/>
-              </a:ext>
-            </a:extLst>
-          </p:cNvPr>
+          <p:cNvPr id="6" name="Slide Number Placeholder 5"/>
           <p:cNvSpPr>
             <a:spLocks noGrp="1"/>
           </p:cNvSpPr>
@@ -3014,18 +3014,12 @@
           <a:p>
             <a:fld id="{BFD8708D-B339-4FD0-8B6B-9AA22F5AD31F}" type="slidenum">
               <a:rPr lang="en-US" smtClean="0"/>
-              <a:t>‹#›</a:t>
             </a:fld>
             <a:endParaRPr lang="en-US"/>
           </a:p>
         </p:txBody>
       </p:sp>
     </p:spTree>
-    <p:extLst>
-      <p:ext uri="{BB962C8B-B14F-4D97-AF65-F5344CB8AC3E}">
-        <p14:creationId xmlns:p14="http://schemas.microsoft.com/office/powerpoint/2010/main" val="2167421944"/>
-      </p:ext>
-    </p:extLst>
   </p:cSld>
   <p:clrMap bg1="lt1" tx1="dk1" bg2="lt2" tx2="dk2" accent1="accent1" accent2="accent2" accent3="accent3" accent4="accent4" accent5="accent5" accent6="accent6" hlink="hlink" folHlink="folHlink"/>
   <p:sldLayoutIdLst>
@@ -3377,13 +3371,7 @@
       </p:grpSpPr>
       <p:sp>
         <p:nvSpPr>
-          <p:cNvPr id="2" name="Title 1">
-            <a:extLst>
-              <a:ext uri="{FF2B5EF4-FFF2-40B4-BE49-F238E27FC236}">
-                <a16:creationId xmlns:a16="http://schemas.microsoft.com/office/drawing/2014/main" id="{723342D1-9724-8697-0913-509C898AA166}"/>
-              </a:ext>
-            </a:extLst>
-          </p:cNvPr>
+          <p:cNvPr id="2" name="Title 1"/>
           <p:cNvSpPr>
             <a:spLocks noGrp="1"/>
           </p:cNvSpPr>
@@ -3400,18 +3388,13 @@
               <a:rPr lang="en-US" dirty="0"/>
               <a:t>MOVIE BUSINESS:A DATA-DRIVEN APPROACH</a:t>
             </a:r>
-          </a:p>
-        </p:txBody>
-      </p:sp>
-      <p:sp>
-        <p:nvSpPr>
-          <p:cNvPr id="3" name="Subtitle 2">
-            <a:extLst>
-              <a:ext uri="{FF2B5EF4-FFF2-40B4-BE49-F238E27FC236}">
-                <a16:creationId xmlns:a16="http://schemas.microsoft.com/office/drawing/2014/main" id="{975B5544-5949-C11B-C4BB-1F4A39818666}"/>
-              </a:ext>
-            </a:extLst>
-          </p:cNvPr>
+            <a:endParaRPr lang="en-US" dirty="0"/>
+          </a:p>
+        </p:txBody>
+      </p:sp>
+      <p:sp>
+        <p:nvSpPr>
+          <p:cNvPr id="3" name="Subtitle 2"/>
           <p:cNvSpPr>
             <a:spLocks noGrp="1"/>
           </p:cNvSpPr>
@@ -3428,15 +3411,11 @@
               <a:rPr lang="en-US" dirty="0"/>
               <a:t>Insights for new movie studio by Group 2</a:t>
             </a:r>
+            <a:endParaRPr lang="en-US" dirty="0"/>
           </a:p>
         </p:txBody>
       </p:sp>
     </p:spTree>
-    <p:extLst>
-      <p:ext uri="{BB962C8B-B14F-4D97-AF65-F5344CB8AC3E}">
-        <p14:creationId xmlns:p14="http://schemas.microsoft.com/office/powerpoint/2010/main" val="496678966"/>
-      </p:ext>
-    </p:extLst>
   </p:cSld>
   <p:clrMapOvr>
     <a:masterClrMapping/>
@@ -3445,6 +3424,69 @@
 </file>
 
 <file path=ppt/slides/slide10.xml><?xml version="1.0" encoding="utf-8"?>
+<p:sld xmlns:a="http://schemas.openxmlformats.org/drawingml/2006/main" xmlns:r="http://schemas.openxmlformats.org/officeDocument/2006/relationships" xmlns:p="http://schemas.openxmlformats.org/presentationml/2006/main">
+  <p:cSld>
+    <p:spTree>
+      <p:nvGrpSpPr>
+        <p:cNvPr id="1" name=""/>
+        <p:cNvGrpSpPr/>
+        <p:nvPr/>
+      </p:nvGrpSpPr>
+      <p:grpSpPr/>
+      <p:sp>
+        <p:nvSpPr>
+          <p:cNvPr id="3" name="Content Placeholder 2"/>
+          <p:cNvSpPr>
+            <a:spLocks noGrp="1"/>
+          </p:cNvSpPr>
+          <p:nvPr>
+            <p:ph idx="1"/>
+          </p:nvPr>
+        </p:nvSpPr>
+        <p:spPr>
+          <a:xfrm>
+            <a:off x="838200" y="807085"/>
+            <a:ext cx="10706100" cy="5370195"/>
+          </a:xfrm>
+          <a:solidFill>
+            <a:schemeClr val="accent1">
+              <a:lumMod val="40000"/>
+              <a:lumOff val="60000"/>
+            </a:schemeClr>
+          </a:solidFill>
+        </p:spPr>
+        <p:txBody>
+          <a:bodyPr/>
+          <a:p>
+            <a:r>
+              <a:rPr lang="en-US" b="1" dirty="0">
+                <a:solidFill>
+                  <a:srgbClr val="1F2328"/>
+                </a:solidFill>
+                <a:effectLst/>
+                <a:latin typeface="-apple-system"/>
+              </a:rPr>
+              <a:t>Im.db (SQL data base) which is veyry detailed database on movies.</a:t>
+            </a:r>
+            <a:endParaRPr lang="en-US" b="1" dirty="0">
+              <a:solidFill>
+                <a:srgbClr val="1F2328"/>
+              </a:solidFill>
+              <a:effectLst/>
+              <a:latin typeface="-apple-system"/>
+            </a:endParaRPr>
+          </a:p>
+        </p:txBody>
+      </p:sp>
+    </p:spTree>
+  </p:cSld>
+  <p:clrMapOvr>
+    <a:masterClrMapping/>
+  </p:clrMapOvr>
+</p:sld>
+</file>
+
+<file path=ppt/slides/slide11.xml><?xml version="1.0" encoding="utf-8"?>
 <p:sld xmlns:a="http://schemas.openxmlformats.org/drawingml/2006/main" xmlns:r="http://schemas.openxmlformats.org/officeDocument/2006/relationships" xmlns:p="http://schemas.openxmlformats.org/presentationml/2006/main">
   <p:cSld>
     <p:bg>
@@ -3497,13 +3539,7 @@
       </p:grpSpPr>
       <p:sp>
         <p:nvSpPr>
-          <p:cNvPr id="2" name="Title 1">
-            <a:extLst>
-              <a:ext uri="{FF2B5EF4-FFF2-40B4-BE49-F238E27FC236}">
-                <a16:creationId xmlns:a16="http://schemas.microsoft.com/office/drawing/2014/main" id="{381AB7E0-DC91-7B10-D821-D3C85896BD2C}"/>
-              </a:ext>
-            </a:extLst>
-          </p:cNvPr>
+          <p:cNvPr id="2" name="Title 1"/>
           <p:cNvSpPr>
             <a:spLocks noGrp="1"/>
           </p:cNvSpPr>
@@ -3524,64 +3560,48 @@
           <a:lstStyle/>
           <a:p>
             <a:r>
-              <a:rPr lang="en-US" sz="1800" kern="0" dirty="0">
+              <a:rPr lang="en-US" altLang="en-US" sz="2665" dirty="0">
                 <a:solidFill>
-                  <a:schemeClr val="accent6"/>
+                  <a:srgbClr val="92D050"/>
                 </a:solidFill>
-                <a:effectLst/>
-                <a:latin typeface="Consolas" panose="020B0609020204030204" pitchFamily="49" charset="0"/>
-                <a:ea typeface="Times New Roman" panose="02020603050405020304" pitchFamily="18" charset="0"/>
-                <a:cs typeface="Times New Roman" panose="02020603050405020304" pitchFamily="18" charset="0"/>
               </a:rPr>
-              <a:t>Risk vs Reward: Categories with higher standard deviation (risk) but also higher mean ROI suggest that while these movies are riskier investments, they have the potential for higher returns.</a:t>
-            </a:r>
-            <a:br>
-              <a:rPr lang="en-US" sz="1800" kern="100" dirty="0">
-                <a:effectLst/>
-                <a:latin typeface="Calibri" panose="020F0502020204030204" pitchFamily="34" charset="0"/>
-                <a:ea typeface="Calibri" panose="020F0502020204030204" pitchFamily="34" charset="0"/>
-                <a:cs typeface="Times New Roman" panose="02020603050405020304" pitchFamily="18" charset="0"/>
-              </a:rPr>
-            </a:br>
-            <a:endParaRPr lang="en-US" dirty="0"/>
+              <a:t>The bar chart provides a comparison of average audience and critic ratings across various genres.</a:t>
+            </a:r>
+            <a:endParaRPr lang="en-US" altLang="en-US" sz="2665" dirty="0">
+              <a:solidFill>
+                <a:srgbClr val="92D050"/>
+              </a:solidFill>
+            </a:endParaRPr>
           </a:p>
         </p:txBody>
       </p:sp>
       <p:pic>
         <p:nvPicPr>
-          <p:cNvPr id="5" name="Content Placeholder 4">
-            <a:extLst>
-              <a:ext uri="{FF2B5EF4-FFF2-40B4-BE49-F238E27FC236}">
-                <a16:creationId xmlns:a16="http://schemas.microsoft.com/office/drawing/2014/main" id="{8B4E4141-2A05-0654-92E7-C2AD85772EF2}"/>
-              </a:ext>
-            </a:extLst>
-          </p:cNvPr>
+          <p:cNvPr id="4" name="Content Placeholder 3"/>
           <p:cNvPicPr>
-            <a:picLocks noGrp="1" noChangeAspect="1"/>
+            <a:picLocks noChangeAspect="1"/>
           </p:cNvPicPr>
           <p:nvPr>
             <p:ph idx="1"/>
           </p:nvPr>
         </p:nvPicPr>
         <p:blipFill>
-          <a:blip r:embed="rId2"/>
+          <a:blip r:embed="rId1"/>
           <a:stretch>
             <a:fillRect/>
           </a:stretch>
         </p:blipFill>
         <p:spPr>
           <a:xfrm>
-            <a:off x="838200" y="1935116"/>
-            <a:ext cx="10515600" cy="4132355"/>
+            <a:off x="2253615" y="1825625"/>
+            <a:ext cx="7684135" cy="4351655"/>
           </a:xfrm>
+          <a:prstGeom prst="rect">
+            <a:avLst/>
+          </a:prstGeom>
         </p:spPr>
       </p:pic>
     </p:spTree>
-    <p:extLst>
-      <p:ext uri="{BB962C8B-B14F-4D97-AF65-F5344CB8AC3E}">
-        <p14:creationId xmlns:p14="http://schemas.microsoft.com/office/powerpoint/2010/main" val="1228961466"/>
-      </p:ext>
-    </p:extLst>
   </p:cSld>
   <p:clrMapOvr>
     <a:masterClrMapping/>
@@ -3589,7 +3609,7 @@
 </p:sld>
 </file>
 
-<file path=ppt/slides/slide11.xml><?xml version="1.0" encoding="utf-8"?>
+<file path=ppt/slides/slide12.xml><?xml version="1.0" encoding="utf-8"?>
 <p:sld xmlns:a="http://schemas.openxmlformats.org/drawingml/2006/main" xmlns:r="http://schemas.openxmlformats.org/officeDocument/2006/relationships" xmlns:p="http://schemas.openxmlformats.org/presentationml/2006/main">
   <p:cSld>
     <p:bg>
@@ -3642,13 +3662,7 @@
       </p:grpSpPr>
       <p:sp>
         <p:nvSpPr>
-          <p:cNvPr id="2" name="Title 1">
-            <a:extLst>
-              <a:ext uri="{FF2B5EF4-FFF2-40B4-BE49-F238E27FC236}">
-                <a16:creationId xmlns:a16="http://schemas.microsoft.com/office/drawing/2014/main" id="{2AE79C34-E071-67E2-55BE-674EBB1DBC4C}"/>
-              </a:ext>
-            </a:extLst>
-          </p:cNvPr>
+          <p:cNvPr id="2" name="Title 1"/>
           <p:cNvSpPr>
             <a:spLocks noGrp="1"/>
           </p:cNvSpPr>
@@ -3672,96 +3686,60 @@
               </a:spcAft>
             </a:pPr>
             <a:r>
-              <a:rPr lang="en-US" sz="1800" kern="0" dirty="0">
-                <a:solidFill>
-                  <a:srgbClr val="6A9955"/>
-                </a:solidFill>
-                <a:effectLst/>
-                <a:latin typeface="Consolas" panose="020B0609020204030204" pitchFamily="49" charset="0"/>
-                <a:ea typeface="Times New Roman" panose="02020603050405020304" pitchFamily="18" charset="0"/>
-                <a:cs typeface="Times New Roman" panose="02020603050405020304" pitchFamily="18" charset="0"/>
-              </a:rPr>
-              <a:t>Success Rate: The size of the bubbles indicates the success rate; larger bubbles represent higher success rates, providing a visual cue to the profitability of each budget category.</a:t>
+              <a:rPr lang="en-US" altLang="en-US" sz="2220" dirty="0"/>
+              <a:t>The scatter plot shows a clear positive relationship between audience and critic ratings:</a:t>
             </a:r>
             <a:br>
-              <a:rPr lang="en-US" sz="1800" kern="100" dirty="0">
-                <a:effectLst/>
-                <a:latin typeface="Calibri" panose="020F0502020204030204" pitchFamily="34" charset="0"/>
-                <a:ea typeface="Calibri" panose="020F0502020204030204" pitchFamily="34" charset="0"/>
-                <a:cs typeface="Times New Roman" panose="02020603050405020304" pitchFamily="18" charset="0"/>
-              </a:rPr>
+              <a:rPr lang="en-US" altLang="en-US" sz="2220" dirty="0"/>
             </a:br>
-            <a:r>
-              <a:rPr lang="en-US" sz="1800" kern="0" dirty="0">
-                <a:solidFill>
-                  <a:srgbClr val="CCCCCC"/>
-                </a:solidFill>
-                <a:effectLst/>
-                <a:latin typeface="Consolas" panose="020B0609020204030204" pitchFamily="49" charset="0"/>
-                <a:ea typeface="Times New Roman" panose="02020603050405020304" pitchFamily="18" charset="0"/>
-                <a:cs typeface="Times New Roman" panose="02020603050405020304" pitchFamily="18" charset="0"/>
-              </a:rPr>
-              <a:t> </a:t>
-            </a:r>
             <a:br>
-              <a:rPr lang="en-US" sz="1800" kern="100" dirty="0">
-                <a:effectLst/>
-                <a:latin typeface="Calibri" panose="020F0502020204030204" pitchFamily="34" charset="0"/>
-                <a:ea typeface="Calibri" panose="020F0502020204030204" pitchFamily="34" charset="0"/>
-                <a:cs typeface="Times New Roman" panose="02020603050405020304" pitchFamily="18" charset="0"/>
-              </a:rPr>
+              <a:rPr lang="en-US" altLang="en-US" sz="2220" dirty="0"/>
             </a:br>
             <a:r>
-              <a:rPr lang="en-US" sz="1800" kern="0" dirty="0">
-                <a:solidFill>
-                  <a:srgbClr val="6A9955"/>
-                </a:solidFill>
-                <a:effectLst/>
-                <a:latin typeface="Consolas" panose="020B0609020204030204" pitchFamily="49" charset="0"/>
-                <a:ea typeface="Times New Roman" panose="02020603050405020304" pitchFamily="18" charset="0"/>
-                <a:cs typeface="Times New Roman" panose="02020603050405020304" pitchFamily="18" charset="0"/>
-              </a:rPr>
-              <a:t>Budget Category Comparison: This visualization allows for a comparative analysis of how different budget categories balance risk and reward, aiding in strategic decision-making for investments in the movie industry</a:t>
-            </a:r>
-            <a:endParaRPr lang="en-US" dirty="0"/>
+              <a:rPr lang="en-US" altLang="en-US" sz="2220" dirty="0"/>
+              <a:t>- Positive correlation: The regression line slopes upward, indicating that genres favored by viewers often receive strong critic reviews, supporting the idea that appealing to audiences and critics can go hand in hand. </a:t>
+            </a:r>
+            <a:br>
+              <a:rPr lang="en-US" altLang="en-US" sz="2220" dirty="0"/>
+            </a:br>
+            <a:br>
+              <a:rPr lang="en-US" altLang="en-US" sz="2220" dirty="0"/>
+            </a:br>
+            <a:r>
+              <a:rPr lang="en-US" altLang="en-US" sz="2220" dirty="0"/>
+              <a:t>- Noticeable variance: Even with similar audience scores, critic ratings vary—highlighting the importance of considering both metrics rather than relying on audience sentiment alone.</a:t>
+            </a:r>
+            <a:endParaRPr lang="en-US" altLang="en-US" sz="2220" dirty="0"/>
           </a:p>
         </p:txBody>
       </p:sp>
       <p:pic>
         <p:nvPicPr>
-          <p:cNvPr id="5" name="Content Placeholder 4">
-            <a:extLst>
-              <a:ext uri="{FF2B5EF4-FFF2-40B4-BE49-F238E27FC236}">
-                <a16:creationId xmlns:a16="http://schemas.microsoft.com/office/drawing/2014/main" id="{3FAB4D56-33FA-03CB-13F3-B762A94AB2D5}"/>
-              </a:ext>
-            </a:extLst>
-          </p:cNvPr>
+          <p:cNvPr id="7" name="Content Placeholder 6"/>
           <p:cNvPicPr>
-            <a:picLocks noGrp="1" noChangeAspect="1"/>
+            <a:picLocks noChangeAspect="1"/>
           </p:cNvPicPr>
           <p:nvPr>
             <p:ph idx="1"/>
           </p:nvPr>
         </p:nvPicPr>
         <p:blipFill>
-          <a:blip r:embed="rId2"/>
+          <a:blip r:embed="rId1"/>
           <a:stretch>
             <a:fillRect/>
           </a:stretch>
         </p:blipFill>
         <p:spPr>
           <a:xfrm>
-            <a:off x="838200" y="2063108"/>
-            <a:ext cx="10515600" cy="3876371"/>
+            <a:off x="2140585" y="1736725"/>
+            <a:ext cx="8292465" cy="4918710"/>
           </a:xfrm>
+          <a:prstGeom prst="rect">
+            <a:avLst/>
+          </a:prstGeom>
         </p:spPr>
       </p:pic>
     </p:spTree>
-    <p:extLst>
-      <p:ext uri="{BB962C8B-B14F-4D97-AF65-F5344CB8AC3E}">
-        <p14:creationId xmlns:p14="http://schemas.microsoft.com/office/powerpoint/2010/main" val="1070787534"/>
-      </p:ext>
-    </p:extLst>
   </p:cSld>
   <p:clrMapOvr>
     <a:masterClrMapping/>
@@ -3769,7 +3747,7 @@
 </p:sld>
 </file>
 
-<file path=ppt/slides/slide12.xml><?xml version="1.0" encoding="utf-8"?>
+<file path=ppt/slides/slide13.xml><?xml version="1.0" encoding="utf-8"?>
 <p:sld xmlns:a="http://schemas.openxmlformats.org/drawingml/2006/main" xmlns:r="http://schemas.openxmlformats.org/officeDocument/2006/relationships" xmlns:p="http://schemas.openxmlformats.org/presentationml/2006/main">
   <p:cSld>
     <p:bg>
@@ -3822,13 +3800,7 @@
       </p:grpSpPr>
       <p:sp>
         <p:nvSpPr>
-          <p:cNvPr id="2" name="Title 1">
-            <a:extLst>
-              <a:ext uri="{FF2B5EF4-FFF2-40B4-BE49-F238E27FC236}">
-                <a16:creationId xmlns:a16="http://schemas.microsoft.com/office/drawing/2014/main" id="{053D42FB-1371-3EE1-1B33-461264C82F6D}"/>
-              </a:ext>
-            </a:extLst>
-          </p:cNvPr>
+          <p:cNvPr id="2" name="Title 1"/>
           <p:cNvSpPr>
             <a:spLocks noGrp="1"/>
           </p:cNvSpPr>
@@ -3855,68 +3827,31 @@
       </p:sp>
       <p:pic>
         <p:nvPicPr>
-          <p:cNvPr id="5" name="Content Placeholder 4">
-            <a:extLst>
-              <a:ext uri="{FF2B5EF4-FFF2-40B4-BE49-F238E27FC236}">
-                <a16:creationId xmlns:a16="http://schemas.microsoft.com/office/drawing/2014/main" id="{94CCE5C2-5FD2-1814-C681-5ABD88BCEAA7}"/>
-              </a:ext>
-            </a:extLst>
-          </p:cNvPr>
+          <p:cNvPr id="4" name="Content Placeholder 3"/>
           <p:cNvPicPr>
-            <a:picLocks noGrp="1" noChangeAspect="1"/>
+            <a:picLocks noChangeAspect="1"/>
           </p:cNvPicPr>
           <p:nvPr>
             <p:ph idx="1"/>
           </p:nvPr>
         </p:nvPicPr>
         <p:blipFill>
-          <a:blip r:embed="rId2"/>
+          <a:blip r:embed="rId1"/>
           <a:stretch>
             <a:fillRect/>
           </a:stretch>
         </p:blipFill>
         <p:spPr>
           <a:xfrm>
-            <a:off x="838200" y="2010867"/>
-            <a:ext cx="10515600" cy="3980853"/>
+            <a:off x="1979295" y="1825625"/>
+            <a:ext cx="8232140" cy="4351655"/>
           </a:xfrm>
-          <a:gradFill>
-            <a:gsLst>
-              <a:gs pos="0">
-                <a:schemeClr val="accent1">
-                  <a:lumMod val="5000"/>
-                  <a:lumOff val="95000"/>
-                </a:schemeClr>
-              </a:gs>
-              <a:gs pos="74000">
-                <a:schemeClr val="accent1">
-                  <a:lumMod val="45000"/>
-                  <a:lumOff val="55000"/>
-                </a:schemeClr>
-              </a:gs>
-              <a:gs pos="83000">
-                <a:schemeClr val="accent1">
-                  <a:lumMod val="45000"/>
-                  <a:lumOff val="55000"/>
-                </a:schemeClr>
-              </a:gs>
-              <a:gs pos="100000">
-                <a:schemeClr val="accent1">
-                  <a:lumMod val="30000"/>
-                  <a:lumOff val="70000"/>
-                </a:schemeClr>
-              </a:gs>
-            </a:gsLst>
-            <a:lin ang="5400000" scaled="1"/>
-          </a:gradFill>
+          <a:prstGeom prst="rect">
+            <a:avLst/>
+          </a:prstGeom>
         </p:spPr>
       </p:pic>
     </p:spTree>
-    <p:extLst>
-      <p:ext uri="{BB962C8B-B14F-4D97-AF65-F5344CB8AC3E}">
-        <p14:creationId xmlns:p14="http://schemas.microsoft.com/office/powerpoint/2010/main" val="2221499685"/>
-      </p:ext>
-    </p:extLst>
   </p:cSld>
   <p:clrMapOvr>
     <a:masterClrMapping/>
@@ -3924,7 +3859,7 @@
 </p:sld>
 </file>
 
-<file path=ppt/slides/slide13.xml><?xml version="1.0" encoding="utf-8"?>
+<file path=ppt/slides/slide14.xml><?xml version="1.0" encoding="utf-8"?>
 <p:sld xmlns:a="http://schemas.openxmlformats.org/drawingml/2006/main" xmlns:r="http://schemas.openxmlformats.org/officeDocument/2006/relationships" xmlns:p="http://schemas.openxmlformats.org/presentationml/2006/main">
   <p:cSld>
     <p:bg>
@@ -3977,13 +3912,7 @@
       </p:grpSpPr>
       <p:sp>
         <p:nvSpPr>
-          <p:cNvPr id="2" name="Title 1">
-            <a:extLst>
-              <a:ext uri="{FF2B5EF4-FFF2-40B4-BE49-F238E27FC236}">
-                <a16:creationId xmlns:a16="http://schemas.microsoft.com/office/drawing/2014/main" id="{CE67605C-FCBE-142D-2476-0C553F337EFD}"/>
-              </a:ext>
-            </a:extLst>
-          </p:cNvPr>
+          <p:cNvPr id="2" name="Title 1"/>
           <p:cNvSpPr>
             <a:spLocks noGrp="1"/>
           </p:cNvSpPr>
@@ -3993,51 +3922,98 @@
         </p:nvSpPr>
         <p:spPr/>
         <p:txBody>
-          <a:bodyPr/>
-          <a:lstStyle/>
-          <a:p>
-            <a:r>
-              <a:rPr lang="en-US" dirty="0"/>
-              <a:t>Movie Release trend 2010 to 2020</a:t>
-            </a:r>
+          <a:bodyPr>
+            <a:normAutofit fontScale="90000"/>
+          </a:bodyPr>
+          <a:lstStyle/>
+          <a:p>
+            <a:r>
+              <a:rPr lang="en-US" altLang="en-US" sz="2220" dirty="0">
+                <a:solidFill>
+                  <a:schemeClr val="tx1"/>
+                </a:solidFill>
+              </a:rPr>
+              <a:t>From the chart, we observe that:</a:t>
+            </a:r>
+            <a:br>
+              <a:rPr lang="en-US" altLang="en-US" sz="2220" dirty="0">
+                <a:solidFill>
+                  <a:schemeClr val="tx1"/>
+                </a:solidFill>
+              </a:rPr>
+            </a:br>
+            <a:br>
+              <a:rPr lang="en-US" altLang="en-US" sz="2220" dirty="0">
+                <a:solidFill>
+                  <a:schemeClr val="tx1"/>
+                </a:solidFill>
+              </a:rPr>
+            </a:br>
+            <a:r>
+              <a:rPr lang="en-US" altLang="en-US" sz="2220" dirty="0">
+                <a:solidFill>
+                  <a:schemeClr val="tx1"/>
+                </a:solidFill>
+              </a:rPr>
+              <a:t>- English (en) dominates with over 20,000 movies, far exceeding any other language.</a:t>
+            </a:r>
+            <a:br>
+              <a:rPr lang="en-US" altLang="en-US" sz="2220" dirty="0">
+                <a:solidFill>
+                  <a:schemeClr val="tx1"/>
+                </a:solidFill>
+              </a:rPr>
+            </a:br>
+            <a:br>
+              <a:rPr lang="en-US" altLang="en-US" sz="2220" dirty="0">
+                <a:solidFill>
+                  <a:schemeClr val="tx1"/>
+                </a:solidFill>
+              </a:rPr>
+            </a:br>
+            <a:r>
+              <a:rPr lang="en-US" altLang="en-US" sz="2220" dirty="0">
+                <a:solidFill>
+                  <a:schemeClr val="tx1"/>
+                </a:solidFill>
+              </a:rPr>
+              <a:t>- French (fr) and Spanish (es) follow as the second and third most common languages.</a:t>
+            </a:r>
+            <a:endParaRPr lang="en-US" altLang="en-US" sz="2220" dirty="0">
+              <a:solidFill>
+                <a:schemeClr val="tx1"/>
+              </a:solidFill>
+            </a:endParaRPr>
           </a:p>
         </p:txBody>
       </p:sp>
       <p:pic>
         <p:nvPicPr>
-          <p:cNvPr id="5" name="Content Placeholder 4">
-            <a:extLst>
-              <a:ext uri="{FF2B5EF4-FFF2-40B4-BE49-F238E27FC236}">
-                <a16:creationId xmlns:a16="http://schemas.microsoft.com/office/drawing/2014/main" id="{212A9B17-3FFC-76BF-0CB7-5B75805B161B}"/>
-              </a:ext>
-            </a:extLst>
-          </p:cNvPr>
+          <p:cNvPr id="4" name="Content Placeholder 3"/>
           <p:cNvPicPr>
-            <a:picLocks noGrp="1" noChangeAspect="1"/>
+            <a:picLocks noChangeAspect="1"/>
           </p:cNvPicPr>
           <p:nvPr>
             <p:ph idx="1"/>
           </p:nvPr>
         </p:nvPicPr>
         <p:blipFill>
-          <a:blip r:embed="rId2"/>
+          <a:blip r:embed="rId1"/>
           <a:stretch>
             <a:fillRect/>
           </a:stretch>
         </p:blipFill>
         <p:spPr>
           <a:xfrm>
-            <a:off x="3384913" y="1825625"/>
-            <a:ext cx="5422174" cy="4351338"/>
+            <a:off x="2131695" y="1825625"/>
+            <a:ext cx="7927340" cy="4351655"/>
           </a:xfrm>
+          <a:prstGeom prst="rect">
+            <a:avLst/>
+          </a:prstGeom>
         </p:spPr>
       </p:pic>
     </p:spTree>
-    <p:extLst>
-      <p:ext uri="{BB962C8B-B14F-4D97-AF65-F5344CB8AC3E}">
-        <p14:creationId xmlns:p14="http://schemas.microsoft.com/office/powerpoint/2010/main" val="3120104570"/>
-      </p:ext>
-    </p:extLst>
   </p:cSld>
   <p:clrMapOvr>
     <a:masterClrMapping/>
@@ -4045,7 +4021,7 @@
 </p:sld>
 </file>
 
-<file path=ppt/slides/slide14.xml><?xml version="1.0" encoding="utf-8"?>
+<file path=ppt/slides/slide15.xml><?xml version="1.0" encoding="utf-8"?>
 <p:sld xmlns:a="http://schemas.openxmlformats.org/drawingml/2006/main" xmlns:r="http://schemas.openxmlformats.org/officeDocument/2006/relationships" xmlns:p="http://schemas.openxmlformats.org/presentationml/2006/main">
   <p:cSld>
     <p:bg>
@@ -4098,13 +4074,7 @@
       </p:grpSpPr>
       <p:sp>
         <p:nvSpPr>
-          <p:cNvPr id="2" name="Title 1">
-            <a:extLst>
-              <a:ext uri="{FF2B5EF4-FFF2-40B4-BE49-F238E27FC236}">
-                <a16:creationId xmlns:a16="http://schemas.microsoft.com/office/drawing/2014/main" id="{0743D60F-9CAF-8663-487E-8E2638B95041}"/>
-              </a:ext>
-            </a:extLst>
-          </p:cNvPr>
+          <p:cNvPr id="2" name="Title 1"/>
           <p:cNvSpPr>
             <a:spLocks noGrp="1"/>
           </p:cNvSpPr>
@@ -4150,84 +4120,40 @@
           <a:lstStyle/>
           <a:p>
             <a:r>
-              <a:rPr lang="en-US" dirty="0"/>
-              <a:t>Average movie performance by month </a:t>
-            </a:r>
-            <a:r>
-              <a:rPr lang="en-US" dirty="0" err="1"/>
-              <a:t>interms</a:t>
-            </a:r>
-            <a:r>
-              <a:rPr lang="en-US" dirty="0"/>
-              <a:t> of release volume per month and gross revenue generated</a:t>
-            </a:r>
+              <a:rPr lang="en-US" altLang="en-US" dirty="0"/>
+              <a:t>Yearly Gross Trends: Director Insights &amp; Strategy</a:t>
+            </a:r>
+            <a:endParaRPr lang="en-US" altLang="en-US" dirty="0"/>
           </a:p>
         </p:txBody>
       </p:sp>
       <p:pic>
         <p:nvPicPr>
-          <p:cNvPr id="5" name="Content Placeholder 4">
-            <a:extLst>
-              <a:ext uri="{FF2B5EF4-FFF2-40B4-BE49-F238E27FC236}">
-                <a16:creationId xmlns:a16="http://schemas.microsoft.com/office/drawing/2014/main" id="{DD8EB6B6-471A-CA58-0CA8-78570BFC9C2F}"/>
-              </a:ext>
-            </a:extLst>
-          </p:cNvPr>
+          <p:cNvPr id="4" name="Content Placeholder 3"/>
           <p:cNvPicPr>
-            <a:picLocks noGrp="1" noChangeAspect="1"/>
+            <a:picLocks noChangeAspect="1"/>
           </p:cNvPicPr>
           <p:nvPr>
             <p:ph idx="1"/>
           </p:nvPr>
         </p:nvPicPr>
         <p:blipFill>
-          <a:blip r:embed="rId2"/>
+          <a:blip r:embed="rId1"/>
           <a:stretch>
             <a:fillRect/>
           </a:stretch>
         </p:blipFill>
         <p:spPr>
           <a:xfrm>
-            <a:off x="838200" y="2051526"/>
-            <a:ext cx="10515600" cy="3899535"/>
+            <a:off x="2037715" y="2000885"/>
+            <a:ext cx="8115300" cy="4000500"/>
           </a:xfrm>
-          <a:gradFill>
-            <a:gsLst>
-              <a:gs pos="0">
-                <a:schemeClr val="accent1">
-                  <a:lumMod val="5000"/>
-                  <a:lumOff val="95000"/>
-                </a:schemeClr>
-              </a:gs>
-              <a:gs pos="74000">
-                <a:schemeClr val="accent1">
-                  <a:lumMod val="45000"/>
-                  <a:lumOff val="55000"/>
-                </a:schemeClr>
-              </a:gs>
-              <a:gs pos="83000">
-                <a:schemeClr val="accent1">
-                  <a:lumMod val="45000"/>
-                  <a:lumOff val="55000"/>
-                </a:schemeClr>
-              </a:gs>
-              <a:gs pos="100000">
-                <a:schemeClr val="accent1">
-                  <a:lumMod val="30000"/>
-                  <a:lumOff val="70000"/>
-                </a:schemeClr>
-              </a:gs>
-            </a:gsLst>
-            <a:lin ang="5400000" scaled="1"/>
-          </a:gradFill>
+          <a:prstGeom prst="rect">
+            <a:avLst/>
+          </a:prstGeom>
         </p:spPr>
       </p:pic>
     </p:spTree>
-    <p:extLst>
-      <p:ext uri="{BB962C8B-B14F-4D97-AF65-F5344CB8AC3E}">
-        <p14:creationId xmlns:p14="http://schemas.microsoft.com/office/powerpoint/2010/main" val="1285286938"/>
-      </p:ext>
-    </p:extLst>
   </p:cSld>
   <p:clrMapOvr>
     <a:masterClrMapping/>
@@ -4235,7 +4161,7 @@
 </p:sld>
 </file>
 
-<file path=ppt/slides/slide15.xml><?xml version="1.0" encoding="utf-8"?>
+<file path=ppt/slides/slide16.xml><?xml version="1.0" encoding="utf-8"?>
 <p:sld xmlns:a="http://schemas.openxmlformats.org/drawingml/2006/main" xmlns:r="http://schemas.openxmlformats.org/officeDocument/2006/relationships" xmlns:p="http://schemas.openxmlformats.org/presentationml/2006/main">
   <p:cSld>
     <p:bg>
@@ -4288,13 +4214,7 @@
       </p:grpSpPr>
       <p:sp>
         <p:nvSpPr>
-          <p:cNvPr id="2" name="Title 1">
-            <a:extLst>
-              <a:ext uri="{FF2B5EF4-FFF2-40B4-BE49-F238E27FC236}">
-                <a16:creationId xmlns:a16="http://schemas.microsoft.com/office/drawing/2014/main" id="{12729CB5-4664-ABF8-DFF6-146701BB8DBC}"/>
-              </a:ext>
-            </a:extLst>
-          </p:cNvPr>
+          <p:cNvPr id="2" name="Title 1"/>
           <p:cNvSpPr>
             <a:spLocks noGrp="1"/>
           </p:cNvSpPr>
@@ -4311,18 +4231,13 @@
               <a:rPr lang="en-US" dirty="0"/>
               <a:t>Business Recommendations</a:t>
             </a:r>
-          </a:p>
-        </p:txBody>
-      </p:sp>
-      <p:sp>
-        <p:nvSpPr>
-          <p:cNvPr id="3" name="Content Placeholder 2">
-            <a:extLst>
-              <a:ext uri="{FF2B5EF4-FFF2-40B4-BE49-F238E27FC236}">
-                <a16:creationId xmlns:a16="http://schemas.microsoft.com/office/drawing/2014/main" id="{8D658899-FF4A-8C9A-719D-3A9C0253788D}"/>
-              </a:ext>
-            </a:extLst>
-          </p:cNvPr>
+            <a:endParaRPr lang="en-US" dirty="0"/>
+          </a:p>
+        </p:txBody>
+      </p:sp>
+      <p:sp>
+        <p:nvSpPr>
+          <p:cNvPr id="3" name="Content Placeholder 2"/>
           <p:cNvSpPr>
             <a:spLocks noGrp="1"/>
           </p:cNvSpPr>
@@ -4342,6 +4257,7 @@
               <a:rPr lang="en-US" dirty="0"/>
               <a:t>1.Focus On High impact Genres-Prioritize genres with commercial and critical ratings like documentaries and cult films.</a:t>
             </a:r>
+            <a:endParaRPr lang="en-US" dirty="0"/>
           </a:p>
           <a:p>
             <a:pPr marL="0" indent="0">
@@ -4351,6 +4267,7 @@
               <a:rPr lang="en-US" dirty="0"/>
               <a:t>2.Balance Ratings and Returns – Use low budget, high-ROI genres like horror for early projects.</a:t>
             </a:r>
+            <a:endParaRPr lang="en-US" dirty="0"/>
           </a:p>
           <a:p>
             <a:pPr marL="0" indent="0">
@@ -4360,6 +4277,7 @@
               <a:rPr lang="en-US" dirty="0"/>
               <a:t>3.Commision pilot projects in high-ROI genres. </a:t>
             </a:r>
+            <a:endParaRPr lang="en-US" dirty="0"/>
           </a:p>
           <a:p>
             <a:pPr marL="0" indent="0">
@@ -4369,15 +4287,11 @@
               <a:rPr lang="en-US" dirty="0"/>
               <a:t>4.Reassess strategy bi-annually with updates data and Markets trends.</a:t>
             </a:r>
+            <a:endParaRPr lang="en-US" dirty="0"/>
           </a:p>
         </p:txBody>
       </p:sp>
     </p:spTree>
-    <p:extLst>
-      <p:ext uri="{BB962C8B-B14F-4D97-AF65-F5344CB8AC3E}">
-        <p14:creationId xmlns:p14="http://schemas.microsoft.com/office/powerpoint/2010/main" val="3668331006"/>
-      </p:ext>
-    </p:extLst>
   </p:cSld>
   <p:clrMapOvr>
     <a:masterClrMapping/>
@@ -4385,7 +4299,7 @@
 </p:sld>
 </file>
 
-<file path=ppt/slides/slide16.xml><?xml version="1.0" encoding="utf-8"?>
+<file path=ppt/slides/slide17.xml><?xml version="1.0" encoding="utf-8"?>
 <p:sld xmlns:a="http://schemas.openxmlformats.org/drawingml/2006/main" xmlns:r="http://schemas.openxmlformats.org/officeDocument/2006/relationships" xmlns:p="http://schemas.openxmlformats.org/presentationml/2006/main">
   <p:cSld>
     <p:bg>
@@ -4438,13 +4352,7 @@
       </p:grpSpPr>
       <p:sp>
         <p:nvSpPr>
-          <p:cNvPr id="2" name="Title 1">
-            <a:extLst>
-              <a:ext uri="{FF2B5EF4-FFF2-40B4-BE49-F238E27FC236}">
-                <a16:creationId xmlns:a16="http://schemas.microsoft.com/office/drawing/2014/main" id="{F65C9F43-2EBE-162B-C493-0931D0918458}"/>
-              </a:ext>
-            </a:extLst>
-          </p:cNvPr>
+          <p:cNvPr id="2" name="Title 1"/>
           <p:cNvSpPr>
             <a:spLocks noGrp="1"/>
           </p:cNvSpPr>
@@ -4461,18 +4369,13 @@
               <a:rPr lang="en-US" dirty="0"/>
               <a:t>Group 2 Members</a:t>
             </a:r>
-          </a:p>
-        </p:txBody>
-      </p:sp>
-      <p:sp>
-        <p:nvSpPr>
-          <p:cNvPr id="3" name="Content Placeholder 2">
-            <a:extLst>
-              <a:ext uri="{FF2B5EF4-FFF2-40B4-BE49-F238E27FC236}">
-                <a16:creationId xmlns:a16="http://schemas.microsoft.com/office/drawing/2014/main" id="{3B3DC3C2-2F02-6725-DFAA-61274336D795}"/>
-              </a:ext>
-            </a:extLst>
-          </p:cNvPr>
+            <a:endParaRPr lang="en-US" dirty="0"/>
+          </a:p>
+        </p:txBody>
+      </p:sp>
+      <p:sp>
+        <p:nvSpPr>
+          <p:cNvPr id="3" name="Content Placeholder 2"/>
           <p:cNvSpPr>
             <a:spLocks noGrp="1"/>
           </p:cNvSpPr>
@@ -4497,6 +4400,7 @@
               <a:rPr lang="en-US" dirty="0"/>
               <a:t>1.JEROME JUMA</a:t>
             </a:r>
+            <a:endParaRPr lang="en-US" dirty="0"/>
           </a:p>
           <a:p>
             <a:pPr marL="0" indent="0">
@@ -4506,6 +4410,7 @@
               <a:rPr lang="en-US" dirty="0"/>
               <a:t>2.BRIAN MBURU</a:t>
             </a:r>
+            <a:endParaRPr lang="en-US" dirty="0"/>
           </a:p>
           <a:p>
             <a:pPr marL="0" indent="0">
@@ -4515,6 +4420,7 @@
               <a:rPr lang="en-US" dirty="0"/>
               <a:t>3.SUSAN MAINA</a:t>
             </a:r>
+            <a:endParaRPr lang="en-US" dirty="0"/>
           </a:p>
           <a:p>
             <a:pPr marL="0" indent="0">
@@ -4524,6 +4430,7 @@
               <a:rPr lang="en-US" dirty="0"/>
               <a:t>4.MARY ASUNTA</a:t>
             </a:r>
+            <a:endParaRPr lang="en-US" dirty="0"/>
           </a:p>
           <a:p>
             <a:pPr marL="0" indent="0">
@@ -4533,6 +4440,7 @@
               <a:rPr lang="en-US" dirty="0"/>
               <a:t>5.KABIRA TIMOTHY</a:t>
             </a:r>
+            <a:endParaRPr lang="en-US" dirty="0"/>
           </a:p>
           <a:p>
             <a:endParaRPr lang="en-US" dirty="0"/>
@@ -4545,15 +4453,11 @@
               <a:rPr lang="en-US" dirty="0"/>
               <a:t>                                               THANKYOU.</a:t>
             </a:r>
+            <a:endParaRPr lang="en-US" dirty="0"/>
           </a:p>
         </p:txBody>
       </p:sp>
     </p:spTree>
-    <p:extLst>
-      <p:ext uri="{BB962C8B-B14F-4D97-AF65-F5344CB8AC3E}">
-        <p14:creationId xmlns:p14="http://schemas.microsoft.com/office/powerpoint/2010/main" val="3116431007"/>
-      </p:ext>
-    </p:extLst>
   </p:cSld>
   <p:clrMapOvr>
     <a:masterClrMapping/>
@@ -4614,13 +4518,7 @@
       </p:grpSpPr>
       <p:sp>
         <p:nvSpPr>
-          <p:cNvPr id="2" name="Title 1">
-            <a:extLst>
-              <a:ext uri="{FF2B5EF4-FFF2-40B4-BE49-F238E27FC236}">
-                <a16:creationId xmlns:a16="http://schemas.microsoft.com/office/drawing/2014/main" id="{00E3CB41-7867-C719-7CF0-FD0D28255A69}"/>
-              </a:ext>
-            </a:extLst>
-          </p:cNvPr>
+          <p:cNvPr id="2" name="Title 1"/>
           <p:cNvSpPr>
             <a:spLocks noGrp="1"/>
           </p:cNvSpPr>
@@ -4637,18 +4535,13 @@
               <a:rPr lang="en-US" dirty="0"/>
               <a:t>INTRODUCTION</a:t>
             </a:r>
-          </a:p>
-        </p:txBody>
-      </p:sp>
-      <p:sp>
-        <p:nvSpPr>
-          <p:cNvPr id="3" name="Content Placeholder 2">
-            <a:extLst>
-              <a:ext uri="{FF2B5EF4-FFF2-40B4-BE49-F238E27FC236}">
-                <a16:creationId xmlns:a16="http://schemas.microsoft.com/office/drawing/2014/main" id="{63C2A4D2-6C3A-29BE-07F1-454EA25D2497}"/>
-              </a:ext>
-            </a:extLst>
-          </p:cNvPr>
+            <a:endParaRPr lang="en-US" dirty="0"/>
+          </a:p>
+        </p:txBody>
+      </p:sp>
+      <p:sp>
+        <p:nvSpPr>
+          <p:cNvPr id="3" name="Content Placeholder 2"/>
           <p:cNvSpPr>
             <a:spLocks noGrp="1"/>
           </p:cNvSpPr>
@@ -4671,6 +4564,13 @@
               </a:rPr>
               <a:t>Recognizing the growing trend of major corporations producing original content, our company is embarking on the creation of a successful movie studio. </a:t>
             </a:r>
+            <a:endParaRPr lang="en-US" b="0" i="0" dirty="0">
+              <a:solidFill>
+                <a:srgbClr val="1F2328"/>
+              </a:solidFill>
+              <a:effectLst/>
+              <a:latin typeface="-apple-system"/>
+            </a:endParaRPr>
           </a:p>
           <a:p>
             <a:r>
@@ -4683,6 +4583,13 @@
               </a:rPr>
               <a:t>To overcome our limited experience in film production, this project leverages a comprehensive analysis of various film industry datasets.</a:t>
             </a:r>
+            <a:endParaRPr lang="en-US" b="0" i="0" dirty="0">
+              <a:solidFill>
+                <a:srgbClr val="1F2328"/>
+              </a:solidFill>
+              <a:effectLst/>
+              <a:latin typeface="-apple-system"/>
+            </a:endParaRPr>
           </a:p>
           <a:p>
             <a:r>
@@ -4695,6 +4602,13 @@
               </a:rPr>
               <a:t> Our objective is to extract data-driven insights that will illuminate the most profitable, well-received, and promising areas for investment.</a:t>
             </a:r>
+            <a:endParaRPr lang="en-US" b="0" i="0" dirty="0">
+              <a:solidFill>
+                <a:srgbClr val="1F2328"/>
+              </a:solidFill>
+              <a:effectLst/>
+              <a:latin typeface="-apple-system"/>
+            </a:endParaRPr>
           </a:p>
           <a:p>
             <a:r>
@@ -4712,11 +4626,6 @@
         </p:txBody>
       </p:sp>
     </p:spTree>
-    <p:extLst>
-      <p:ext uri="{BB962C8B-B14F-4D97-AF65-F5344CB8AC3E}">
-        <p14:creationId xmlns:p14="http://schemas.microsoft.com/office/powerpoint/2010/main" val="4219407346"/>
-      </p:ext>
-    </p:extLst>
   </p:cSld>
   <p:clrMapOvr>
     <a:masterClrMapping/>
@@ -4777,13 +4686,7 @@
       </p:grpSpPr>
       <p:sp>
         <p:nvSpPr>
-          <p:cNvPr id="2" name="Title 1">
-            <a:extLst>
-              <a:ext uri="{FF2B5EF4-FFF2-40B4-BE49-F238E27FC236}">
-                <a16:creationId xmlns:a16="http://schemas.microsoft.com/office/drawing/2014/main" id="{3FDFBA67-0881-0C7B-DF62-03CE839764A1}"/>
-              </a:ext>
-            </a:extLst>
-          </p:cNvPr>
+          <p:cNvPr id="2" name="Title 1"/>
           <p:cNvSpPr>
             <a:spLocks noGrp="1"/>
           </p:cNvSpPr>
@@ -4800,18 +4703,13 @@
               <a:rPr lang="en-US" dirty="0"/>
               <a:t>BUSINESS UNDERSTANDING</a:t>
             </a:r>
-          </a:p>
-        </p:txBody>
-      </p:sp>
-      <p:sp>
-        <p:nvSpPr>
-          <p:cNvPr id="3" name="Content Placeholder 2">
-            <a:extLst>
-              <a:ext uri="{FF2B5EF4-FFF2-40B4-BE49-F238E27FC236}">
-                <a16:creationId xmlns:a16="http://schemas.microsoft.com/office/drawing/2014/main" id="{E183389A-3FEC-51C6-3E22-8B64AAB4761F}"/>
-              </a:ext>
-            </a:extLst>
-          </p:cNvPr>
+            <a:endParaRPr lang="en-US" dirty="0"/>
+          </a:p>
+        </p:txBody>
+      </p:sp>
+      <p:sp>
+        <p:nvSpPr>
+          <p:cNvPr id="3" name="Content Placeholder 2"/>
           <p:cNvSpPr>
             <a:spLocks noGrp="1"/>
           </p:cNvSpPr>
@@ -4836,6 +4734,7 @@
               <a:rPr lang="en-US" dirty="0"/>
               <a:t> profits and reduce risks.</a:t>
             </a:r>
+            <a:endParaRPr lang="en-US" dirty="0"/>
           </a:p>
           <a:p>
             <a:r>
@@ -4848,6 +4747,13 @@
               </a:rPr>
               <a:t>The evolving landscape of streaming, global cinema, and digital distribution has transformed film production into a complex intersection of art and high-stakes business. </a:t>
             </a:r>
+            <a:endParaRPr lang="en-US" b="0" i="0" dirty="0">
+              <a:solidFill>
+                <a:srgbClr val="1F2328"/>
+              </a:solidFill>
+              <a:effectLst/>
+              <a:latin typeface="-apple-system"/>
+            </a:endParaRPr>
           </a:p>
           <a:p>
             <a:r>
@@ -4865,11 +4771,6 @@
         </p:txBody>
       </p:sp>
     </p:spTree>
-    <p:extLst>
-      <p:ext uri="{BB962C8B-B14F-4D97-AF65-F5344CB8AC3E}">
-        <p14:creationId xmlns:p14="http://schemas.microsoft.com/office/powerpoint/2010/main" val="1415088846"/>
-      </p:ext>
-    </p:extLst>
   </p:cSld>
   <p:clrMapOvr>
     <a:masterClrMapping/>
@@ -4930,13 +4831,7 @@
       </p:grpSpPr>
       <p:sp>
         <p:nvSpPr>
-          <p:cNvPr id="2" name="Title 1">
-            <a:extLst>
-              <a:ext uri="{FF2B5EF4-FFF2-40B4-BE49-F238E27FC236}">
-                <a16:creationId xmlns:a16="http://schemas.microsoft.com/office/drawing/2014/main" id="{14019E03-E83F-02C8-E0E1-BDE4EB57589E}"/>
-              </a:ext>
-            </a:extLst>
-          </p:cNvPr>
+          <p:cNvPr id="2" name="Title 1"/>
           <p:cNvSpPr>
             <a:spLocks noGrp="1"/>
           </p:cNvSpPr>
@@ -4953,18 +4848,13 @@
               <a:rPr lang="en-US" dirty="0"/>
               <a:t>Key Questions</a:t>
             </a:r>
-          </a:p>
-        </p:txBody>
-      </p:sp>
-      <p:sp>
-        <p:nvSpPr>
-          <p:cNvPr id="3" name="Content Placeholder 2">
-            <a:extLst>
-              <a:ext uri="{FF2B5EF4-FFF2-40B4-BE49-F238E27FC236}">
-                <a16:creationId xmlns:a16="http://schemas.microsoft.com/office/drawing/2014/main" id="{F85456F8-F258-B513-5170-9165D2078375}"/>
-              </a:ext>
-            </a:extLst>
-          </p:cNvPr>
+            <a:endParaRPr lang="en-US" dirty="0"/>
+          </a:p>
+        </p:txBody>
+      </p:sp>
+      <p:sp>
+        <p:nvSpPr>
+          <p:cNvPr id="3" name="Content Placeholder 2"/>
           <p:cNvSpPr>
             <a:spLocks noGrp="1"/>
           </p:cNvSpPr>
@@ -4989,6 +4879,10 @@
               </a:rPr>
               <a:t>Our company aims to launch a new movie studio but lacks expertise in film production. To maximize success, we need data-driven insights on:</a:t>
             </a:r>
+            <a:endParaRPr lang="en-US" b="0" i="0" dirty="0">
+              <a:effectLst/>
+              <a:latin typeface="system-ui"/>
+            </a:endParaRPr>
           </a:p>
           <a:p>
             <a:endParaRPr lang="en-US" dirty="0"/>
@@ -4998,6 +4892,7 @@
               <a:rPr lang="en-US" dirty="0"/>
               <a:t>Which movie genres tend to receive the highest rating?</a:t>
             </a:r>
+            <a:endParaRPr lang="en-US" dirty="0"/>
           </a:p>
           <a:p>
             <a:r>
@@ -5007,6 +4902,10 @@
               </a:rPr>
               <a:t>Which genres generate the highest revenue and return on investment (ROI)?</a:t>
             </a:r>
+            <a:endParaRPr lang="en-US" b="0" i="0" dirty="0">
+              <a:effectLst/>
+              <a:latin typeface="system-ui"/>
+            </a:endParaRPr>
           </a:p>
           <a:p>
             <a:r>
@@ -5016,6 +4915,10 @@
               </a:rPr>
               <a:t>What budget range is optimal for different film types?</a:t>
             </a:r>
+            <a:endParaRPr lang="en-US" b="0" i="0" dirty="0">
+              <a:effectLst/>
+              <a:latin typeface="system-ui"/>
+            </a:endParaRPr>
           </a:p>
           <a:p>
             <a:r>
@@ -5025,6 +4928,10 @@
               </a:rPr>
               <a:t>When is the best time to release a movie for maximum earnings?</a:t>
             </a:r>
+            <a:endParaRPr lang="en-US" b="0" i="0" dirty="0">
+              <a:effectLst/>
+              <a:latin typeface="system-ui"/>
+            </a:endParaRPr>
           </a:p>
           <a:p>
             <a:r>
@@ -5034,6 +4941,10 @@
               </a:rPr>
               <a:t>Does critical acclaim (e.g., IMDb/Rotten Tomatoes ratings) correlate with box office success?</a:t>
             </a:r>
+            <a:endParaRPr lang="en-US" b="0" i="0" dirty="0">
+              <a:effectLst/>
+              <a:latin typeface="system-ui"/>
+            </a:endParaRPr>
           </a:p>
           <a:p>
             <a:endParaRPr lang="en-US" dirty="0"/>
@@ -5041,11 +4952,6 @@
         </p:txBody>
       </p:sp>
     </p:spTree>
-    <p:extLst>
-      <p:ext uri="{BB962C8B-B14F-4D97-AF65-F5344CB8AC3E}">
-        <p14:creationId xmlns:p14="http://schemas.microsoft.com/office/powerpoint/2010/main" val="2190311232"/>
-      </p:ext>
-    </p:extLst>
   </p:cSld>
   <p:clrMapOvr>
     <a:masterClrMapping/>
@@ -5106,13 +5012,7 @@
       </p:grpSpPr>
       <p:sp>
         <p:nvSpPr>
-          <p:cNvPr id="2" name="Title 1">
-            <a:extLst>
-              <a:ext uri="{FF2B5EF4-FFF2-40B4-BE49-F238E27FC236}">
-                <a16:creationId xmlns:a16="http://schemas.microsoft.com/office/drawing/2014/main" id="{0025C4CF-5785-5CB6-D5E7-A9B8E0749EF7}"/>
-              </a:ext>
-            </a:extLst>
-          </p:cNvPr>
+          <p:cNvPr id="2" name="Title 1"/>
           <p:cNvSpPr>
             <a:spLocks noGrp="1"/>
           </p:cNvSpPr>
@@ -5129,18 +5029,13 @@
               <a:rPr lang="en-US" dirty="0"/>
               <a:t>Goals</a:t>
             </a:r>
-          </a:p>
-        </p:txBody>
-      </p:sp>
-      <p:sp>
-        <p:nvSpPr>
-          <p:cNvPr id="3" name="Content Placeholder 2">
-            <a:extLst>
-              <a:ext uri="{FF2B5EF4-FFF2-40B4-BE49-F238E27FC236}">
-                <a16:creationId xmlns:a16="http://schemas.microsoft.com/office/drawing/2014/main" id="{F1C60F4A-CCA0-2C98-C864-881E9F2602F8}"/>
-              </a:ext>
-            </a:extLst>
-          </p:cNvPr>
+            <a:endParaRPr lang="en-US" dirty="0"/>
+          </a:p>
+        </p:txBody>
+      </p:sp>
+      <p:sp>
+        <p:nvSpPr>
+          <p:cNvPr id="3" name="Content Placeholder 2"/>
           <p:cNvSpPr>
             <a:spLocks noGrp="1"/>
           </p:cNvSpPr>
@@ -5165,15 +5060,11 @@
               <a:rPr lang="en-US" dirty="0"/>
               <a:t>  informed entry into the movie sector.</a:t>
             </a:r>
+            <a:endParaRPr lang="en-US" dirty="0"/>
           </a:p>
         </p:txBody>
       </p:sp>
     </p:spTree>
-    <p:extLst>
-      <p:ext uri="{BB962C8B-B14F-4D97-AF65-F5344CB8AC3E}">
-        <p14:creationId xmlns:p14="http://schemas.microsoft.com/office/powerpoint/2010/main" val="3304321210"/>
-      </p:ext>
-    </p:extLst>
   </p:cSld>
   <p:clrMapOvr>
     <a:masterClrMapping/>
@@ -5234,13 +5125,7 @@
       </p:grpSpPr>
       <p:sp>
         <p:nvSpPr>
-          <p:cNvPr id="2" name="Title 1">
-            <a:extLst>
-              <a:ext uri="{FF2B5EF4-FFF2-40B4-BE49-F238E27FC236}">
-                <a16:creationId xmlns:a16="http://schemas.microsoft.com/office/drawing/2014/main" id="{1E387DCF-0069-8859-9FD9-9B9EAE322641}"/>
-              </a:ext>
-            </a:extLst>
-          </p:cNvPr>
+          <p:cNvPr id="2" name="Title 1"/>
           <p:cNvSpPr>
             <a:spLocks noGrp="1"/>
           </p:cNvSpPr>
@@ -5257,18 +5142,13 @@
               <a:rPr lang="en-US" dirty="0"/>
               <a:t>Data Understanding</a:t>
             </a:r>
-          </a:p>
-        </p:txBody>
-      </p:sp>
-      <p:sp>
-        <p:nvSpPr>
-          <p:cNvPr id="3" name="Content Placeholder 2">
-            <a:extLst>
-              <a:ext uri="{FF2B5EF4-FFF2-40B4-BE49-F238E27FC236}">
-                <a16:creationId xmlns:a16="http://schemas.microsoft.com/office/drawing/2014/main" id="{DF35D5EF-79DF-6971-B393-8C44EBAF9478}"/>
-              </a:ext>
-            </a:extLst>
-          </p:cNvPr>
+            <a:endParaRPr lang="en-US" dirty="0"/>
+          </a:p>
+        </p:txBody>
+      </p:sp>
+      <p:sp>
+        <p:nvSpPr>
+          <p:cNvPr id="3" name="Content Placeholder 2"/>
           <p:cNvSpPr>
             <a:spLocks noGrp="1"/>
           </p:cNvSpPr>
@@ -5292,30 +5172,35 @@
               <a:rPr lang="en-US" u="sng" dirty="0"/>
               <a:t>)Data sources</a:t>
             </a:r>
+            <a:endParaRPr lang="en-US" u="sng" dirty="0"/>
           </a:p>
           <a:p>
             <a:r>
               <a:rPr lang="en-US" u="sng" dirty="0"/>
               <a:t>Box office Mojo</a:t>
             </a:r>
+            <a:endParaRPr lang="en-US" u="sng" dirty="0"/>
           </a:p>
           <a:p>
             <a:r>
               <a:rPr lang="en-US" u="sng" dirty="0"/>
               <a:t>IMDB</a:t>
             </a:r>
+            <a:endParaRPr lang="en-US" u="sng" dirty="0"/>
           </a:p>
           <a:p>
             <a:r>
               <a:rPr lang="en-US" u="sng" dirty="0"/>
               <a:t>Rotten Tomato</a:t>
             </a:r>
+            <a:endParaRPr lang="en-US" u="sng" dirty="0"/>
           </a:p>
           <a:p>
             <a:r>
               <a:rPr lang="en-US" u="sng" dirty="0"/>
               <a:t>The movies Database</a:t>
             </a:r>
+            <a:endParaRPr lang="en-US" u="sng" dirty="0"/>
           </a:p>
           <a:p>
             <a:pPr marL="0" indent="0">
@@ -5329,11 +5214,6 @@
         </p:txBody>
       </p:sp>
     </p:spTree>
-    <p:extLst>
-      <p:ext uri="{BB962C8B-B14F-4D97-AF65-F5344CB8AC3E}">
-        <p14:creationId xmlns:p14="http://schemas.microsoft.com/office/powerpoint/2010/main" val="3849149190"/>
-      </p:ext>
-    </p:extLst>
   </p:cSld>
   <p:clrMapOvr>
     <a:masterClrMapping/>
@@ -5394,13 +5274,7 @@
       </p:grpSpPr>
       <p:sp>
         <p:nvSpPr>
-          <p:cNvPr id="2" name="Title 1">
-            <a:extLst>
-              <a:ext uri="{FF2B5EF4-FFF2-40B4-BE49-F238E27FC236}">
-                <a16:creationId xmlns:a16="http://schemas.microsoft.com/office/drawing/2014/main" id="{A8FEFBD8-2F82-523A-BF2A-866074B73A88}"/>
-              </a:ext>
-            </a:extLst>
-          </p:cNvPr>
+          <p:cNvPr id="2" name="Title 1"/>
           <p:cNvSpPr>
             <a:spLocks noGrp="1"/>
           </p:cNvSpPr>
@@ -5417,18 +5291,13 @@
               <a:rPr lang="en-US" dirty="0"/>
               <a:t>Risk Minimization</a:t>
             </a:r>
-          </a:p>
-        </p:txBody>
-      </p:sp>
-      <p:sp>
-        <p:nvSpPr>
-          <p:cNvPr id="3" name="Content Placeholder 2">
-            <a:extLst>
-              <a:ext uri="{FF2B5EF4-FFF2-40B4-BE49-F238E27FC236}">
-                <a16:creationId xmlns:a16="http://schemas.microsoft.com/office/drawing/2014/main" id="{B218C11A-7005-E957-1A7C-E30E662DE81D}"/>
-              </a:ext>
-            </a:extLst>
-          </p:cNvPr>
+            <a:endParaRPr lang="en-US" dirty="0"/>
+          </a:p>
+        </p:txBody>
+      </p:sp>
+      <p:sp>
+        <p:nvSpPr>
+          <p:cNvPr id="3" name="Content Placeholder 2"/>
           <p:cNvSpPr>
             <a:spLocks noGrp="1"/>
           </p:cNvSpPr>
@@ -5453,6 +5322,7 @@
               <a:rPr lang="en-US" dirty="0"/>
               <a:t> generation and return on investment as well as optimal range for different film types.</a:t>
             </a:r>
+            <a:endParaRPr lang="en-US" dirty="0"/>
           </a:p>
           <a:p>
             <a:pPr marL="0" indent="0">
@@ -5463,11 +5333,6 @@
         </p:txBody>
       </p:sp>
     </p:spTree>
-    <p:extLst>
-      <p:ext uri="{BB962C8B-B14F-4D97-AF65-F5344CB8AC3E}">
-        <p14:creationId xmlns:p14="http://schemas.microsoft.com/office/powerpoint/2010/main" val="397299361"/>
-      </p:ext>
-    </p:extLst>
   </p:cSld>
   <p:clrMapOvr>
     <a:masterClrMapping/>
@@ -5528,13 +5393,7 @@
       </p:grpSpPr>
       <p:sp>
         <p:nvSpPr>
-          <p:cNvPr id="2" name="Title 1">
-            <a:extLst>
-              <a:ext uri="{FF2B5EF4-FFF2-40B4-BE49-F238E27FC236}">
-                <a16:creationId xmlns:a16="http://schemas.microsoft.com/office/drawing/2014/main" id="{6CFC7CAB-9662-D6B7-F30E-D598C1D8F096}"/>
-              </a:ext>
-            </a:extLst>
-          </p:cNvPr>
+          <p:cNvPr id="2" name="Title 1"/>
           <p:cNvSpPr>
             <a:spLocks noGrp="1"/>
           </p:cNvSpPr>
@@ -5551,18 +5410,13 @@
               <a:rPr lang="en-US" dirty="0"/>
               <a:t>Business Strategy Support</a:t>
             </a:r>
-          </a:p>
-        </p:txBody>
-      </p:sp>
-      <p:sp>
-        <p:nvSpPr>
-          <p:cNvPr id="3" name="Content Placeholder 2">
-            <a:extLst>
-              <a:ext uri="{FF2B5EF4-FFF2-40B4-BE49-F238E27FC236}">
-                <a16:creationId xmlns:a16="http://schemas.microsoft.com/office/drawing/2014/main" id="{28ABD5AC-DE4F-F605-1B1B-1F55B4D43751}"/>
-              </a:ext>
-            </a:extLst>
-          </p:cNvPr>
+            <a:endParaRPr lang="en-US" dirty="0"/>
+          </a:p>
+        </p:txBody>
+      </p:sp>
+      <p:sp>
+        <p:nvSpPr>
+          <p:cNvPr id="3" name="Content Placeholder 2"/>
           <p:cNvSpPr>
             <a:spLocks noGrp="1"/>
           </p:cNvSpPr>
@@ -5579,15 +5433,11 @@
               <a:rPr lang="en-US" dirty="0"/>
               <a:t>Data-driven decisions align production with audience demand and commercial viability.</a:t>
             </a:r>
+            <a:endParaRPr lang="en-US" dirty="0"/>
           </a:p>
         </p:txBody>
       </p:sp>
     </p:spTree>
-    <p:extLst>
-      <p:ext uri="{BB962C8B-B14F-4D97-AF65-F5344CB8AC3E}">
-        <p14:creationId xmlns:p14="http://schemas.microsoft.com/office/powerpoint/2010/main" val="3567914464"/>
-      </p:ext>
-    </p:extLst>
   </p:cSld>
   <p:clrMapOvr>
     <a:masterClrMapping/>
@@ -5648,13 +5498,7 @@
       </p:grpSpPr>
       <p:sp>
         <p:nvSpPr>
-          <p:cNvPr id="2" name="Title 1">
-            <a:extLst>
-              <a:ext uri="{FF2B5EF4-FFF2-40B4-BE49-F238E27FC236}">
-                <a16:creationId xmlns:a16="http://schemas.microsoft.com/office/drawing/2014/main" id="{991F55F2-D6D0-46EF-0DBF-7BEEDB1A8D10}"/>
-              </a:ext>
-            </a:extLst>
-          </p:cNvPr>
+          <p:cNvPr id="2" name="Title 1"/>
           <p:cNvSpPr>
             <a:spLocks noGrp="1"/>
           </p:cNvSpPr>
@@ -5671,18 +5515,13 @@
               <a:rPr lang="en-US" dirty="0"/>
               <a:t>Data Analysis</a:t>
             </a:r>
-          </a:p>
-        </p:txBody>
-      </p:sp>
-      <p:sp>
-        <p:nvSpPr>
-          <p:cNvPr id="3" name="Content Placeholder 2">
-            <a:extLst>
-              <a:ext uri="{FF2B5EF4-FFF2-40B4-BE49-F238E27FC236}">
-                <a16:creationId xmlns:a16="http://schemas.microsoft.com/office/drawing/2014/main" id="{C071085D-42AF-297F-D0D5-30F62101A4DA}"/>
-              </a:ext>
-            </a:extLst>
-          </p:cNvPr>
+            <a:endParaRPr lang="en-US" dirty="0"/>
+          </a:p>
+        </p:txBody>
+      </p:sp>
+      <p:sp>
+        <p:nvSpPr>
+          <p:cNvPr id="3" name="Content Placeholder 2"/>
           <p:cNvSpPr>
             <a:spLocks noGrp="1"/>
           </p:cNvSpPr>
@@ -5713,6 +5552,13 @@
               </a:rPr>
               <a:t>This project utilizes a powerful combination of industry datasets, each contributing unique insights to our understanding of the global film landscape:</a:t>
             </a:r>
+            <a:endParaRPr lang="en-US" b="0" i="0" dirty="0">
+              <a:solidFill>
+                <a:srgbClr val="1F2328"/>
+              </a:solidFill>
+              <a:effectLst/>
+              <a:latin typeface="-apple-system"/>
+            </a:endParaRPr>
           </a:p>
           <a:p>
             <a:pPr algn="l">
@@ -5739,6 +5585,13 @@
               </a:rPr>
               <a:t>: Providing crucial financial details such as production budgets and revenues, enabling accurate ROI calculations.</a:t>
             </a:r>
+            <a:endParaRPr lang="en-US" b="0" i="0" dirty="0">
+              <a:solidFill>
+                <a:srgbClr val="1F2328"/>
+              </a:solidFill>
+              <a:effectLst/>
+              <a:latin typeface="-apple-system"/>
+            </a:endParaRPr>
           </a:p>
           <a:p>
             <a:pPr algn="l">
@@ -5765,6 +5618,13 @@
               </a:rPr>
               <a:t>: Offering data on gross earnings and overall box office performance.</a:t>
             </a:r>
+            <a:endParaRPr lang="en-US" b="0" i="0" dirty="0">
+              <a:solidFill>
+                <a:srgbClr val="1F2328"/>
+              </a:solidFill>
+              <a:effectLst/>
+              <a:latin typeface="-apple-system"/>
+            </a:endParaRPr>
           </a:p>
           <a:p>
             <a:pPr algn="l">
@@ -5791,6 +5651,13 @@
               </a:rPr>
               <a:t>: Supplying critic and audience scores, along with valuable insights into review sentiment.</a:t>
             </a:r>
+            <a:endParaRPr lang="en-US" b="0" i="0" dirty="0">
+              <a:solidFill>
+                <a:srgbClr val="1F2328"/>
+              </a:solidFill>
+              <a:effectLst/>
+              <a:latin typeface="-apple-system"/>
+            </a:endParaRPr>
           </a:p>
           <a:p>
             <a:pPr algn="l">
@@ -5817,6 +5684,13 @@
               </a:rPr>
               <a:t>: Delivering rich metadata on movies, encompassing genres, languages, production countries, popularity metrics, and more.</a:t>
             </a:r>
+            <a:endParaRPr lang="en-US" b="0" i="0" dirty="0">
+              <a:solidFill>
+                <a:srgbClr val="1F2328"/>
+              </a:solidFill>
+              <a:effectLst/>
+              <a:latin typeface="-apple-system"/>
+            </a:endParaRPr>
           </a:p>
           <a:p>
             <a:pPr algn="l">
@@ -5843,6 +5717,13 @@
               </a:rPr>
               <a:t>: Providing unique identifiers to facilitate cross-referencing of movies across all datasets.</a:t>
             </a:r>
+            <a:endParaRPr lang="en-US" b="0" i="0" dirty="0">
+              <a:solidFill>
+                <a:srgbClr val="1F2328"/>
+              </a:solidFill>
+              <a:effectLst/>
+              <a:latin typeface="-apple-system"/>
+            </a:endParaRPr>
           </a:p>
           <a:p>
             <a:endParaRPr lang="en-US" dirty="0"/>
@@ -5850,11 +5731,6 @@
         </p:txBody>
       </p:sp>
     </p:spTree>
-    <p:extLst>
-      <p:ext uri="{BB962C8B-B14F-4D97-AF65-F5344CB8AC3E}">
-        <p14:creationId xmlns:p14="http://schemas.microsoft.com/office/powerpoint/2010/main" val="1864177644"/>
-      </p:ext>
-    </p:extLst>
   </p:cSld>
   <p:clrMapOvr>
     <a:masterClrMapping/>
@@ -5905,7 +5781,7 @@
     </a:clrScheme>
     <a:fontScheme name="Office">
       <a:majorFont>
-        <a:latin typeface="Calibri Light" panose="020F0302020204030204"/>
+        <a:latin typeface="Calibri Light"/>
         <a:ea typeface=""/>
         <a:cs typeface=""/>
         <a:font script="Jpan" typeface="游ゴシック Light"/>
@@ -5938,26 +5814,9 @@
         <a:font script="Viet" typeface="Times New Roman"/>
         <a:font script="Uigh" typeface="Microsoft Uighur"/>
         <a:font script="Geor" typeface="Sylfaen"/>
-        <a:font script="Armn" typeface="Arial"/>
-        <a:font script="Bugi" typeface="Leelawadee UI"/>
-        <a:font script="Bopo" typeface="Microsoft JhengHei"/>
-        <a:font script="Java" typeface="Javanese Text"/>
-        <a:font script="Lisu" typeface="Segoe UI"/>
-        <a:font script="Mymr" typeface="Myanmar Text"/>
-        <a:font script="Nkoo" typeface="Ebrima"/>
-        <a:font script="Olck" typeface="Nirmala UI"/>
-        <a:font script="Osma" typeface="Ebrima"/>
-        <a:font script="Phag" typeface="Phagspa"/>
-        <a:font script="Syrn" typeface="Estrangelo Edessa"/>
-        <a:font script="Syrj" typeface="Estrangelo Edessa"/>
-        <a:font script="Syre" typeface="Estrangelo Edessa"/>
-        <a:font script="Sora" typeface="Nirmala UI"/>
-        <a:font script="Tale" typeface="Microsoft Tai Le"/>
-        <a:font script="Talu" typeface="Microsoft New Tai Lue"/>
-        <a:font script="Tfng" typeface="Ebrima"/>
       </a:majorFont>
       <a:minorFont>
-        <a:latin typeface="Calibri" panose="020F0502020204030204"/>
+        <a:latin typeface="Calibri"/>
         <a:ea typeface=""/>
         <a:cs typeface=""/>
         <a:font script="Jpan" typeface="游ゴシック"/>
@@ -5990,23 +5849,6 @@
         <a:font script="Viet" typeface="Arial"/>
         <a:font script="Uigh" typeface="Microsoft Uighur"/>
         <a:font script="Geor" typeface="Sylfaen"/>
-        <a:font script="Armn" typeface="Arial"/>
-        <a:font script="Bugi" typeface="Leelawadee UI"/>
-        <a:font script="Bopo" typeface="Microsoft JhengHei"/>
-        <a:font script="Java" typeface="Javanese Text"/>
-        <a:font script="Lisu" typeface="Segoe UI"/>
-        <a:font script="Mymr" typeface="Myanmar Text"/>
-        <a:font script="Nkoo" typeface="Ebrima"/>
-        <a:font script="Olck" typeface="Nirmala UI"/>
-        <a:font script="Osma" typeface="Ebrima"/>
-        <a:font script="Phag" typeface="Phagspa"/>
-        <a:font script="Syrn" typeface="Estrangelo Edessa"/>
-        <a:font script="Syrj" typeface="Estrangelo Edessa"/>
-        <a:font script="Syre" typeface="Estrangelo Edessa"/>
-        <a:font script="Sora" typeface="Nirmala UI"/>
-        <a:font script="Tale" typeface="Microsoft Tai Le"/>
-        <a:font script="Talu" typeface="Microsoft New Tai Lue"/>
-        <a:font script="Tfng" typeface="Ebrima"/>
       </a:minorFont>
     </a:fontScheme>
     <a:fmtScheme name="Office">
@@ -6147,8 +5989,265 @@
       </a:bgFillStyleLst>
     </a:fmtScheme>
   </a:themeElements>
-  <a:objectDefaults/>
-  <a:extraClrSchemeLst/>
+  <a:extLst>
+    <a:ext uri="{05A4C25C-085E-4340-85A3-A5531E510DB2}">
+      <thm15:themeFamily xmlns:thm15="http://schemas.microsoft.com/office/thememl/2012/main" name="Office Theme" id="{62F939B6-93AF-4DB8-9C6B-D6C7DFDC589F}" vid="{4A3C46E8-61CC-4603-A589-7422A47A8E4A}"/>
+    </a:ext>
+  </a:extLst>
+</a:theme>
+</file>
+
+<file path=ppt/theme/theme2.xml><?xml version="1.0" encoding="utf-8"?>
+<a:theme xmlns:a="http://schemas.openxmlformats.org/drawingml/2006/main" name="Office Theme">
+  <a:themeElements>
+    <a:clrScheme name="Office">
+      <a:dk1>
+        <a:sysClr val="windowText" lastClr="000000"/>
+      </a:dk1>
+      <a:lt1>
+        <a:sysClr val="window" lastClr="FFFFFF"/>
+      </a:lt1>
+      <a:dk2>
+        <a:srgbClr val="44546A"/>
+      </a:dk2>
+      <a:lt2>
+        <a:srgbClr val="E7E6E6"/>
+      </a:lt2>
+      <a:accent1>
+        <a:srgbClr val="5B9BD5"/>
+      </a:accent1>
+      <a:accent2>
+        <a:srgbClr val="ED7D31"/>
+      </a:accent2>
+      <a:accent3>
+        <a:srgbClr val="A5A5A5"/>
+      </a:accent3>
+      <a:accent4>
+        <a:srgbClr val="FFC000"/>
+      </a:accent4>
+      <a:accent5>
+        <a:srgbClr val="4472C4"/>
+      </a:accent5>
+      <a:accent6>
+        <a:srgbClr val="70AD47"/>
+      </a:accent6>
+      <a:hlink>
+        <a:srgbClr val="0563C1"/>
+      </a:hlink>
+      <a:folHlink>
+        <a:srgbClr val="954F72"/>
+      </a:folHlink>
+    </a:clrScheme>
+    <a:fontScheme name="Office">
+      <a:majorFont>
+        <a:latin typeface="Calibri Light"/>
+        <a:ea typeface=""/>
+        <a:cs typeface=""/>
+        <a:font script="Jpan" typeface="ＭＳ Ｐゴシック"/>
+        <a:font script="Hang" typeface="맑은 고딕"/>
+        <a:font script="Hans" typeface="宋体"/>
+        <a:font script="Hant" typeface="新細明體"/>
+        <a:font script="Arab" typeface="Times New Roman"/>
+        <a:font script="Hebr" typeface="Times New Roman"/>
+        <a:font script="Thai" typeface="Angsana New"/>
+        <a:font script="Ethi" typeface="Nyala"/>
+        <a:font script="Beng" typeface="Vrinda"/>
+        <a:font script="Gujr" typeface="Shruti"/>
+        <a:font script="Khmr" typeface="MoolBoran"/>
+        <a:font script="Knda" typeface="Tunga"/>
+        <a:font script="Guru" typeface="Raavi"/>
+        <a:font script="Cans" typeface="Euphemia"/>
+        <a:font script="Cher" typeface="Plantagenet Cherokee"/>
+        <a:font script="Yiii" typeface="Microsoft Yi Baiti"/>
+        <a:font script="Tibt" typeface="Microsoft Himalaya"/>
+        <a:font script="Thaa" typeface="MV Boli"/>
+        <a:font script="Deva" typeface="Mangal"/>
+        <a:font script="Telu" typeface="Gautami"/>
+        <a:font script="Taml" typeface="Latha"/>
+        <a:font script="Syrc" typeface="Estrangelo Edessa"/>
+        <a:font script="Orya" typeface="Kalinga"/>
+        <a:font script="Mlym" typeface="Kartika"/>
+        <a:font script="Laoo" typeface="DokChampa"/>
+        <a:font script="Sinh" typeface="Iskoola Pota"/>
+        <a:font script="Mong" typeface="Mongolian Baiti"/>
+        <a:font script="Viet" typeface="Times New Roman"/>
+        <a:font script="Uigh" typeface="Microsoft Uighur"/>
+        <a:font script="Geor" typeface="Sylfaen"/>
+      </a:majorFont>
+      <a:minorFont>
+        <a:latin typeface="Calibri"/>
+        <a:ea typeface=""/>
+        <a:cs typeface=""/>
+        <a:font script="Jpan" typeface="ＭＳ Ｐゴシック"/>
+        <a:font script="Hang" typeface="맑은 고딕"/>
+        <a:font script="Hans" typeface="宋体"/>
+        <a:font script="Hant" typeface="新細明體"/>
+        <a:font script="Arab" typeface="Arial"/>
+        <a:font script="Hebr" typeface="Arial"/>
+        <a:font script="Thai" typeface="Cordia New"/>
+        <a:font script="Ethi" typeface="Nyala"/>
+        <a:font script="Beng" typeface="Vrinda"/>
+        <a:font script="Gujr" typeface="Shruti"/>
+        <a:font script="Khmr" typeface="DaunPenh"/>
+        <a:font script="Knda" typeface="Tunga"/>
+        <a:font script="Guru" typeface="Raavi"/>
+        <a:font script="Cans" typeface="Euphemia"/>
+        <a:font script="Cher" typeface="Plantagenet Cherokee"/>
+        <a:font script="Yiii" typeface="Microsoft Yi Baiti"/>
+        <a:font script="Tibt" typeface="Microsoft Himalaya"/>
+        <a:font script="Thaa" typeface="MV Boli"/>
+        <a:font script="Deva" typeface="Mangal"/>
+        <a:font script="Telu" typeface="Gautami"/>
+        <a:font script="Taml" typeface="Latha"/>
+        <a:font script="Syrc" typeface="Estrangelo Edessa"/>
+        <a:font script="Orya" typeface="Kalinga"/>
+        <a:font script="Mlym" typeface="Kartika"/>
+        <a:font script="Laoo" typeface="DokChampa"/>
+        <a:font script="Sinh" typeface="Iskoola Pota"/>
+        <a:font script="Mong" typeface="Mongolian Baiti"/>
+        <a:font script="Viet" typeface="Arial"/>
+        <a:font script="Uigh" typeface="Microsoft Uighur"/>
+        <a:font script="Geor" typeface="Sylfaen"/>
+      </a:minorFont>
+    </a:fontScheme>
+    <a:fmtScheme name="Office">
+      <a:fillStyleLst>
+        <a:solidFill>
+          <a:schemeClr val="phClr"/>
+        </a:solidFill>
+        <a:gradFill rotWithShape="1">
+          <a:gsLst>
+            <a:gs pos="0">
+              <a:schemeClr val="phClr">
+                <a:lumMod val="110000"/>
+                <a:satMod val="105000"/>
+                <a:tint val="67000"/>
+              </a:schemeClr>
+            </a:gs>
+            <a:gs pos="50000">
+              <a:schemeClr val="phClr">
+                <a:lumMod val="105000"/>
+                <a:satMod val="103000"/>
+                <a:tint val="73000"/>
+              </a:schemeClr>
+            </a:gs>
+            <a:gs pos="100000">
+              <a:schemeClr val="phClr">
+                <a:lumMod val="105000"/>
+                <a:satMod val="109000"/>
+                <a:tint val="81000"/>
+              </a:schemeClr>
+            </a:gs>
+          </a:gsLst>
+          <a:lin ang="5400000" scaled="0"/>
+        </a:gradFill>
+        <a:gradFill rotWithShape="1">
+          <a:gsLst>
+            <a:gs pos="0">
+              <a:schemeClr val="phClr">
+                <a:satMod val="103000"/>
+                <a:lumMod val="102000"/>
+                <a:tint val="94000"/>
+              </a:schemeClr>
+            </a:gs>
+            <a:gs pos="50000">
+              <a:schemeClr val="phClr">
+                <a:satMod val="110000"/>
+                <a:lumMod val="100000"/>
+                <a:shade val="100000"/>
+              </a:schemeClr>
+            </a:gs>
+            <a:gs pos="100000">
+              <a:schemeClr val="phClr">
+                <a:lumMod val="99000"/>
+                <a:satMod val="120000"/>
+                <a:shade val="78000"/>
+              </a:schemeClr>
+            </a:gs>
+          </a:gsLst>
+          <a:lin ang="5400000" scaled="0"/>
+        </a:gradFill>
+      </a:fillStyleLst>
+      <a:lnStyleLst>
+        <a:ln w="6350" cap="flat" cmpd="sng" algn="ctr">
+          <a:solidFill>
+            <a:schemeClr val="phClr"/>
+          </a:solidFill>
+          <a:prstDash val="solid"/>
+          <a:miter lim="800000"/>
+        </a:ln>
+        <a:ln w="12700" cap="flat" cmpd="sng" algn="ctr">
+          <a:solidFill>
+            <a:schemeClr val="phClr"/>
+          </a:solidFill>
+          <a:prstDash val="solid"/>
+          <a:miter lim="800000"/>
+        </a:ln>
+        <a:ln w="19050" cap="flat" cmpd="sng" algn="ctr">
+          <a:solidFill>
+            <a:schemeClr val="phClr"/>
+          </a:solidFill>
+          <a:prstDash val="solid"/>
+          <a:miter lim="800000"/>
+        </a:ln>
+      </a:lnStyleLst>
+      <a:effectStyleLst>
+        <a:effectStyle>
+          <a:effectLst/>
+        </a:effectStyle>
+        <a:effectStyle>
+          <a:effectLst/>
+        </a:effectStyle>
+        <a:effectStyle>
+          <a:effectLst>
+            <a:outerShdw blurRad="57150" dist="19050" dir="5400000" algn="ctr" rotWithShape="0">
+              <a:srgbClr val="000000">
+                <a:alpha val="63000"/>
+              </a:srgbClr>
+            </a:outerShdw>
+          </a:effectLst>
+        </a:effectStyle>
+      </a:effectStyleLst>
+      <a:bgFillStyleLst>
+        <a:solidFill>
+          <a:schemeClr val="phClr"/>
+        </a:solidFill>
+        <a:solidFill>
+          <a:schemeClr val="phClr">
+            <a:tint val="95000"/>
+            <a:satMod val="170000"/>
+          </a:schemeClr>
+        </a:solidFill>
+        <a:gradFill rotWithShape="1">
+          <a:gsLst>
+            <a:gs pos="0">
+              <a:schemeClr val="phClr">
+                <a:tint val="93000"/>
+                <a:satMod val="150000"/>
+                <a:shade val="98000"/>
+                <a:lumMod val="102000"/>
+              </a:schemeClr>
+            </a:gs>
+            <a:gs pos="50000">
+              <a:schemeClr val="phClr">
+                <a:tint val="98000"/>
+                <a:satMod val="130000"/>
+                <a:shade val="90000"/>
+                <a:lumMod val="103000"/>
+              </a:schemeClr>
+            </a:gs>
+            <a:gs pos="100000">
+              <a:schemeClr val="phClr">
+                <a:shade val="63000"/>
+                <a:satMod val="120000"/>
+              </a:schemeClr>
+            </a:gs>
+          </a:gsLst>
+          <a:lin ang="5400000" scaled="0"/>
+        </a:gradFill>
+      </a:bgFillStyleLst>
+    </a:fmtScheme>
+  </a:themeElements>
   <a:extLst>
     <a:ext uri="{05A4C25C-085E-4340-85A3-A5531E510DB2}">
       <thm15:themeFamily xmlns:thm15="http://schemas.microsoft.com/office/thememl/2012/main" name="Office Theme" id="{62F939B6-93AF-4DB8-9C6B-D6C7DFDC589F}" vid="{4A3C46E8-61CC-4603-A589-7422A47A8E4A}"/>
